--- a/lessons/lesson_3/lecture3.pptx
+++ b/lessons/lesson_3/lecture3.pptx
@@ -13,6 +13,9 @@
     <p:sldId id="261" r:id="rId7"/>
     <p:sldId id="262" r:id="rId8"/>
     <p:sldId id="263" r:id="rId9"/>
+    <p:sldId id="264" r:id="rId10"/>
+    <p:sldId id="265" r:id="rId11"/>
+    <p:sldId id="266" r:id="rId12"/>
   </p:sldIdLst>
   <p:sldSz cx="12192000" cy="6858000"/>
   <p:notesSz cx="6858000" cy="9144000"/>
@@ -3381,6 +3384,572 @@
     <p:extLst>
       <p:ext uri="{BB962C8B-B14F-4D97-AF65-F5344CB8AC3E}">
         <p14:creationId xmlns:p14="http://schemas.microsoft.com/office/powerpoint/2010/main" val="1739215066"/>
+      </p:ext>
+    </p:extLst>
+  </p:cSld>
+  <p:clrMapOvr>
+    <a:masterClrMapping/>
+  </p:clrMapOvr>
+</p:sld>
+</file>
+
+<file path=ppt/slides/slide10.xml><?xml version="1.0" encoding="utf-8"?>
+<p:sld xmlns:a="http://schemas.openxmlformats.org/drawingml/2006/main" xmlns:r="http://schemas.openxmlformats.org/officeDocument/2006/relationships" xmlns:p="http://schemas.openxmlformats.org/presentationml/2006/main">
+  <p:cSld>
+    <p:spTree>
+      <p:nvGrpSpPr>
+        <p:cNvPr id="1" name=""/>
+        <p:cNvGrpSpPr/>
+        <p:nvPr/>
+      </p:nvGrpSpPr>
+      <p:grpSpPr>
+        <a:xfrm>
+          <a:off x="0" y="0"/>
+          <a:ext cx="0" cy="0"/>
+          <a:chOff x="0" y="0"/>
+          <a:chExt cx="0" cy="0"/>
+        </a:xfrm>
+      </p:grpSpPr>
+      <p:sp>
+        <p:nvSpPr>
+          <p:cNvPr id="2" name="Title 1">
+            <a:extLst>
+              <a:ext uri="{FF2B5EF4-FFF2-40B4-BE49-F238E27FC236}">
+                <a16:creationId xmlns:a16="http://schemas.microsoft.com/office/drawing/2014/main" id="{60D2C595-555A-9920-0EEC-FDFD9F66FFBC}"/>
+              </a:ext>
+            </a:extLst>
+          </p:cNvPr>
+          <p:cNvSpPr>
+            <a:spLocks noGrp="1"/>
+          </p:cNvSpPr>
+          <p:nvPr>
+            <p:ph type="title"/>
+          </p:nvPr>
+        </p:nvSpPr>
+        <p:spPr/>
+        <p:txBody>
+          <a:bodyPr/>
+          <a:lstStyle/>
+          <a:p>
+            <a:r>
+              <a:rPr lang="en-DK" dirty="0"/>
+              <a:t>Learning the potential energy</a:t>
+            </a:r>
+          </a:p>
+        </p:txBody>
+      </p:sp>
+      <p:pic>
+        <p:nvPicPr>
+          <p:cNvPr id="7" name="Picture 6" descr="A graph of energy and train&#10;&#10;AI-generated content may be incorrect.">
+            <a:extLst>
+              <a:ext uri="{FF2B5EF4-FFF2-40B4-BE49-F238E27FC236}">
+                <a16:creationId xmlns:a16="http://schemas.microsoft.com/office/drawing/2014/main" id="{DF83CB2B-2541-DBDA-742A-614E7C096F23}"/>
+              </a:ext>
+            </a:extLst>
+          </p:cNvPr>
+          <p:cNvPicPr>
+            <a:picLocks noChangeAspect="1"/>
+          </p:cNvPicPr>
+          <p:nvPr/>
+        </p:nvPicPr>
+        <p:blipFill>
+          <a:blip r:embed="rId2"/>
+          <a:srcRect l="1" r="49191"/>
+          <a:stretch/>
+        </p:blipFill>
+        <p:spPr>
+          <a:xfrm>
+            <a:off x="6739926" y="2254658"/>
+            <a:ext cx="3949094" cy="3873940"/>
+          </a:xfrm>
+          <a:prstGeom prst="rect">
+            <a:avLst/>
+          </a:prstGeom>
+        </p:spPr>
+      </p:pic>
+      <p:sp>
+        <p:nvSpPr>
+          <p:cNvPr id="8" name="TextBox 7">
+            <a:extLst>
+              <a:ext uri="{FF2B5EF4-FFF2-40B4-BE49-F238E27FC236}">
+                <a16:creationId xmlns:a16="http://schemas.microsoft.com/office/drawing/2014/main" id="{5CC0A5A4-D678-F3A0-FF42-71CC092A0094}"/>
+              </a:ext>
+            </a:extLst>
+          </p:cNvPr>
+          <p:cNvSpPr txBox="1"/>
+          <p:nvPr/>
+        </p:nvSpPr>
+        <p:spPr>
+          <a:xfrm>
+            <a:off x="838200" y="1933903"/>
+            <a:ext cx="5646683" cy="646331"/>
+          </a:xfrm>
+          <a:prstGeom prst="rect">
+            <a:avLst/>
+          </a:prstGeom>
+          <a:noFill/>
+        </p:spPr>
+        <p:txBody>
+          <a:bodyPr wrap="square" rtlCol="0">
+            <a:spAutoFit/>
+          </a:bodyPr>
+          <a:lstStyle/>
+          <a:p>
+            <a:r>
+              <a:rPr lang="en-DK" dirty="0"/>
+              <a:t>Training with cluster configurations, so now we have data with many dimensions (~60). </a:t>
+            </a:r>
+          </a:p>
+        </p:txBody>
+      </p:sp>
+      <p:pic>
+        <p:nvPicPr>
+          <p:cNvPr id="11" name="Picture 10" descr="A grid with blue dots&#10;&#10;AI-generated content may be incorrect.">
+            <a:extLst>
+              <a:ext uri="{FF2B5EF4-FFF2-40B4-BE49-F238E27FC236}">
+                <a16:creationId xmlns:a16="http://schemas.microsoft.com/office/drawing/2014/main" id="{DA4421A5-A878-2B0E-6858-95CB63C0BA70}"/>
+              </a:ext>
+            </a:extLst>
+          </p:cNvPr>
+          <p:cNvPicPr>
+            <a:picLocks noChangeAspect="1"/>
+          </p:cNvPicPr>
+          <p:nvPr/>
+        </p:nvPicPr>
+        <p:blipFill>
+          <a:blip r:embed="rId3"/>
+          <a:stretch>
+            <a:fillRect/>
+          </a:stretch>
+        </p:blipFill>
+        <p:spPr>
+          <a:xfrm>
+            <a:off x="838200" y="3136861"/>
+            <a:ext cx="5765788" cy="2281812"/>
+          </a:xfrm>
+          <a:prstGeom prst="rect">
+            <a:avLst/>
+          </a:prstGeom>
+        </p:spPr>
+      </p:pic>
+      <p:sp>
+        <p:nvSpPr>
+          <p:cNvPr id="12" name="TextBox 11">
+            <a:extLst>
+              <a:ext uri="{FF2B5EF4-FFF2-40B4-BE49-F238E27FC236}">
+                <a16:creationId xmlns:a16="http://schemas.microsoft.com/office/drawing/2014/main" id="{C2BF9FEA-8484-A73C-803D-E7D6B18CF659}"/>
+              </a:ext>
+            </a:extLst>
+          </p:cNvPr>
+          <p:cNvSpPr txBox="1"/>
+          <p:nvPr/>
+        </p:nvSpPr>
+        <p:spPr>
+          <a:xfrm>
+            <a:off x="1671145" y="5507421"/>
+            <a:ext cx="4056993" cy="646331"/>
+          </a:xfrm>
+          <a:prstGeom prst="rect">
+            <a:avLst/>
+          </a:prstGeom>
+          <a:noFill/>
+        </p:spPr>
+        <p:txBody>
+          <a:bodyPr wrap="square" rtlCol="0">
+            <a:spAutoFit/>
+          </a:bodyPr>
+          <a:lstStyle/>
+          <a:p>
+            <a:r>
+              <a:rPr lang="en-DK" dirty="0"/>
+              <a:t>Geometries of some small clusters shown here. </a:t>
+            </a:r>
+          </a:p>
+        </p:txBody>
+      </p:sp>
+      <p:sp>
+        <p:nvSpPr>
+          <p:cNvPr id="13" name="TextBox 12">
+            <a:extLst>
+              <a:ext uri="{FF2B5EF4-FFF2-40B4-BE49-F238E27FC236}">
+                <a16:creationId xmlns:a16="http://schemas.microsoft.com/office/drawing/2014/main" id="{2A007CDA-F63A-D75C-5867-7C30B5278E21}"/>
+              </a:ext>
+            </a:extLst>
+          </p:cNvPr>
+          <p:cNvSpPr txBox="1"/>
+          <p:nvPr/>
+        </p:nvSpPr>
+        <p:spPr>
+          <a:xfrm>
+            <a:off x="7865762" y="1229023"/>
+            <a:ext cx="3615559" cy="923330"/>
+          </a:xfrm>
+          <a:prstGeom prst="rect">
+            <a:avLst/>
+          </a:prstGeom>
+          <a:noFill/>
+        </p:spPr>
+        <p:txBody>
+          <a:bodyPr wrap="square" rtlCol="0">
+            <a:spAutoFit/>
+          </a:bodyPr>
+          <a:lstStyle/>
+          <a:p>
+            <a:r>
+              <a:rPr lang="en-DK" dirty="0"/>
+              <a:t>Because the data does not come from the LJ-potential, we cannot get a perfect fit. </a:t>
+            </a:r>
+          </a:p>
+        </p:txBody>
+      </p:sp>
+    </p:spTree>
+    <p:extLst>
+      <p:ext uri="{BB962C8B-B14F-4D97-AF65-F5344CB8AC3E}">
+        <p14:creationId xmlns:p14="http://schemas.microsoft.com/office/powerpoint/2010/main" val="1902303785"/>
+      </p:ext>
+    </p:extLst>
+  </p:cSld>
+  <p:clrMapOvr>
+    <a:masterClrMapping/>
+  </p:clrMapOvr>
+</p:sld>
+</file>
+
+<file path=ppt/slides/slide11.xml><?xml version="1.0" encoding="utf-8"?>
+<p:sld xmlns:a="http://schemas.openxmlformats.org/drawingml/2006/main" xmlns:r="http://schemas.openxmlformats.org/officeDocument/2006/relationships" xmlns:p="http://schemas.openxmlformats.org/presentationml/2006/main">
+  <p:cSld>
+    <p:spTree>
+      <p:nvGrpSpPr>
+        <p:cNvPr id="1" name=""/>
+        <p:cNvGrpSpPr/>
+        <p:nvPr/>
+      </p:nvGrpSpPr>
+      <p:grpSpPr>
+        <a:xfrm>
+          <a:off x="0" y="0"/>
+          <a:ext cx="0" cy="0"/>
+          <a:chOff x="0" y="0"/>
+          <a:chExt cx="0" cy="0"/>
+        </a:xfrm>
+      </p:grpSpPr>
+      <p:sp>
+        <p:nvSpPr>
+          <p:cNvPr id="2" name="Title 1">
+            <a:extLst>
+              <a:ext uri="{FF2B5EF4-FFF2-40B4-BE49-F238E27FC236}">
+                <a16:creationId xmlns:a16="http://schemas.microsoft.com/office/drawing/2014/main" id="{0F163DBA-EC5D-55D8-0AE2-526317896EB2}"/>
+              </a:ext>
+            </a:extLst>
+          </p:cNvPr>
+          <p:cNvSpPr>
+            <a:spLocks noGrp="1"/>
+          </p:cNvSpPr>
+          <p:nvPr>
+            <p:ph type="title"/>
+          </p:nvPr>
+        </p:nvSpPr>
+        <p:spPr/>
+        <p:txBody>
+          <a:bodyPr/>
+          <a:lstStyle/>
+          <a:p>
+            <a:r>
+              <a:rPr lang="en-DK" dirty="0"/>
+              <a:t>More expressive model</a:t>
+            </a:r>
+          </a:p>
+        </p:txBody>
+      </p:sp>
+      <p:pic>
+        <p:nvPicPr>
+          <p:cNvPr id="4" name="Picture 3" descr="A math equation with a square and a number&#10;&#10;AI-generated content may be incorrect.">
+            <a:extLst>
+              <a:ext uri="{FF2B5EF4-FFF2-40B4-BE49-F238E27FC236}">
+                <a16:creationId xmlns:a16="http://schemas.microsoft.com/office/drawing/2014/main" id="{33033296-21C3-E7AB-140F-B616B38B4BB4}"/>
+              </a:ext>
+            </a:extLst>
+          </p:cNvPr>
+          <p:cNvPicPr>
+            <a:picLocks noChangeAspect="1"/>
+          </p:cNvPicPr>
+          <p:nvPr/>
+        </p:nvPicPr>
+        <p:blipFill>
+          <a:blip r:embed="rId2"/>
+          <a:stretch>
+            <a:fillRect/>
+          </a:stretch>
+        </p:blipFill>
+        <p:spPr>
+          <a:xfrm>
+            <a:off x="1099863" y="3547323"/>
+            <a:ext cx="4127500" cy="1003300"/>
+          </a:xfrm>
+          <a:prstGeom prst="rect">
+            <a:avLst/>
+          </a:prstGeom>
+        </p:spPr>
+      </p:pic>
+      <mc:AlternateContent xmlns:mc="http://schemas.openxmlformats.org/markup-compatibility/2006">
+        <mc:Choice xmlns:a14="http://schemas.microsoft.com/office/drawing/2010/main" Requires="a14">
+          <p:sp>
+            <p:nvSpPr>
+              <p:cNvPr id="5" name="TextBox 4">
+                <a:extLst>
+                  <a:ext uri="{FF2B5EF4-FFF2-40B4-BE49-F238E27FC236}">
+                    <a16:creationId xmlns:a16="http://schemas.microsoft.com/office/drawing/2014/main" id="{64EE8943-BBF8-4F5A-5751-0E140091828C}"/>
+                  </a:ext>
+                </a:extLst>
+              </p:cNvPr>
+              <p:cNvSpPr txBox="1"/>
+              <p:nvPr/>
+            </p:nvSpPr>
+            <p:spPr>
+              <a:xfrm>
+                <a:off x="4887290" y="3957007"/>
+                <a:ext cx="827214" cy="276999"/>
+              </a:xfrm>
+              <a:prstGeom prst="rect">
+                <a:avLst/>
+              </a:prstGeom>
+              <a:noFill/>
+            </p:spPr>
+            <p:txBody>
+              <a:bodyPr wrap="none" lIns="0" tIns="0" rIns="0" bIns="0" rtlCol="0">
+                <a:spAutoFit/>
+              </a:bodyPr>
+              <a:lstStyle/>
+              <a:p>
+                <a14:m>
+                  <m:oMathPara xmlns:m="http://schemas.openxmlformats.org/officeDocument/2006/math">
+                    <m:oMathParaPr>
+                      <m:jc m:val="centerGroup"/>
+                    </m:oMathParaPr>
+                    <m:oMath xmlns:m="http://schemas.openxmlformats.org/officeDocument/2006/math">
+                      <m:r>
+                        <a:rPr lang="da-DK" b="0" i="1" smtClean="0">
+                          <a:latin typeface="Cambria Math" panose="02040503050406030204" pitchFamily="18" charset="0"/>
+                        </a:rPr>
+                        <m:t>+</m:t>
+                      </m:r>
+                      <m:sSub>
+                        <m:sSubPr>
+                          <m:ctrlPr>
+                            <a:rPr lang="da-DK" b="0" i="1" smtClean="0">
+                              <a:latin typeface="Cambria Math" panose="02040503050406030204" pitchFamily="18" charset="0"/>
+                            </a:rPr>
+                          </m:ctrlPr>
+                        </m:sSubPr>
+                        <m:e>
+                          <m:r>
+                            <a:rPr lang="da-DK" b="0" i="1" smtClean="0">
+                              <a:latin typeface="Cambria Math" panose="02040503050406030204" pitchFamily="18" charset="0"/>
+                            </a:rPr>
+                            <m:t>𝐺</m:t>
+                          </m:r>
+                        </m:e>
+                        <m:sub>
+                          <m:r>
+                            <a:rPr lang="da-DK" b="0" i="1" smtClean="0">
+                              <a:latin typeface="Cambria Math" panose="02040503050406030204" pitchFamily="18" charset="0"/>
+                            </a:rPr>
+                            <m:t>𝜃</m:t>
+                          </m:r>
+                        </m:sub>
+                      </m:sSub>
+                      <m:r>
+                        <a:rPr lang="da-DK" b="0" i="1" smtClean="0">
+                          <a:latin typeface="Cambria Math" panose="02040503050406030204" pitchFamily="18" charset="0"/>
+                        </a:rPr>
+                        <m:t>(</m:t>
+                      </m:r>
+                      <m:r>
+                        <a:rPr lang="da-DK" b="0" i="1" smtClean="0">
+                          <a:latin typeface="Cambria Math" panose="02040503050406030204" pitchFamily="18" charset="0"/>
+                        </a:rPr>
+                        <m:t>𝑅</m:t>
+                      </m:r>
+                      <m:r>
+                        <a:rPr lang="da-DK" b="0" i="1" smtClean="0">
+                          <a:latin typeface="Cambria Math" panose="02040503050406030204" pitchFamily="18" charset="0"/>
+                        </a:rPr>
+                        <m:t>)</m:t>
+                      </m:r>
+                    </m:oMath>
+                  </m:oMathPara>
+                </a14:m>
+                <a:endParaRPr lang="en-DK" dirty="0"/>
+              </a:p>
+            </p:txBody>
+          </p:sp>
+        </mc:Choice>
+        <mc:Fallback>
+          <p:sp>
+            <p:nvSpPr>
+              <p:cNvPr id="5" name="TextBox 4">
+                <a:extLst>
+                  <a:ext uri="{FF2B5EF4-FFF2-40B4-BE49-F238E27FC236}">
+                    <a16:creationId xmlns:a16="http://schemas.microsoft.com/office/drawing/2014/main" id="{64EE8943-BBF8-4F5A-5751-0E140091828C}"/>
+                  </a:ext>
+                </a:extLst>
+              </p:cNvPr>
+              <p:cNvSpPr txBox="1">
+                <a:spLocks noRot="1" noChangeAspect="1" noMove="1" noResize="1" noEditPoints="1" noAdjustHandles="1" noChangeArrowheads="1" noChangeShapeType="1" noTextEdit="1"/>
+              </p:cNvSpPr>
+              <p:nvPr/>
+            </p:nvSpPr>
+            <p:spPr>
+              <a:xfrm>
+                <a:off x="4887290" y="3957007"/>
+                <a:ext cx="827214" cy="276999"/>
+              </a:xfrm>
+              <a:prstGeom prst="rect">
+                <a:avLst/>
+              </a:prstGeom>
+              <a:blipFill>
+                <a:blip r:embed="rId3"/>
+                <a:stretch>
+                  <a:fillRect l="-4545" r="-10606" b="-34783"/>
+                </a:stretch>
+              </a:blipFill>
+            </p:spPr>
+            <p:txBody>
+              <a:bodyPr/>
+              <a:lstStyle/>
+              <a:p>
+                <a:r>
+                  <a:rPr lang="en-DK">
+                    <a:noFill/>
+                  </a:rPr>
+                  <a:t> </a:t>
+                </a:r>
+              </a:p>
+            </p:txBody>
+          </p:sp>
+        </mc:Fallback>
+      </mc:AlternateContent>
+      <p:sp>
+        <p:nvSpPr>
+          <p:cNvPr id="6" name="TextBox 5">
+            <a:extLst>
+              <a:ext uri="{FF2B5EF4-FFF2-40B4-BE49-F238E27FC236}">
+                <a16:creationId xmlns:a16="http://schemas.microsoft.com/office/drawing/2014/main" id="{67144985-664E-B616-84C5-178CCEFB2E9D}"/>
+              </a:ext>
+            </a:extLst>
+          </p:cNvPr>
+          <p:cNvSpPr txBox="1"/>
+          <p:nvPr/>
+        </p:nvSpPr>
+        <p:spPr>
+          <a:xfrm>
+            <a:off x="1120267" y="3105834"/>
+            <a:ext cx="5545742" cy="1477328"/>
+          </a:xfrm>
+          <a:prstGeom prst="rect">
+            <a:avLst/>
+          </a:prstGeom>
+          <a:noFill/>
+        </p:spPr>
+        <p:txBody>
+          <a:bodyPr wrap="square" rtlCol="0">
+            <a:spAutoFit/>
+          </a:bodyPr>
+          <a:lstStyle/>
+          <a:p>
+            <a:r>
+              <a:rPr lang="en-DK" dirty="0"/>
+              <a:t>We will change our model to give it more more </a:t>
+            </a:r>
+          </a:p>
+          <a:p>
+            <a:r>
+              <a:rPr lang="en-GB" dirty="0"/>
+              <a:t>F</a:t>
+            </a:r>
+            <a:r>
+              <a:rPr lang="en-DK" dirty="0"/>
+              <a:t>reedom</a:t>
+            </a:r>
+          </a:p>
+          <a:p>
+            <a:endParaRPr lang="en-DK" dirty="0"/>
+          </a:p>
+          <a:p>
+            <a:endParaRPr lang="en-DK" dirty="0"/>
+          </a:p>
+          <a:p>
+            <a:endParaRPr lang="en-DK" dirty="0"/>
+          </a:p>
+        </p:txBody>
+      </p:sp>
+      <p:pic>
+        <p:nvPicPr>
+          <p:cNvPr id="8" name="Picture 7" descr="A graph of a graph&#10;&#10;AI-generated content may be incorrect.">
+            <a:extLst>
+              <a:ext uri="{FF2B5EF4-FFF2-40B4-BE49-F238E27FC236}">
+                <a16:creationId xmlns:a16="http://schemas.microsoft.com/office/drawing/2014/main" id="{55F95F54-D150-977B-0E53-C91F74D1F6F0}"/>
+              </a:ext>
+            </a:extLst>
+          </p:cNvPr>
+          <p:cNvPicPr>
+            <a:picLocks noChangeAspect="1"/>
+          </p:cNvPicPr>
+          <p:nvPr/>
+        </p:nvPicPr>
+        <p:blipFill>
+          <a:blip r:embed="rId4"/>
+          <a:srcRect r="1791"/>
+          <a:stretch/>
+        </p:blipFill>
+        <p:spPr>
+          <a:xfrm>
+            <a:off x="7217721" y="2020834"/>
+            <a:ext cx="3854012" cy="3924300"/>
+          </a:xfrm>
+          <a:prstGeom prst="rect">
+            <a:avLst/>
+          </a:prstGeom>
+        </p:spPr>
+      </p:pic>
+      <p:sp>
+        <p:nvSpPr>
+          <p:cNvPr id="9" name="TextBox 8">
+            <a:extLst>
+              <a:ext uri="{FF2B5EF4-FFF2-40B4-BE49-F238E27FC236}">
+                <a16:creationId xmlns:a16="http://schemas.microsoft.com/office/drawing/2014/main" id="{C379411B-AAC3-544E-1297-509336B25A79}"/>
+              </a:ext>
+            </a:extLst>
+          </p:cNvPr>
+          <p:cNvSpPr txBox="1"/>
+          <p:nvPr/>
+        </p:nvSpPr>
+        <p:spPr>
+          <a:xfrm>
+            <a:off x="8085082" y="1209430"/>
+            <a:ext cx="3268718" cy="646331"/>
+          </a:xfrm>
+          <a:prstGeom prst="rect">
+            <a:avLst/>
+          </a:prstGeom>
+          <a:noFill/>
+        </p:spPr>
+        <p:txBody>
+          <a:bodyPr wrap="square" rtlCol="0">
+            <a:spAutoFit/>
+          </a:bodyPr>
+          <a:lstStyle/>
+          <a:p>
+            <a:r>
+              <a:rPr lang="en-DK" dirty="0"/>
+              <a:t>Then we can achieve very good agreement. </a:t>
+            </a:r>
+          </a:p>
+        </p:txBody>
+      </p:sp>
+    </p:spTree>
+    <p:extLst>
+      <p:ext uri="{BB962C8B-B14F-4D97-AF65-F5344CB8AC3E}">
+        <p14:creationId xmlns:p14="http://schemas.microsoft.com/office/powerpoint/2010/main" val="619584970"/>
       </p:ext>
     </p:extLst>
   </p:cSld>
@@ -13375,10 +13944,235 @@
           </a:prstGeom>
         </p:spPr>
       </p:pic>
+      <p:sp>
+        <p:nvSpPr>
+          <p:cNvPr id="11" name="Title 1">
+            <a:extLst>
+              <a:ext uri="{FF2B5EF4-FFF2-40B4-BE49-F238E27FC236}">
+                <a16:creationId xmlns:a16="http://schemas.microsoft.com/office/drawing/2014/main" id="{55A9AF66-226C-4C63-E43B-ADE80228D485}"/>
+              </a:ext>
+            </a:extLst>
+          </p:cNvPr>
+          <p:cNvSpPr>
+            <a:spLocks noGrp="1"/>
+          </p:cNvSpPr>
+          <p:nvPr>
+            <p:ph type="title"/>
+          </p:nvPr>
+        </p:nvSpPr>
+        <p:spPr>
+          <a:xfrm>
+            <a:off x="838200" y="365125"/>
+            <a:ext cx="10515600" cy="1325563"/>
+          </a:xfrm>
+        </p:spPr>
+        <p:txBody>
+          <a:bodyPr/>
+          <a:lstStyle/>
+          <a:p>
+            <a:r>
+              <a:rPr lang="en-DK" dirty="0"/>
+              <a:t>Approximations to </a:t>
+            </a:r>
+            <a:r>
+              <a:rPr lang="en-GB" dirty="0"/>
+              <a:t>Schrödinger equation </a:t>
+            </a:r>
+            <a:endParaRPr lang="en-DK" dirty="0"/>
+          </a:p>
+        </p:txBody>
+      </p:sp>
     </p:spTree>
     <p:extLst>
       <p:ext uri="{BB962C8B-B14F-4D97-AF65-F5344CB8AC3E}">
         <p14:creationId xmlns:p14="http://schemas.microsoft.com/office/powerpoint/2010/main" val="459301213"/>
+      </p:ext>
+    </p:extLst>
+  </p:cSld>
+  <p:clrMapOvr>
+    <a:masterClrMapping/>
+  </p:clrMapOvr>
+</p:sld>
+</file>
+
+<file path=ppt/slides/slide9.xml><?xml version="1.0" encoding="utf-8"?>
+<p:sld xmlns:a="http://schemas.openxmlformats.org/drawingml/2006/main" xmlns:r="http://schemas.openxmlformats.org/officeDocument/2006/relationships" xmlns:p="http://schemas.openxmlformats.org/presentationml/2006/main">
+  <p:cSld>
+    <p:spTree>
+      <p:nvGrpSpPr>
+        <p:cNvPr id="1" name=""/>
+        <p:cNvGrpSpPr/>
+        <p:nvPr/>
+      </p:nvGrpSpPr>
+      <p:grpSpPr>
+        <a:xfrm>
+          <a:off x="0" y="0"/>
+          <a:ext cx="0" cy="0"/>
+          <a:chOff x="0" y="0"/>
+          <a:chExt cx="0" cy="0"/>
+        </a:xfrm>
+      </p:grpSpPr>
+      <p:sp>
+        <p:nvSpPr>
+          <p:cNvPr id="7" name="Title 6">
+            <a:extLst>
+              <a:ext uri="{FF2B5EF4-FFF2-40B4-BE49-F238E27FC236}">
+                <a16:creationId xmlns:a16="http://schemas.microsoft.com/office/drawing/2014/main" id="{F9A813DD-BEB6-B3D7-C855-D5519AE9DEBA}"/>
+              </a:ext>
+            </a:extLst>
+          </p:cNvPr>
+          <p:cNvSpPr>
+            <a:spLocks noGrp="1"/>
+          </p:cNvSpPr>
+          <p:nvPr>
+            <p:ph type="title"/>
+          </p:nvPr>
+        </p:nvSpPr>
+        <p:spPr/>
+        <p:txBody>
+          <a:bodyPr/>
+          <a:lstStyle/>
+          <a:p>
+            <a:r>
+              <a:rPr lang="en-DK" dirty="0"/>
+              <a:t>Learning the potential energy</a:t>
+            </a:r>
+          </a:p>
+        </p:txBody>
+      </p:sp>
+      <p:pic>
+        <p:nvPicPr>
+          <p:cNvPr id="11" name="Picture 10" descr="A graph of a graph with orange dots&#10;&#10;AI-generated content may be incorrect.">
+            <a:extLst>
+              <a:ext uri="{FF2B5EF4-FFF2-40B4-BE49-F238E27FC236}">
+                <a16:creationId xmlns:a16="http://schemas.microsoft.com/office/drawing/2014/main" id="{0266B273-463C-BA2A-D1FE-08C37870DC80}"/>
+              </a:ext>
+            </a:extLst>
+          </p:cNvPr>
+          <p:cNvPicPr>
+            <a:picLocks noChangeAspect="1"/>
+          </p:cNvPicPr>
+          <p:nvPr/>
+        </p:nvPicPr>
+        <p:blipFill>
+          <a:blip r:embed="rId2"/>
+          <a:srcRect b="3167"/>
+          <a:stretch/>
+        </p:blipFill>
+        <p:spPr>
+          <a:xfrm>
+            <a:off x="5903091" y="1690688"/>
+            <a:ext cx="4127500" cy="4132043"/>
+          </a:xfrm>
+          <a:prstGeom prst="rect">
+            <a:avLst/>
+          </a:prstGeom>
+        </p:spPr>
+      </p:pic>
+      <p:pic>
+        <p:nvPicPr>
+          <p:cNvPr id="13" name="Picture 12" descr="A math equation with a square and a number&#10;&#10;AI-generated content may be incorrect.">
+            <a:extLst>
+              <a:ext uri="{FF2B5EF4-FFF2-40B4-BE49-F238E27FC236}">
+                <a16:creationId xmlns:a16="http://schemas.microsoft.com/office/drawing/2014/main" id="{E219753C-1BE2-A6C5-BDAF-FE9F4529C60E}"/>
+              </a:ext>
+            </a:extLst>
+          </p:cNvPr>
+          <p:cNvPicPr>
+            <a:picLocks noChangeAspect="1"/>
+          </p:cNvPicPr>
+          <p:nvPr/>
+        </p:nvPicPr>
+        <p:blipFill>
+          <a:blip r:embed="rId3"/>
+          <a:stretch>
+            <a:fillRect/>
+          </a:stretch>
+        </p:blipFill>
+        <p:spPr>
+          <a:xfrm>
+            <a:off x="1698953" y="3481826"/>
+            <a:ext cx="4127500" cy="1003300"/>
+          </a:xfrm>
+          <a:prstGeom prst="rect">
+            <a:avLst/>
+          </a:prstGeom>
+        </p:spPr>
+      </p:pic>
+      <p:sp>
+        <p:nvSpPr>
+          <p:cNvPr id="14" name="TextBox 13">
+            <a:extLst>
+              <a:ext uri="{FF2B5EF4-FFF2-40B4-BE49-F238E27FC236}">
+                <a16:creationId xmlns:a16="http://schemas.microsoft.com/office/drawing/2014/main" id="{C7063C6A-4C6D-7716-3B76-E7D7ED949EFB}"/>
+              </a:ext>
+            </a:extLst>
+          </p:cNvPr>
+          <p:cNvSpPr txBox="1"/>
+          <p:nvPr/>
+        </p:nvSpPr>
+        <p:spPr>
+          <a:xfrm>
+            <a:off x="1996965" y="2782669"/>
+            <a:ext cx="3829488" cy="646331"/>
+          </a:xfrm>
+          <a:prstGeom prst="rect">
+            <a:avLst/>
+          </a:prstGeom>
+          <a:noFill/>
+        </p:spPr>
+        <p:txBody>
+          <a:bodyPr wrap="square" rtlCol="0">
+            <a:spAutoFit/>
+          </a:bodyPr>
+          <a:lstStyle/>
+          <a:p>
+            <a:r>
+              <a:rPr lang="en-DK" dirty="0"/>
+              <a:t>We will fit the parameters of the Lennard Jones potential</a:t>
+            </a:r>
+          </a:p>
+        </p:txBody>
+      </p:sp>
+      <p:sp>
+        <p:nvSpPr>
+          <p:cNvPr id="15" name="TextBox 14">
+            <a:extLst>
+              <a:ext uri="{FF2B5EF4-FFF2-40B4-BE49-F238E27FC236}">
+                <a16:creationId xmlns:a16="http://schemas.microsoft.com/office/drawing/2014/main" id="{546F5798-FC51-2C17-2478-56B21348ED03}"/>
+              </a:ext>
+            </a:extLst>
+          </p:cNvPr>
+          <p:cNvSpPr txBox="1"/>
+          <p:nvPr/>
+        </p:nvSpPr>
+        <p:spPr>
+          <a:xfrm>
+            <a:off x="8751394" y="767358"/>
+            <a:ext cx="2711669" cy="923330"/>
+          </a:xfrm>
+          <a:prstGeom prst="rect">
+            <a:avLst/>
+          </a:prstGeom>
+          <a:noFill/>
+        </p:spPr>
+        <p:txBody>
+          <a:bodyPr wrap="square" rtlCol="0">
+            <a:spAutoFit/>
+          </a:bodyPr>
+          <a:lstStyle/>
+          <a:p>
+            <a:r>
+              <a:rPr lang="en-DK" dirty="0"/>
+              <a:t>Training data is dimers, really just a pretty simple regression</a:t>
+            </a:r>
+          </a:p>
+        </p:txBody>
+      </p:sp>
+    </p:spTree>
+    <p:extLst>
+      <p:ext uri="{BB962C8B-B14F-4D97-AF65-F5344CB8AC3E}">
+        <p14:creationId xmlns:p14="http://schemas.microsoft.com/office/powerpoint/2010/main" val="2196429559"/>
       </p:ext>
     </p:extLst>
   </p:cSld>

--- a/lessons/lesson_3/lecture3.pptx
+++ b/lessons/lesson_3/lecture3.pptx
@@ -6,16 +6,24 @@
   </p:sldMasterIdLst>
   <p:sldIdLst>
     <p:sldId id="256" r:id="rId2"/>
-    <p:sldId id="259" r:id="rId3"/>
-    <p:sldId id="257" r:id="rId4"/>
-    <p:sldId id="258" r:id="rId5"/>
-    <p:sldId id="260" r:id="rId6"/>
-    <p:sldId id="261" r:id="rId7"/>
-    <p:sldId id="262" r:id="rId8"/>
-    <p:sldId id="263" r:id="rId9"/>
-    <p:sldId id="264" r:id="rId10"/>
-    <p:sldId id="265" r:id="rId11"/>
-    <p:sldId id="266" r:id="rId12"/>
+    <p:sldId id="267" r:id="rId3"/>
+    <p:sldId id="269" r:id="rId4"/>
+    <p:sldId id="268" r:id="rId5"/>
+    <p:sldId id="270" r:id="rId6"/>
+    <p:sldId id="271" r:id="rId7"/>
+    <p:sldId id="272" r:id="rId8"/>
+    <p:sldId id="273" r:id="rId9"/>
+    <p:sldId id="259" r:id="rId10"/>
+    <p:sldId id="257" r:id="rId11"/>
+    <p:sldId id="258" r:id="rId12"/>
+    <p:sldId id="260" r:id="rId13"/>
+    <p:sldId id="261" r:id="rId14"/>
+    <p:sldId id="262" r:id="rId15"/>
+    <p:sldId id="263" r:id="rId16"/>
+    <p:sldId id="264" r:id="rId17"/>
+    <p:sldId id="265" r:id="rId18"/>
+    <p:sldId id="266" r:id="rId19"/>
+    <p:sldId id="274" r:id="rId20"/>
   </p:sldIdLst>
   <p:sldSz cx="12192000" cy="6858000"/>
   <p:notesSz cx="6858000" cy="9144000"/>
@@ -3415,1816 +3423,6 @@
           <p:cNvPr id="2" name="Title 1">
             <a:extLst>
               <a:ext uri="{FF2B5EF4-FFF2-40B4-BE49-F238E27FC236}">
-                <a16:creationId xmlns:a16="http://schemas.microsoft.com/office/drawing/2014/main" id="{60D2C595-555A-9920-0EEC-FDFD9F66FFBC}"/>
-              </a:ext>
-            </a:extLst>
-          </p:cNvPr>
-          <p:cNvSpPr>
-            <a:spLocks noGrp="1"/>
-          </p:cNvSpPr>
-          <p:nvPr>
-            <p:ph type="title"/>
-          </p:nvPr>
-        </p:nvSpPr>
-        <p:spPr/>
-        <p:txBody>
-          <a:bodyPr/>
-          <a:lstStyle/>
-          <a:p>
-            <a:r>
-              <a:rPr lang="en-DK" dirty="0"/>
-              <a:t>Learning the potential energy</a:t>
-            </a:r>
-          </a:p>
-        </p:txBody>
-      </p:sp>
-      <p:pic>
-        <p:nvPicPr>
-          <p:cNvPr id="7" name="Picture 6" descr="A graph of energy and train&#10;&#10;AI-generated content may be incorrect.">
-            <a:extLst>
-              <a:ext uri="{FF2B5EF4-FFF2-40B4-BE49-F238E27FC236}">
-                <a16:creationId xmlns:a16="http://schemas.microsoft.com/office/drawing/2014/main" id="{DF83CB2B-2541-DBDA-742A-614E7C096F23}"/>
-              </a:ext>
-            </a:extLst>
-          </p:cNvPr>
-          <p:cNvPicPr>
-            <a:picLocks noChangeAspect="1"/>
-          </p:cNvPicPr>
-          <p:nvPr/>
-        </p:nvPicPr>
-        <p:blipFill>
-          <a:blip r:embed="rId2"/>
-          <a:srcRect l="1" r="49191"/>
-          <a:stretch/>
-        </p:blipFill>
-        <p:spPr>
-          <a:xfrm>
-            <a:off x="6739926" y="2254658"/>
-            <a:ext cx="3949094" cy="3873940"/>
-          </a:xfrm>
-          <a:prstGeom prst="rect">
-            <a:avLst/>
-          </a:prstGeom>
-        </p:spPr>
-      </p:pic>
-      <p:sp>
-        <p:nvSpPr>
-          <p:cNvPr id="8" name="TextBox 7">
-            <a:extLst>
-              <a:ext uri="{FF2B5EF4-FFF2-40B4-BE49-F238E27FC236}">
-                <a16:creationId xmlns:a16="http://schemas.microsoft.com/office/drawing/2014/main" id="{5CC0A5A4-D678-F3A0-FF42-71CC092A0094}"/>
-              </a:ext>
-            </a:extLst>
-          </p:cNvPr>
-          <p:cNvSpPr txBox="1"/>
-          <p:nvPr/>
-        </p:nvSpPr>
-        <p:spPr>
-          <a:xfrm>
-            <a:off x="838200" y="1933903"/>
-            <a:ext cx="5646683" cy="646331"/>
-          </a:xfrm>
-          <a:prstGeom prst="rect">
-            <a:avLst/>
-          </a:prstGeom>
-          <a:noFill/>
-        </p:spPr>
-        <p:txBody>
-          <a:bodyPr wrap="square" rtlCol="0">
-            <a:spAutoFit/>
-          </a:bodyPr>
-          <a:lstStyle/>
-          <a:p>
-            <a:r>
-              <a:rPr lang="en-DK" dirty="0"/>
-              <a:t>Training with cluster configurations, so now we have data with many dimensions (~60). </a:t>
-            </a:r>
-          </a:p>
-        </p:txBody>
-      </p:sp>
-      <p:pic>
-        <p:nvPicPr>
-          <p:cNvPr id="11" name="Picture 10" descr="A grid with blue dots&#10;&#10;AI-generated content may be incorrect.">
-            <a:extLst>
-              <a:ext uri="{FF2B5EF4-FFF2-40B4-BE49-F238E27FC236}">
-                <a16:creationId xmlns:a16="http://schemas.microsoft.com/office/drawing/2014/main" id="{DA4421A5-A878-2B0E-6858-95CB63C0BA70}"/>
-              </a:ext>
-            </a:extLst>
-          </p:cNvPr>
-          <p:cNvPicPr>
-            <a:picLocks noChangeAspect="1"/>
-          </p:cNvPicPr>
-          <p:nvPr/>
-        </p:nvPicPr>
-        <p:blipFill>
-          <a:blip r:embed="rId3"/>
-          <a:stretch>
-            <a:fillRect/>
-          </a:stretch>
-        </p:blipFill>
-        <p:spPr>
-          <a:xfrm>
-            <a:off x="838200" y="3136861"/>
-            <a:ext cx="5765788" cy="2281812"/>
-          </a:xfrm>
-          <a:prstGeom prst="rect">
-            <a:avLst/>
-          </a:prstGeom>
-        </p:spPr>
-      </p:pic>
-      <p:sp>
-        <p:nvSpPr>
-          <p:cNvPr id="12" name="TextBox 11">
-            <a:extLst>
-              <a:ext uri="{FF2B5EF4-FFF2-40B4-BE49-F238E27FC236}">
-                <a16:creationId xmlns:a16="http://schemas.microsoft.com/office/drawing/2014/main" id="{C2BF9FEA-8484-A73C-803D-E7D6B18CF659}"/>
-              </a:ext>
-            </a:extLst>
-          </p:cNvPr>
-          <p:cNvSpPr txBox="1"/>
-          <p:nvPr/>
-        </p:nvSpPr>
-        <p:spPr>
-          <a:xfrm>
-            <a:off x="1671145" y="5507421"/>
-            <a:ext cx="4056993" cy="646331"/>
-          </a:xfrm>
-          <a:prstGeom prst="rect">
-            <a:avLst/>
-          </a:prstGeom>
-          <a:noFill/>
-        </p:spPr>
-        <p:txBody>
-          <a:bodyPr wrap="square" rtlCol="0">
-            <a:spAutoFit/>
-          </a:bodyPr>
-          <a:lstStyle/>
-          <a:p>
-            <a:r>
-              <a:rPr lang="en-DK" dirty="0"/>
-              <a:t>Geometries of some small clusters shown here. </a:t>
-            </a:r>
-          </a:p>
-        </p:txBody>
-      </p:sp>
-      <p:sp>
-        <p:nvSpPr>
-          <p:cNvPr id="13" name="TextBox 12">
-            <a:extLst>
-              <a:ext uri="{FF2B5EF4-FFF2-40B4-BE49-F238E27FC236}">
-                <a16:creationId xmlns:a16="http://schemas.microsoft.com/office/drawing/2014/main" id="{2A007CDA-F63A-D75C-5867-7C30B5278E21}"/>
-              </a:ext>
-            </a:extLst>
-          </p:cNvPr>
-          <p:cNvSpPr txBox="1"/>
-          <p:nvPr/>
-        </p:nvSpPr>
-        <p:spPr>
-          <a:xfrm>
-            <a:off x="7865762" y="1229023"/>
-            <a:ext cx="3615559" cy="923330"/>
-          </a:xfrm>
-          <a:prstGeom prst="rect">
-            <a:avLst/>
-          </a:prstGeom>
-          <a:noFill/>
-        </p:spPr>
-        <p:txBody>
-          <a:bodyPr wrap="square" rtlCol="0">
-            <a:spAutoFit/>
-          </a:bodyPr>
-          <a:lstStyle/>
-          <a:p>
-            <a:r>
-              <a:rPr lang="en-DK" dirty="0"/>
-              <a:t>Because the data does not come from the LJ-potential, we cannot get a perfect fit. </a:t>
-            </a:r>
-          </a:p>
-        </p:txBody>
-      </p:sp>
-    </p:spTree>
-    <p:extLst>
-      <p:ext uri="{BB962C8B-B14F-4D97-AF65-F5344CB8AC3E}">
-        <p14:creationId xmlns:p14="http://schemas.microsoft.com/office/powerpoint/2010/main" val="1902303785"/>
-      </p:ext>
-    </p:extLst>
-  </p:cSld>
-  <p:clrMapOvr>
-    <a:masterClrMapping/>
-  </p:clrMapOvr>
-</p:sld>
-</file>
-
-<file path=ppt/slides/slide11.xml><?xml version="1.0" encoding="utf-8"?>
-<p:sld xmlns:a="http://schemas.openxmlformats.org/drawingml/2006/main" xmlns:r="http://schemas.openxmlformats.org/officeDocument/2006/relationships" xmlns:p="http://schemas.openxmlformats.org/presentationml/2006/main">
-  <p:cSld>
-    <p:spTree>
-      <p:nvGrpSpPr>
-        <p:cNvPr id="1" name=""/>
-        <p:cNvGrpSpPr/>
-        <p:nvPr/>
-      </p:nvGrpSpPr>
-      <p:grpSpPr>
-        <a:xfrm>
-          <a:off x="0" y="0"/>
-          <a:ext cx="0" cy="0"/>
-          <a:chOff x="0" y="0"/>
-          <a:chExt cx="0" cy="0"/>
-        </a:xfrm>
-      </p:grpSpPr>
-      <p:sp>
-        <p:nvSpPr>
-          <p:cNvPr id="2" name="Title 1">
-            <a:extLst>
-              <a:ext uri="{FF2B5EF4-FFF2-40B4-BE49-F238E27FC236}">
-                <a16:creationId xmlns:a16="http://schemas.microsoft.com/office/drawing/2014/main" id="{0F163DBA-EC5D-55D8-0AE2-526317896EB2}"/>
-              </a:ext>
-            </a:extLst>
-          </p:cNvPr>
-          <p:cNvSpPr>
-            <a:spLocks noGrp="1"/>
-          </p:cNvSpPr>
-          <p:nvPr>
-            <p:ph type="title"/>
-          </p:nvPr>
-        </p:nvSpPr>
-        <p:spPr/>
-        <p:txBody>
-          <a:bodyPr/>
-          <a:lstStyle/>
-          <a:p>
-            <a:r>
-              <a:rPr lang="en-DK" dirty="0"/>
-              <a:t>More expressive model</a:t>
-            </a:r>
-          </a:p>
-        </p:txBody>
-      </p:sp>
-      <p:pic>
-        <p:nvPicPr>
-          <p:cNvPr id="4" name="Picture 3" descr="A math equation with a square and a number&#10;&#10;AI-generated content may be incorrect.">
-            <a:extLst>
-              <a:ext uri="{FF2B5EF4-FFF2-40B4-BE49-F238E27FC236}">
-                <a16:creationId xmlns:a16="http://schemas.microsoft.com/office/drawing/2014/main" id="{33033296-21C3-E7AB-140F-B616B38B4BB4}"/>
-              </a:ext>
-            </a:extLst>
-          </p:cNvPr>
-          <p:cNvPicPr>
-            <a:picLocks noChangeAspect="1"/>
-          </p:cNvPicPr>
-          <p:nvPr/>
-        </p:nvPicPr>
-        <p:blipFill>
-          <a:blip r:embed="rId2"/>
-          <a:stretch>
-            <a:fillRect/>
-          </a:stretch>
-        </p:blipFill>
-        <p:spPr>
-          <a:xfrm>
-            <a:off x="1099863" y="3547323"/>
-            <a:ext cx="4127500" cy="1003300"/>
-          </a:xfrm>
-          <a:prstGeom prst="rect">
-            <a:avLst/>
-          </a:prstGeom>
-        </p:spPr>
-      </p:pic>
-      <mc:AlternateContent xmlns:mc="http://schemas.openxmlformats.org/markup-compatibility/2006">
-        <mc:Choice xmlns:a14="http://schemas.microsoft.com/office/drawing/2010/main" Requires="a14">
-          <p:sp>
-            <p:nvSpPr>
-              <p:cNvPr id="5" name="TextBox 4">
-                <a:extLst>
-                  <a:ext uri="{FF2B5EF4-FFF2-40B4-BE49-F238E27FC236}">
-                    <a16:creationId xmlns:a16="http://schemas.microsoft.com/office/drawing/2014/main" id="{64EE8943-BBF8-4F5A-5751-0E140091828C}"/>
-                  </a:ext>
-                </a:extLst>
-              </p:cNvPr>
-              <p:cNvSpPr txBox="1"/>
-              <p:nvPr/>
-            </p:nvSpPr>
-            <p:spPr>
-              <a:xfrm>
-                <a:off x="4887290" y="3957007"/>
-                <a:ext cx="827214" cy="276999"/>
-              </a:xfrm>
-              <a:prstGeom prst="rect">
-                <a:avLst/>
-              </a:prstGeom>
-              <a:noFill/>
-            </p:spPr>
-            <p:txBody>
-              <a:bodyPr wrap="none" lIns="0" tIns="0" rIns="0" bIns="0" rtlCol="0">
-                <a:spAutoFit/>
-              </a:bodyPr>
-              <a:lstStyle/>
-              <a:p>
-                <a14:m>
-                  <m:oMathPara xmlns:m="http://schemas.openxmlformats.org/officeDocument/2006/math">
-                    <m:oMathParaPr>
-                      <m:jc m:val="centerGroup"/>
-                    </m:oMathParaPr>
-                    <m:oMath xmlns:m="http://schemas.openxmlformats.org/officeDocument/2006/math">
-                      <m:r>
-                        <a:rPr lang="da-DK" b="0" i="1" smtClean="0">
-                          <a:latin typeface="Cambria Math" panose="02040503050406030204" pitchFamily="18" charset="0"/>
-                        </a:rPr>
-                        <m:t>+</m:t>
-                      </m:r>
-                      <m:sSub>
-                        <m:sSubPr>
-                          <m:ctrlPr>
-                            <a:rPr lang="da-DK" b="0" i="1" smtClean="0">
-                              <a:latin typeface="Cambria Math" panose="02040503050406030204" pitchFamily="18" charset="0"/>
-                            </a:rPr>
-                          </m:ctrlPr>
-                        </m:sSubPr>
-                        <m:e>
-                          <m:r>
-                            <a:rPr lang="da-DK" b="0" i="1" smtClean="0">
-                              <a:latin typeface="Cambria Math" panose="02040503050406030204" pitchFamily="18" charset="0"/>
-                            </a:rPr>
-                            <m:t>𝐺</m:t>
-                          </m:r>
-                        </m:e>
-                        <m:sub>
-                          <m:r>
-                            <a:rPr lang="da-DK" b="0" i="1" smtClean="0">
-                              <a:latin typeface="Cambria Math" panose="02040503050406030204" pitchFamily="18" charset="0"/>
-                            </a:rPr>
-                            <m:t>𝜃</m:t>
-                          </m:r>
-                        </m:sub>
-                      </m:sSub>
-                      <m:r>
-                        <a:rPr lang="da-DK" b="0" i="1" smtClean="0">
-                          <a:latin typeface="Cambria Math" panose="02040503050406030204" pitchFamily="18" charset="0"/>
-                        </a:rPr>
-                        <m:t>(</m:t>
-                      </m:r>
-                      <m:r>
-                        <a:rPr lang="da-DK" b="0" i="1" smtClean="0">
-                          <a:latin typeface="Cambria Math" panose="02040503050406030204" pitchFamily="18" charset="0"/>
-                        </a:rPr>
-                        <m:t>𝑅</m:t>
-                      </m:r>
-                      <m:r>
-                        <a:rPr lang="da-DK" b="0" i="1" smtClean="0">
-                          <a:latin typeface="Cambria Math" panose="02040503050406030204" pitchFamily="18" charset="0"/>
-                        </a:rPr>
-                        <m:t>)</m:t>
-                      </m:r>
-                    </m:oMath>
-                  </m:oMathPara>
-                </a14:m>
-                <a:endParaRPr lang="en-DK" dirty="0"/>
-              </a:p>
-            </p:txBody>
-          </p:sp>
-        </mc:Choice>
-        <mc:Fallback>
-          <p:sp>
-            <p:nvSpPr>
-              <p:cNvPr id="5" name="TextBox 4">
-                <a:extLst>
-                  <a:ext uri="{FF2B5EF4-FFF2-40B4-BE49-F238E27FC236}">
-                    <a16:creationId xmlns:a16="http://schemas.microsoft.com/office/drawing/2014/main" id="{64EE8943-BBF8-4F5A-5751-0E140091828C}"/>
-                  </a:ext>
-                </a:extLst>
-              </p:cNvPr>
-              <p:cNvSpPr txBox="1">
-                <a:spLocks noRot="1" noChangeAspect="1" noMove="1" noResize="1" noEditPoints="1" noAdjustHandles="1" noChangeArrowheads="1" noChangeShapeType="1" noTextEdit="1"/>
-              </p:cNvSpPr>
-              <p:nvPr/>
-            </p:nvSpPr>
-            <p:spPr>
-              <a:xfrm>
-                <a:off x="4887290" y="3957007"/>
-                <a:ext cx="827214" cy="276999"/>
-              </a:xfrm>
-              <a:prstGeom prst="rect">
-                <a:avLst/>
-              </a:prstGeom>
-              <a:blipFill>
-                <a:blip r:embed="rId3"/>
-                <a:stretch>
-                  <a:fillRect l="-4545" r="-10606" b="-34783"/>
-                </a:stretch>
-              </a:blipFill>
-            </p:spPr>
-            <p:txBody>
-              <a:bodyPr/>
-              <a:lstStyle/>
-              <a:p>
-                <a:r>
-                  <a:rPr lang="en-DK">
-                    <a:noFill/>
-                  </a:rPr>
-                  <a:t> </a:t>
-                </a:r>
-              </a:p>
-            </p:txBody>
-          </p:sp>
-        </mc:Fallback>
-      </mc:AlternateContent>
-      <p:sp>
-        <p:nvSpPr>
-          <p:cNvPr id="6" name="TextBox 5">
-            <a:extLst>
-              <a:ext uri="{FF2B5EF4-FFF2-40B4-BE49-F238E27FC236}">
-                <a16:creationId xmlns:a16="http://schemas.microsoft.com/office/drawing/2014/main" id="{67144985-664E-B616-84C5-178CCEFB2E9D}"/>
-              </a:ext>
-            </a:extLst>
-          </p:cNvPr>
-          <p:cNvSpPr txBox="1"/>
-          <p:nvPr/>
-        </p:nvSpPr>
-        <p:spPr>
-          <a:xfrm>
-            <a:off x="1120267" y="3105834"/>
-            <a:ext cx="5545742" cy="1477328"/>
-          </a:xfrm>
-          <a:prstGeom prst="rect">
-            <a:avLst/>
-          </a:prstGeom>
-          <a:noFill/>
-        </p:spPr>
-        <p:txBody>
-          <a:bodyPr wrap="square" rtlCol="0">
-            <a:spAutoFit/>
-          </a:bodyPr>
-          <a:lstStyle/>
-          <a:p>
-            <a:r>
-              <a:rPr lang="en-DK" dirty="0"/>
-              <a:t>We will change our model to give it more more </a:t>
-            </a:r>
-          </a:p>
-          <a:p>
-            <a:r>
-              <a:rPr lang="en-GB" dirty="0"/>
-              <a:t>F</a:t>
-            </a:r>
-            <a:r>
-              <a:rPr lang="en-DK" dirty="0"/>
-              <a:t>reedom</a:t>
-            </a:r>
-          </a:p>
-          <a:p>
-            <a:endParaRPr lang="en-DK" dirty="0"/>
-          </a:p>
-          <a:p>
-            <a:endParaRPr lang="en-DK" dirty="0"/>
-          </a:p>
-          <a:p>
-            <a:endParaRPr lang="en-DK" dirty="0"/>
-          </a:p>
-        </p:txBody>
-      </p:sp>
-      <p:pic>
-        <p:nvPicPr>
-          <p:cNvPr id="8" name="Picture 7" descr="A graph of a graph&#10;&#10;AI-generated content may be incorrect.">
-            <a:extLst>
-              <a:ext uri="{FF2B5EF4-FFF2-40B4-BE49-F238E27FC236}">
-                <a16:creationId xmlns:a16="http://schemas.microsoft.com/office/drawing/2014/main" id="{55F95F54-D150-977B-0E53-C91F74D1F6F0}"/>
-              </a:ext>
-            </a:extLst>
-          </p:cNvPr>
-          <p:cNvPicPr>
-            <a:picLocks noChangeAspect="1"/>
-          </p:cNvPicPr>
-          <p:nvPr/>
-        </p:nvPicPr>
-        <p:blipFill>
-          <a:blip r:embed="rId4"/>
-          <a:srcRect r="1791"/>
-          <a:stretch/>
-        </p:blipFill>
-        <p:spPr>
-          <a:xfrm>
-            <a:off x="7217721" y="2020834"/>
-            <a:ext cx="3854012" cy="3924300"/>
-          </a:xfrm>
-          <a:prstGeom prst="rect">
-            <a:avLst/>
-          </a:prstGeom>
-        </p:spPr>
-      </p:pic>
-      <p:sp>
-        <p:nvSpPr>
-          <p:cNvPr id="9" name="TextBox 8">
-            <a:extLst>
-              <a:ext uri="{FF2B5EF4-FFF2-40B4-BE49-F238E27FC236}">
-                <a16:creationId xmlns:a16="http://schemas.microsoft.com/office/drawing/2014/main" id="{C379411B-AAC3-544E-1297-509336B25A79}"/>
-              </a:ext>
-            </a:extLst>
-          </p:cNvPr>
-          <p:cNvSpPr txBox="1"/>
-          <p:nvPr/>
-        </p:nvSpPr>
-        <p:spPr>
-          <a:xfrm>
-            <a:off x="8085082" y="1209430"/>
-            <a:ext cx="3268718" cy="646331"/>
-          </a:xfrm>
-          <a:prstGeom prst="rect">
-            <a:avLst/>
-          </a:prstGeom>
-          <a:noFill/>
-        </p:spPr>
-        <p:txBody>
-          <a:bodyPr wrap="square" rtlCol="0">
-            <a:spAutoFit/>
-          </a:bodyPr>
-          <a:lstStyle/>
-          <a:p>
-            <a:r>
-              <a:rPr lang="en-DK" dirty="0"/>
-              <a:t>Then we can achieve very good agreement. </a:t>
-            </a:r>
-          </a:p>
-        </p:txBody>
-      </p:sp>
-    </p:spTree>
-    <p:extLst>
-      <p:ext uri="{BB962C8B-B14F-4D97-AF65-F5344CB8AC3E}">
-        <p14:creationId xmlns:p14="http://schemas.microsoft.com/office/powerpoint/2010/main" val="619584970"/>
-      </p:ext>
-    </p:extLst>
-  </p:cSld>
-  <p:clrMapOvr>
-    <a:masterClrMapping/>
-  </p:clrMapOvr>
-</p:sld>
-</file>
-
-<file path=ppt/slides/slide2.xml><?xml version="1.0" encoding="utf-8"?>
-<p:sld xmlns:a="http://schemas.openxmlformats.org/drawingml/2006/main" xmlns:r="http://schemas.openxmlformats.org/officeDocument/2006/relationships" xmlns:p="http://schemas.openxmlformats.org/presentationml/2006/main">
-  <p:cSld>
-    <p:spTree>
-      <p:nvGrpSpPr>
-        <p:cNvPr id="1" name=""/>
-        <p:cNvGrpSpPr/>
-        <p:nvPr/>
-      </p:nvGrpSpPr>
-      <p:grpSpPr>
-        <a:xfrm>
-          <a:off x="0" y="0"/>
-          <a:ext cx="0" cy="0"/>
-          <a:chOff x="0" y="0"/>
-          <a:chExt cx="0" cy="0"/>
-        </a:xfrm>
-      </p:grpSpPr>
-      <p:sp>
-        <p:nvSpPr>
-          <p:cNvPr id="17" name="Freeform 16">
-            <a:extLst>
-              <a:ext uri="{FF2B5EF4-FFF2-40B4-BE49-F238E27FC236}">
-                <a16:creationId xmlns:a16="http://schemas.microsoft.com/office/drawing/2014/main" id="{869D8654-EF2B-304E-F6C3-BDABA7A092FD}"/>
-              </a:ext>
-            </a:extLst>
-          </p:cNvPr>
-          <p:cNvSpPr/>
-          <p:nvPr/>
-        </p:nvSpPr>
-        <p:spPr>
-          <a:xfrm rot="2663660">
-            <a:off x="3986831" y="5309064"/>
-            <a:ext cx="1392701" cy="408050"/>
-          </a:xfrm>
-          <a:custGeom>
-            <a:avLst/>
-            <a:gdLst>
-              <a:gd name="connsiteX0" fmla="*/ 0 w 1392701"/>
-              <a:gd name="connsiteY0" fmla="*/ 323557 h 408050"/>
-              <a:gd name="connsiteX1" fmla="*/ 196947 w 1392701"/>
-              <a:gd name="connsiteY1" fmla="*/ 42203 h 408050"/>
-              <a:gd name="connsiteX2" fmla="*/ 548640 w 1392701"/>
-              <a:gd name="connsiteY2" fmla="*/ 379828 h 408050"/>
-              <a:gd name="connsiteX3" fmla="*/ 759655 w 1392701"/>
-              <a:gd name="connsiteY3" fmla="*/ 0 h 408050"/>
-              <a:gd name="connsiteX4" fmla="*/ 928467 w 1392701"/>
-              <a:gd name="connsiteY4" fmla="*/ 379828 h 408050"/>
-              <a:gd name="connsiteX5" fmla="*/ 1097280 w 1392701"/>
-              <a:gd name="connsiteY5" fmla="*/ 14068 h 408050"/>
-              <a:gd name="connsiteX6" fmla="*/ 1266092 w 1392701"/>
-              <a:gd name="connsiteY6" fmla="*/ 407963 h 408050"/>
-              <a:gd name="connsiteX7" fmla="*/ 1392701 w 1392701"/>
-              <a:gd name="connsiteY7" fmla="*/ 42203 h 408050"/>
-            </a:gdLst>
-            <a:ahLst/>
-            <a:cxnLst>
-              <a:cxn ang="0">
-                <a:pos x="connsiteX0" y="connsiteY0"/>
-              </a:cxn>
-              <a:cxn ang="0">
-                <a:pos x="connsiteX1" y="connsiteY1"/>
-              </a:cxn>
-              <a:cxn ang="0">
-                <a:pos x="connsiteX2" y="connsiteY2"/>
-              </a:cxn>
-              <a:cxn ang="0">
-                <a:pos x="connsiteX3" y="connsiteY3"/>
-              </a:cxn>
-              <a:cxn ang="0">
-                <a:pos x="connsiteX4" y="connsiteY4"/>
-              </a:cxn>
-              <a:cxn ang="0">
-                <a:pos x="connsiteX5" y="connsiteY5"/>
-              </a:cxn>
-              <a:cxn ang="0">
-                <a:pos x="connsiteX6" y="connsiteY6"/>
-              </a:cxn>
-              <a:cxn ang="0">
-                <a:pos x="connsiteX7" y="connsiteY7"/>
-              </a:cxn>
-            </a:cxnLst>
-            <a:rect l="l" t="t" r="r" b="b"/>
-            <a:pathLst>
-              <a:path w="1392701" h="408050">
-                <a:moveTo>
-                  <a:pt x="0" y="323557"/>
-                </a:moveTo>
-                <a:cubicBezTo>
-                  <a:pt x="52753" y="178191"/>
-                  <a:pt x="105507" y="32825"/>
-                  <a:pt x="196947" y="42203"/>
-                </a:cubicBezTo>
-                <a:cubicBezTo>
-                  <a:pt x="288387" y="51581"/>
-                  <a:pt x="454855" y="386862"/>
-                  <a:pt x="548640" y="379828"/>
-                </a:cubicBezTo>
-                <a:cubicBezTo>
-                  <a:pt x="642425" y="372794"/>
-                  <a:pt x="696351" y="0"/>
-                  <a:pt x="759655" y="0"/>
-                </a:cubicBezTo>
-                <a:cubicBezTo>
-                  <a:pt x="822959" y="0"/>
-                  <a:pt x="872196" y="377483"/>
-                  <a:pt x="928467" y="379828"/>
-                </a:cubicBezTo>
-                <a:cubicBezTo>
-                  <a:pt x="984738" y="382173"/>
-                  <a:pt x="1041009" y="9379"/>
-                  <a:pt x="1097280" y="14068"/>
-                </a:cubicBezTo>
-                <a:cubicBezTo>
-                  <a:pt x="1153551" y="18757"/>
-                  <a:pt x="1216855" y="403274"/>
-                  <a:pt x="1266092" y="407963"/>
-                </a:cubicBezTo>
-                <a:cubicBezTo>
-                  <a:pt x="1315329" y="412652"/>
-                  <a:pt x="1354015" y="227427"/>
-                  <a:pt x="1392701" y="42203"/>
-                </a:cubicBezTo>
-              </a:path>
-            </a:pathLst>
-          </a:custGeom>
-          <a:noFill/>
-        </p:spPr>
-        <p:style>
-          <a:lnRef idx="2">
-            <a:schemeClr val="accent1">
-              <a:shade val="15000"/>
-            </a:schemeClr>
-          </a:lnRef>
-          <a:fillRef idx="1">
-            <a:schemeClr val="accent1"/>
-          </a:fillRef>
-          <a:effectRef idx="0">
-            <a:schemeClr val="accent1"/>
-          </a:effectRef>
-          <a:fontRef idx="minor">
-            <a:schemeClr val="lt1"/>
-          </a:fontRef>
-        </p:style>
-        <p:txBody>
-          <a:bodyPr rtlCol="0" anchor="ctr"/>
-          <a:lstStyle/>
-          <a:p>
-            <a:pPr algn="ctr"/>
-            <a:endParaRPr lang="en-DK"/>
-          </a:p>
-        </p:txBody>
-      </p:sp>
-      <p:sp>
-        <p:nvSpPr>
-          <p:cNvPr id="18" name="Freeform 17">
-            <a:extLst>
-              <a:ext uri="{FF2B5EF4-FFF2-40B4-BE49-F238E27FC236}">
-                <a16:creationId xmlns:a16="http://schemas.microsoft.com/office/drawing/2014/main" id="{1160A6B1-774E-31BA-962C-2CCEAB8592C5}"/>
-              </a:ext>
-            </a:extLst>
-          </p:cNvPr>
-          <p:cNvSpPr/>
-          <p:nvPr/>
-        </p:nvSpPr>
-        <p:spPr>
-          <a:xfrm rot="20801415">
-            <a:off x="6276665" y="4676116"/>
-            <a:ext cx="1392701" cy="408050"/>
-          </a:xfrm>
-          <a:custGeom>
-            <a:avLst/>
-            <a:gdLst>
-              <a:gd name="connsiteX0" fmla="*/ 0 w 1392701"/>
-              <a:gd name="connsiteY0" fmla="*/ 323557 h 408050"/>
-              <a:gd name="connsiteX1" fmla="*/ 196947 w 1392701"/>
-              <a:gd name="connsiteY1" fmla="*/ 42203 h 408050"/>
-              <a:gd name="connsiteX2" fmla="*/ 548640 w 1392701"/>
-              <a:gd name="connsiteY2" fmla="*/ 379828 h 408050"/>
-              <a:gd name="connsiteX3" fmla="*/ 759655 w 1392701"/>
-              <a:gd name="connsiteY3" fmla="*/ 0 h 408050"/>
-              <a:gd name="connsiteX4" fmla="*/ 928467 w 1392701"/>
-              <a:gd name="connsiteY4" fmla="*/ 379828 h 408050"/>
-              <a:gd name="connsiteX5" fmla="*/ 1097280 w 1392701"/>
-              <a:gd name="connsiteY5" fmla="*/ 14068 h 408050"/>
-              <a:gd name="connsiteX6" fmla="*/ 1266092 w 1392701"/>
-              <a:gd name="connsiteY6" fmla="*/ 407963 h 408050"/>
-              <a:gd name="connsiteX7" fmla="*/ 1392701 w 1392701"/>
-              <a:gd name="connsiteY7" fmla="*/ 42203 h 408050"/>
-            </a:gdLst>
-            <a:ahLst/>
-            <a:cxnLst>
-              <a:cxn ang="0">
-                <a:pos x="connsiteX0" y="connsiteY0"/>
-              </a:cxn>
-              <a:cxn ang="0">
-                <a:pos x="connsiteX1" y="connsiteY1"/>
-              </a:cxn>
-              <a:cxn ang="0">
-                <a:pos x="connsiteX2" y="connsiteY2"/>
-              </a:cxn>
-              <a:cxn ang="0">
-                <a:pos x="connsiteX3" y="connsiteY3"/>
-              </a:cxn>
-              <a:cxn ang="0">
-                <a:pos x="connsiteX4" y="connsiteY4"/>
-              </a:cxn>
-              <a:cxn ang="0">
-                <a:pos x="connsiteX5" y="connsiteY5"/>
-              </a:cxn>
-              <a:cxn ang="0">
-                <a:pos x="connsiteX6" y="connsiteY6"/>
-              </a:cxn>
-              <a:cxn ang="0">
-                <a:pos x="connsiteX7" y="connsiteY7"/>
-              </a:cxn>
-            </a:cxnLst>
-            <a:rect l="l" t="t" r="r" b="b"/>
-            <a:pathLst>
-              <a:path w="1392701" h="408050">
-                <a:moveTo>
-                  <a:pt x="0" y="323557"/>
-                </a:moveTo>
-                <a:cubicBezTo>
-                  <a:pt x="52753" y="178191"/>
-                  <a:pt x="105507" y="32825"/>
-                  <a:pt x="196947" y="42203"/>
-                </a:cubicBezTo>
-                <a:cubicBezTo>
-                  <a:pt x="288387" y="51581"/>
-                  <a:pt x="454855" y="386862"/>
-                  <a:pt x="548640" y="379828"/>
-                </a:cubicBezTo>
-                <a:cubicBezTo>
-                  <a:pt x="642425" y="372794"/>
-                  <a:pt x="696351" y="0"/>
-                  <a:pt x="759655" y="0"/>
-                </a:cubicBezTo>
-                <a:cubicBezTo>
-                  <a:pt x="822959" y="0"/>
-                  <a:pt x="872196" y="377483"/>
-                  <a:pt x="928467" y="379828"/>
-                </a:cubicBezTo>
-                <a:cubicBezTo>
-                  <a:pt x="984738" y="382173"/>
-                  <a:pt x="1041009" y="9379"/>
-                  <a:pt x="1097280" y="14068"/>
-                </a:cubicBezTo>
-                <a:cubicBezTo>
-                  <a:pt x="1153551" y="18757"/>
-                  <a:pt x="1216855" y="403274"/>
-                  <a:pt x="1266092" y="407963"/>
-                </a:cubicBezTo>
-                <a:cubicBezTo>
-                  <a:pt x="1315329" y="412652"/>
-                  <a:pt x="1354015" y="227427"/>
-                  <a:pt x="1392701" y="42203"/>
-                </a:cubicBezTo>
-              </a:path>
-            </a:pathLst>
-          </a:custGeom>
-          <a:noFill/>
-        </p:spPr>
-        <p:style>
-          <a:lnRef idx="2">
-            <a:schemeClr val="accent1">
-              <a:shade val="15000"/>
-            </a:schemeClr>
-          </a:lnRef>
-          <a:fillRef idx="1">
-            <a:schemeClr val="accent1"/>
-          </a:fillRef>
-          <a:effectRef idx="0">
-            <a:schemeClr val="accent1"/>
-          </a:effectRef>
-          <a:fontRef idx="minor">
-            <a:schemeClr val="lt1"/>
-          </a:fontRef>
-        </p:style>
-        <p:txBody>
-          <a:bodyPr rtlCol="0" anchor="ctr"/>
-          <a:lstStyle/>
-          <a:p>
-            <a:pPr algn="ctr"/>
-            <a:endParaRPr lang="en-DK"/>
-          </a:p>
-        </p:txBody>
-      </p:sp>
-      <p:sp>
-        <p:nvSpPr>
-          <p:cNvPr id="19" name="Freeform 18">
-            <a:extLst>
-              <a:ext uri="{FF2B5EF4-FFF2-40B4-BE49-F238E27FC236}">
-                <a16:creationId xmlns:a16="http://schemas.microsoft.com/office/drawing/2014/main" id="{967890E8-10D8-29D0-A9DE-70C3F2EF3763}"/>
-              </a:ext>
-            </a:extLst>
-          </p:cNvPr>
-          <p:cNvSpPr/>
-          <p:nvPr/>
-        </p:nvSpPr>
-        <p:spPr>
-          <a:xfrm rot="8183107">
-            <a:off x="5063319" y="5388903"/>
-            <a:ext cx="1392701" cy="408050"/>
-          </a:xfrm>
-          <a:custGeom>
-            <a:avLst/>
-            <a:gdLst>
-              <a:gd name="connsiteX0" fmla="*/ 0 w 1392701"/>
-              <a:gd name="connsiteY0" fmla="*/ 323557 h 408050"/>
-              <a:gd name="connsiteX1" fmla="*/ 196947 w 1392701"/>
-              <a:gd name="connsiteY1" fmla="*/ 42203 h 408050"/>
-              <a:gd name="connsiteX2" fmla="*/ 548640 w 1392701"/>
-              <a:gd name="connsiteY2" fmla="*/ 379828 h 408050"/>
-              <a:gd name="connsiteX3" fmla="*/ 759655 w 1392701"/>
-              <a:gd name="connsiteY3" fmla="*/ 0 h 408050"/>
-              <a:gd name="connsiteX4" fmla="*/ 928467 w 1392701"/>
-              <a:gd name="connsiteY4" fmla="*/ 379828 h 408050"/>
-              <a:gd name="connsiteX5" fmla="*/ 1097280 w 1392701"/>
-              <a:gd name="connsiteY5" fmla="*/ 14068 h 408050"/>
-              <a:gd name="connsiteX6" fmla="*/ 1266092 w 1392701"/>
-              <a:gd name="connsiteY6" fmla="*/ 407963 h 408050"/>
-              <a:gd name="connsiteX7" fmla="*/ 1392701 w 1392701"/>
-              <a:gd name="connsiteY7" fmla="*/ 42203 h 408050"/>
-            </a:gdLst>
-            <a:ahLst/>
-            <a:cxnLst>
-              <a:cxn ang="0">
-                <a:pos x="connsiteX0" y="connsiteY0"/>
-              </a:cxn>
-              <a:cxn ang="0">
-                <a:pos x="connsiteX1" y="connsiteY1"/>
-              </a:cxn>
-              <a:cxn ang="0">
-                <a:pos x="connsiteX2" y="connsiteY2"/>
-              </a:cxn>
-              <a:cxn ang="0">
-                <a:pos x="connsiteX3" y="connsiteY3"/>
-              </a:cxn>
-              <a:cxn ang="0">
-                <a:pos x="connsiteX4" y="connsiteY4"/>
-              </a:cxn>
-              <a:cxn ang="0">
-                <a:pos x="connsiteX5" y="connsiteY5"/>
-              </a:cxn>
-              <a:cxn ang="0">
-                <a:pos x="connsiteX6" y="connsiteY6"/>
-              </a:cxn>
-              <a:cxn ang="0">
-                <a:pos x="connsiteX7" y="connsiteY7"/>
-              </a:cxn>
-            </a:cxnLst>
-            <a:rect l="l" t="t" r="r" b="b"/>
-            <a:pathLst>
-              <a:path w="1392701" h="408050">
-                <a:moveTo>
-                  <a:pt x="0" y="323557"/>
-                </a:moveTo>
-                <a:cubicBezTo>
-                  <a:pt x="52753" y="178191"/>
-                  <a:pt x="105507" y="32825"/>
-                  <a:pt x="196947" y="42203"/>
-                </a:cubicBezTo>
-                <a:cubicBezTo>
-                  <a:pt x="288387" y="51581"/>
-                  <a:pt x="454855" y="386862"/>
-                  <a:pt x="548640" y="379828"/>
-                </a:cubicBezTo>
-                <a:cubicBezTo>
-                  <a:pt x="642425" y="372794"/>
-                  <a:pt x="696351" y="0"/>
-                  <a:pt x="759655" y="0"/>
-                </a:cubicBezTo>
-                <a:cubicBezTo>
-                  <a:pt x="822959" y="0"/>
-                  <a:pt x="872196" y="377483"/>
-                  <a:pt x="928467" y="379828"/>
-                </a:cubicBezTo>
-                <a:cubicBezTo>
-                  <a:pt x="984738" y="382173"/>
-                  <a:pt x="1041009" y="9379"/>
-                  <a:pt x="1097280" y="14068"/>
-                </a:cubicBezTo>
-                <a:cubicBezTo>
-                  <a:pt x="1153551" y="18757"/>
-                  <a:pt x="1216855" y="403274"/>
-                  <a:pt x="1266092" y="407963"/>
-                </a:cubicBezTo>
-                <a:cubicBezTo>
-                  <a:pt x="1315329" y="412652"/>
-                  <a:pt x="1354015" y="227427"/>
-                  <a:pt x="1392701" y="42203"/>
-                </a:cubicBezTo>
-              </a:path>
-            </a:pathLst>
-          </a:custGeom>
-          <a:noFill/>
-        </p:spPr>
-        <p:style>
-          <a:lnRef idx="2">
-            <a:schemeClr val="accent1">
-              <a:shade val="15000"/>
-            </a:schemeClr>
-          </a:lnRef>
-          <a:fillRef idx="1">
-            <a:schemeClr val="accent1"/>
-          </a:fillRef>
-          <a:effectRef idx="0">
-            <a:schemeClr val="accent1"/>
-          </a:effectRef>
-          <a:fontRef idx="minor">
-            <a:schemeClr val="lt1"/>
-          </a:fontRef>
-        </p:style>
-        <p:txBody>
-          <a:bodyPr rtlCol="0" anchor="ctr"/>
-          <a:lstStyle/>
-          <a:p>
-            <a:pPr algn="ctr"/>
-            <a:endParaRPr lang="en-DK"/>
-          </a:p>
-        </p:txBody>
-      </p:sp>
-      <p:sp>
-        <p:nvSpPr>
-          <p:cNvPr id="20" name="Freeform 19">
-            <a:extLst>
-              <a:ext uri="{FF2B5EF4-FFF2-40B4-BE49-F238E27FC236}">
-                <a16:creationId xmlns:a16="http://schemas.microsoft.com/office/drawing/2014/main" id="{E10044C1-9FB8-ECA4-1B9C-86E99E2DEE04}"/>
-              </a:ext>
-            </a:extLst>
-          </p:cNvPr>
-          <p:cNvSpPr/>
-          <p:nvPr/>
-        </p:nvSpPr>
-        <p:spPr>
-          <a:xfrm>
-            <a:off x="4529878" y="4718234"/>
-            <a:ext cx="1548862" cy="408050"/>
-          </a:xfrm>
-          <a:custGeom>
-            <a:avLst/>
-            <a:gdLst>
-              <a:gd name="connsiteX0" fmla="*/ 0 w 1392701"/>
-              <a:gd name="connsiteY0" fmla="*/ 323557 h 408050"/>
-              <a:gd name="connsiteX1" fmla="*/ 196947 w 1392701"/>
-              <a:gd name="connsiteY1" fmla="*/ 42203 h 408050"/>
-              <a:gd name="connsiteX2" fmla="*/ 548640 w 1392701"/>
-              <a:gd name="connsiteY2" fmla="*/ 379828 h 408050"/>
-              <a:gd name="connsiteX3" fmla="*/ 759655 w 1392701"/>
-              <a:gd name="connsiteY3" fmla="*/ 0 h 408050"/>
-              <a:gd name="connsiteX4" fmla="*/ 928467 w 1392701"/>
-              <a:gd name="connsiteY4" fmla="*/ 379828 h 408050"/>
-              <a:gd name="connsiteX5" fmla="*/ 1097280 w 1392701"/>
-              <a:gd name="connsiteY5" fmla="*/ 14068 h 408050"/>
-              <a:gd name="connsiteX6" fmla="*/ 1266092 w 1392701"/>
-              <a:gd name="connsiteY6" fmla="*/ 407963 h 408050"/>
-              <a:gd name="connsiteX7" fmla="*/ 1392701 w 1392701"/>
-              <a:gd name="connsiteY7" fmla="*/ 42203 h 408050"/>
-            </a:gdLst>
-            <a:ahLst/>
-            <a:cxnLst>
-              <a:cxn ang="0">
-                <a:pos x="connsiteX0" y="connsiteY0"/>
-              </a:cxn>
-              <a:cxn ang="0">
-                <a:pos x="connsiteX1" y="connsiteY1"/>
-              </a:cxn>
-              <a:cxn ang="0">
-                <a:pos x="connsiteX2" y="connsiteY2"/>
-              </a:cxn>
-              <a:cxn ang="0">
-                <a:pos x="connsiteX3" y="connsiteY3"/>
-              </a:cxn>
-              <a:cxn ang="0">
-                <a:pos x="connsiteX4" y="connsiteY4"/>
-              </a:cxn>
-              <a:cxn ang="0">
-                <a:pos x="connsiteX5" y="connsiteY5"/>
-              </a:cxn>
-              <a:cxn ang="0">
-                <a:pos x="connsiteX6" y="connsiteY6"/>
-              </a:cxn>
-              <a:cxn ang="0">
-                <a:pos x="connsiteX7" y="connsiteY7"/>
-              </a:cxn>
-            </a:cxnLst>
-            <a:rect l="l" t="t" r="r" b="b"/>
-            <a:pathLst>
-              <a:path w="1392701" h="408050">
-                <a:moveTo>
-                  <a:pt x="0" y="323557"/>
-                </a:moveTo>
-                <a:cubicBezTo>
-                  <a:pt x="52753" y="178191"/>
-                  <a:pt x="105507" y="32825"/>
-                  <a:pt x="196947" y="42203"/>
-                </a:cubicBezTo>
-                <a:cubicBezTo>
-                  <a:pt x="288387" y="51581"/>
-                  <a:pt x="454855" y="386862"/>
-                  <a:pt x="548640" y="379828"/>
-                </a:cubicBezTo>
-                <a:cubicBezTo>
-                  <a:pt x="642425" y="372794"/>
-                  <a:pt x="696351" y="0"/>
-                  <a:pt x="759655" y="0"/>
-                </a:cubicBezTo>
-                <a:cubicBezTo>
-                  <a:pt x="822959" y="0"/>
-                  <a:pt x="872196" y="377483"/>
-                  <a:pt x="928467" y="379828"/>
-                </a:cubicBezTo>
-                <a:cubicBezTo>
-                  <a:pt x="984738" y="382173"/>
-                  <a:pt x="1041009" y="9379"/>
-                  <a:pt x="1097280" y="14068"/>
-                </a:cubicBezTo>
-                <a:cubicBezTo>
-                  <a:pt x="1153551" y="18757"/>
-                  <a:pt x="1216855" y="403274"/>
-                  <a:pt x="1266092" y="407963"/>
-                </a:cubicBezTo>
-                <a:cubicBezTo>
-                  <a:pt x="1315329" y="412652"/>
-                  <a:pt x="1354015" y="227427"/>
-                  <a:pt x="1392701" y="42203"/>
-                </a:cubicBezTo>
-              </a:path>
-            </a:pathLst>
-          </a:custGeom>
-          <a:noFill/>
-        </p:spPr>
-        <p:style>
-          <a:lnRef idx="2">
-            <a:schemeClr val="accent1">
-              <a:shade val="15000"/>
-            </a:schemeClr>
-          </a:lnRef>
-          <a:fillRef idx="1">
-            <a:schemeClr val="accent1"/>
-          </a:fillRef>
-          <a:effectRef idx="0">
-            <a:schemeClr val="accent1"/>
-          </a:effectRef>
-          <a:fontRef idx="minor">
-            <a:schemeClr val="lt1"/>
-          </a:fontRef>
-        </p:style>
-        <p:txBody>
-          <a:bodyPr rtlCol="0" anchor="ctr"/>
-          <a:lstStyle/>
-          <a:p>
-            <a:pPr algn="ctr"/>
-            <a:endParaRPr lang="en-DK"/>
-          </a:p>
-        </p:txBody>
-      </p:sp>
-      <p:sp>
-        <p:nvSpPr>
-          <p:cNvPr id="16" name="Freeform 15">
-            <a:extLst>
-              <a:ext uri="{FF2B5EF4-FFF2-40B4-BE49-F238E27FC236}">
-                <a16:creationId xmlns:a16="http://schemas.microsoft.com/office/drawing/2014/main" id="{3BE06854-4500-E091-F1C3-97C29C7F161E}"/>
-              </a:ext>
-            </a:extLst>
-          </p:cNvPr>
-          <p:cNvSpPr/>
-          <p:nvPr/>
-        </p:nvSpPr>
-        <p:spPr>
-          <a:xfrm rot="3866295">
-            <a:off x="3314930" y="4267020"/>
-            <a:ext cx="1392701" cy="408050"/>
-          </a:xfrm>
-          <a:custGeom>
-            <a:avLst/>
-            <a:gdLst>
-              <a:gd name="connsiteX0" fmla="*/ 0 w 1392701"/>
-              <a:gd name="connsiteY0" fmla="*/ 323557 h 408050"/>
-              <a:gd name="connsiteX1" fmla="*/ 196947 w 1392701"/>
-              <a:gd name="connsiteY1" fmla="*/ 42203 h 408050"/>
-              <a:gd name="connsiteX2" fmla="*/ 548640 w 1392701"/>
-              <a:gd name="connsiteY2" fmla="*/ 379828 h 408050"/>
-              <a:gd name="connsiteX3" fmla="*/ 759655 w 1392701"/>
-              <a:gd name="connsiteY3" fmla="*/ 0 h 408050"/>
-              <a:gd name="connsiteX4" fmla="*/ 928467 w 1392701"/>
-              <a:gd name="connsiteY4" fmla="*/ 379828 h 408050"/>
-              <a:gd name="connsiteX5" fmla="*/ 1097280 w 1392701"/>
-              <a:gd name="connsiteY5" fmla="*/ 14068 h 408050"/>
-              <a:gd name="connsiteX6" fmla="*/ 1266092 w 1392701"/>
-              <a:gd name="connsiteY6" fmla="*/ 407963 h 408050"/>
-              <a:gd name="connsiteX7" fmla="*/ 1392701 w 1392701"/>
-              <a:gd name="connsiteY7" fmla="*/ 42203 h 408050"/>
-            </a:gdLst>
-            <a:ahLst/>
-            <a:cxnLst>
-              <a:cxn ang="0">
-                <a:pos x="connsiteX0" y="connsiteY0"/>
-              </a:cxn>
-              <a:cxn ang="0">
-                <a:pos x="connsiteX1" y="connsiteY1"/>
-              </a:cxn>
-              <a:cxn ang="0">
-                <a:pos x="connsiteX2" y="connsiteY2"/>
-              </a:cxn>
-              <a:cxn ang="0">
-                <a:pos x="connsiteX3" y="connsiteY3"/>
-              </a:cxn>
-              <a:cxn ang="0">
-                <a:pos x="connsiteX4" y="connsiteY4"/>
-              </a:cxn>
-              <a:cxn ang="0">
-                <a:pos x="connsiteX5" y="connsiteY5"/>
-              </a:cxn>
-              <a:cxn ang="0">
-                <a:pos x="connsiteX6" y="connsiteY6"/>
-              </a:cxn>
-              <a:cxn ang="0">
-                <a:pos x="connsiteX7" y="connsiteY7"/>
-              </a:cxn>
-            </a:cxnLst>
-            <a:rect l="l" t="t" r="r" b="b"/>
-            <a:pathLst>
-              <a:path w="1392701" h="408050">
-                <a:moveTo>
-                  <a:pt x="0" y="323557"/>
-                </a:moveTo>
-                <a:cubicBezTo>
-                  <a:pt x="52753" y="178191"/>
-                  <a:pt x="105507" y="32825"/>
-                  <a:pt x="196947" y="42203"/>
-                </a:cubicBezTo>
-                <a:cubicBezTo>
-                  <a:pt x="288387" y="51581"/>
-                  <a:pt x="454855" y="386862"/>
-                  <a:pt x="548640" y="379828"/>
-                </a:cubicBezTo>
-                <a:cubicBezTo>
-                  <a:pt x="642425" y="372794"/>
-                  <a:pt x="696351" y="0"/>
-                  <a:pt x="759655" y="0"/>
-                </a:cubicBezTo>
-                <a:cubicBezTo>
-                  <a:pt x="822959" y="0"/>
-                  <a:pt x="872196" y="377483"/>
-                  <a:pt x="928467" y="379828"/>
-                </a:cubicBezTo>
-                <a:cubicBezTo>
-                  <a:pt x="984738" y="382173"/>
-                  <a:pt x="1041009" y="9379"/>
-                  <a:pt x="1097280" y="14068"/>
-                </a:cubicBezTo>
-                <a:cubicBezTo>
-                  <a:pt x="1153551" y="18757"/>
-                  <a:pt x="1216855" y="403274"/>
-                  <a:pt x="1266092" y="407963"/>
-                </a:cubicBezTo>
-                <a:cubicBezTo>
-                  <a:pt x="1315329" y="412652"/>
-                  <a:pt x="1354015" y="227427"/>
-                  <a:pt x="1392701" y="42203"/>
-                </a:cubicBezTo>
-              </a:path>
-            </a:pathLst>
-          </a:custGeom>
-          <a:noFill/>
-        </p:spPr>
-        <p:style>
-          <a:lnRef idx="2">
-            <a:schemeClr val="accent1">
-              <a:shade val="15000"/>
-            </a:schemeClr>
-          </a:lnRef>
-          <a:fillRef idx="1">
-            <a:schemeClr val="accent1"/>
-          </a:fillRef>
-          <a:effectRef idx="0">
-            <a:schemeClr val="accent1"/>
-          </a:effectRef>
-          <a:fontRef idx="minor">
-            <a:schemeClr val="lt1"/>
-          </a:fontRef>
-        </p:style>
-        <p:txBody>
-          <a:bodyPr rtlCol="0" anchor="ctr"/>
-          <a:lstStyle/>
-          <a:p>
-            <a:pPr algn="ctr"/>
-            <a:endParaRPr lang="en-DK"/>
-          </a:p>
-        </p:txBody>
-      </p:sp>
-      <p:sp>
-        <p:nvSpPr>
-          <p:cNvPr id="2" name="Title 1">
-            <a:extLst>
-              <a:ext uri="{FF2B5EF4-FFF2-40B4-BE49-F238E27FC236}">
-                <a16:creationId xmlns:a16="http://schemas.microsoft.com/office/drawing/2014/main" id="{6B52E423-340D-4BD0-2517-C524FDADEAB6}"/>
-              </a:ext>
-            </a:extLst>
-          </p:cNvPr>
-          <p:cNvSpPr>
-            <a:spLocks noGrp="1"/>
-          </p:cNvSpPr>
-          <p:nvPr>
-            <p:ph type="title"/>
-          </p:nvPr>
-        </p:nvSpPr>
-        <p:spPr/>
-        <p:txBody>
-          <a:bodyPr/>
-          <a:lstStyle/>
-          <a:p>
-            <a:r>
-              <a:rPr lang="en-DK" dirty="0"/>
-              <a:t>Springs</a:t>
-            </a:r>
-          </a:p>
-        </p:txBody>
-      </p:sp>
-      <p:sp>
-        <p:nvSpPr>
-          <p:cNvPr id="4" name="Oval 3">
-            <a:extLst>
-              <a:ext uri="{FF2B5EF4-FFF2-40B4-BE49-F238E27FC236}">
-                <a16:creationId xmlns:a16="http://schemas.microsoft.com/office/drawing/2014/main" id="{9CD49B71-0FBE-0E28-7102-8390E8789B48}"/>
-              </a:ext>
-            </a:extLst>
-          </p:cNvPr>
-          <p:cNvSpPr/>
-          <p:nvPr/>
-        </p:nvSpPr>
-        <p:spPr>
-          <a:xfrm>
-            <a:off x="3888827" y="4667332"/>
-            <a:ext cx="651641" cy="651641"/>
-          </a:xfrm>
-          <a:prstGeom prst="ellipse">
-            <a:avLst/>
-          </a:prstGeom>
-          <a:solidFill>
-            <a:srgbClr val="7030A0"/>
-          </a:solidFill>
-          <a:ln>
-            <a:solidFill>
-              <a:schemeClr val="tx1"/>
-            </a:solidFill>
-          </a:ln>
-        </p:spPr>
-        <p:style>
-          <a:lnRef idx="2">
-            <a:schemeClr val="accent1">
-              <a:shade val="15000"/>
-            </a:schemeClr>
-          </a:lnRef>
-          <a:fillRef idx="1">
-            <a:schemeClr val="accent1"/>
-          </a:fillRef>
-          <a:effectRef idx="0">
-            <a:schemeClr val="accent1"/>
-          </a:effectRef>
-          <a:fontRef idx="minor">
-            <a:schemeClr val="lt1"/>
-          </a:fontRef>
-        </p:style>
-        <p:txBody>
-          <a:bodyPr rtlCol="0" anchor="ctr"/>
-          <a:lstStyle/>
-          <a:p>
-            <a:pPr algn="ctr"/>
-            <a:endParaRPr lang="en-DK"/>
-          </a:p>
-        </p:txBody>
-      </p:sp>
-      <p:sp>
-        <p:nvSpPr>
-          <p:cNvPr id="5" name="Oval 4">
-            <a:extLst>
-              <a:ext uri="{FF2B5EF4-FFF2-40B4-BE49-F238E27FC236}">
-                <a16:creationId xmlns:a16="http://schemas.microsoft.com/office/drawing/2014/main" id="{B9C1525F-2598-A32B-9878-47E48DF299A4}"/>
-              </a:ext>
-            </a:extLst>
-          </p:cNvPr>
-          <p:cNvSpPr/>
-          <p:nvPr/>
-        </p:nvSpPr>
-        <p:spPr>
-          <a:xfrm>
-            <a:off x="4997668" y="5734132"/>
-            <a:ext cx="651641" cy="651641"/>
-          </a:xfrm>
-          <a:prstGeom prst="ellipse">
-            <a:avLst/>
-          </a:prstGeom>
-          <a:solidFill>
-            <a:srgbClr val="7030A0"/>
-          </a:solidFill>
-          <a:ln>
-            <a:solidFill>
-              <a:schemeClr val="tx1"/>
-            </a:solidFill>
-          </a:ln>
-        </p:spPr>
-        <p:style>
-          <a:lnRef idx="2">
-            <a:schemeClr val="accent1">
-              <a:shade val="15000"/>
-            </a:schemeClr>
-          </a:lnRef>
-          <a:fillRef idx="1">
-            <a:schemeClr val="accent1"/>
-          </a:fillRef>
-          <a:effectRef idx="0">
-            <a:schemeClr val="accent1"/>
-          </a:effectRef>
-          <a:fontRef idx="minor">
-            <a:schemeClr val="lt1"/>
-          </a:fontRef>
-        </p:style>
-        <p:txBody>
-          <a:bodyPr rtlCol="0" anchor="ctr"/>
-          <a:lstStyle/>
-          <a:p>
-            <a:pPr algn="ctr"/>
-            <a:endParaRPr lang="en-DK"/>
-          </a:p>
-        </p:txBody>
-      </p:sp>
-      <p:sp>
-        <p:nvSpPr>
-          <p:cNvPr id="6" name="Oval 5">
-            <a:extLst>
-              <a:ext uri="{FF2B5EF4-FFF2-40B4-BE49-F238E27FC236}">
-                <a16:creationId xmlns:a16="http://schemas.microsoft.com/office/drawing/2014/main" id="{2CFAE17C-2706-B3EA-AAAA-66038750CC47}"/>
-              </a:ext>
-            </a:extLst>
-          </p:cNvPr>
-          <p:cNvSpPr/>
-          <p:nvPr/>
-        </p:nvSpPr>
-        <p:spPr>
-          <a:xfrm>
-            <a:off x="3316014" y="3429000"/>
-            <a:ext cx="651641" cy="651641"/>
-          </a:xfrm>
-          <a:prstGeom prst="ellipse">
-            <a:avLst/>
-          </a:prstGeom>
-          <a:solidFill>
-            <a:srgbClr val="7030A0"/>
-          </a:solidFill>
-          <a:ln>
-            <a:solidFill>
-              <a:schemeClr val="tx1"/>
-            </a:solidFill>
-          </a:ln>
-        </p:spPr>
-        <p:style>
-          <a:lnRef idx="2">
-            <a:schemeClr val="accent1">
-              <a:shade val="15000"/>
-            </a:schemeClr>
-          </a:lnRef>
-          <a:fillRef idx="1">
-            <a:schemeClr val="accent1"/>
-          </a:fillRef>
-          <a:effectRef idx="0">
-            <a:schemeClr val="accent1"/>
-          </a:effectRef>
-          <a:fontRef idx="minor">
-            <a:schemeClr val="lt1"/>
-          </a:fontRef>
-        </p:style>
-        <p:txBody>
-          <a:bodyPr rtlCol="0" anchor="ctr"/>
-          <a:lstStyle/>
-          <a:p>
-            <a:pPr algn="ctr"/>
-            <a:endParaRPr lang="en-DK"/>
-          </a:p>
-        </p:txBody>
-      </p:sp>
-      <p:sp>
-        <p:nvSpPr>
-          <p:cNvPr id="7" name="Oval 6">
-            <a:extLst>
-              <a:ext uri="{FF2B5EF4-FFF2-40B4-BE49-F238E27FC236}">
-                <a16:creationId xmlns:a16="http://schemas.microsoft.com/office/drawing/2014/main" id="{A5E6ACC5-909E-99D9-198A-0E3603060FD6}"/>
-              </a:ext>
-            </a:extLst>
-          </p:cNvPr>
-          <p:cNvSpPr/>
-          <p:nvPr/>
-        </p:nvSpPr>
-        <p:spPr>
-          <a:xfrm>
-            <a:off x="5922579" y="4667331"/>
-            <a:ext cx="651641" cy="651641"/>
-          </a:xfrm>
-          <a:prstGeom prst="ellipse">
-            <a:avLst/>
-          </a:prstGeom>
-          <a:solidFill>
-            <a:srgbClr val="7030A0"/>
-          </a:solidFill>
-          <a:ln>
-            <a:solidFill>
-              <a:schemeClr val="tx1"/>
-            </a:solidFill>
-          </a:ln>
-        </p:spPr>
-        <p:style>
-          <a:lnRef idx="2">
-            <a:schemeClr val="accent1">
-              <a:shade val="15000"/>
-            </a:schemeClr>
-          </a:lnRef>
-          <a:fillRef idx="1">
-            <a:schemeClr val="accent1"/>
-          </a:fillRef>
-          <a:effectRef idx="0">
-            <a:schemeClr val="accent1"/>
-          </a:effectRef>
-          <a:fontRef idx="minor">
-            <a:schemeClr val="lt1"/>
-          </a:fontRef>
-        </p:style>
-        <p:txBody>
-          <a:bodyPr rtlCol="0" anchor="ctr"/>
-          <a:lstStyle/>
-          <a:p>
-            <a:pPr algn="ctr"/>
-            <a:endParaRPr lang="en-DK"/>
-          </a:p>
-        </p:txBody>
-      </p:sp>
-      <p:sp>
-        <p:nvSpPr>
-          <p:cNvPr id="8" name="Oval 7">
-            <a:extLst>
-              <a:ext uri="{FF2B5EF4-FFF2-40B4-BE49-F238E27FC236}">
-                <a16:creationId xmlns:a16="http://schemas.microsoft.com/office/drawing/2014/main" id="{7242F1B1-612E-7DE8-C8C0-3246D76B7DD1}"/>
-              </a:ext>
-            </a:extLst>
-          </p:cNvPr>
-          <p:cNvSpPr/>
-          <p:nvPr/>
-        </p:nvSpPr>
-        <p:spPr>
-          <a:xfrm>
-            <a:off x="7615390" y="4195464"/>
-            <a:ext cx="651641" cy="651641"/>
-          </a:xfrm>
-          <a:prstGeom prst="ellipse">
-            <a:avLst/>
-          </a:prstGeom>
-          <a:solidFill>
-            <a:srgbClr val="7030A0"/>
-          </a:solidFill>
-          <a:ln>
-            <a:solidFill>
-              <a:schemeClr val="tx1"/>
-            </a:solidFill>
-          </a:ln>
-        </p:spPr>
-        <p:style>
-          <a:lnRef idx="2">
-            <a:schemeClr val="accent1">
-              <a:shade val="15000"/>
-            </a:schemeClr>
-          </a:lnRef>
-          <a:fillRef idx="1">
-            <a:schemeClr val="accent1"/>
-          </a:fillRef>
-          <a:effectRef idx="0">
-            <a:schemeClr val="accent1"/>
-          </a:effectRef>
-          <a:fontRef idx="minor">
-            <a:schemeClr val="lt1"/>
-          </a:fontRef>
-        </p:style>
-        <p:txBody>
-          <a:bodyPr rtlCol="0" anchor="ctr"/>
-          <a:lstStyle/>
-          <a:p>
-            <a:pPr algn="ctr"/>
-            <a:endParaRPr lang="en-DK"/>
-          </a:p>
-        </p:txBody>
-      </p:sp>
-      <mc:AlternateContent xmlns:mc="http://schemas.openxmlformats.org/markup-compatibility/2006">
-        <mc:Choice xmlns:a14="http://schemas.microsoft.com/office/drawing/2010/main" Requires="a14">
-          <p:sp>
-            <p:nvSpPr>
-              <p:cNvPr id="21" name="TextBox 20">
-                <a:extLst>
-                  <a:ext uri="{FF2B5EF4-FFF2-40B4-BE49-F238E27FC236}">
-                    <a16:creationId xmlns:a16="http://schemas.microsoft.com/office/drawing/2014/main" id="{F1314775-AAA8-573E-BA16-C7DEE8B08E60}"/>
-                  </a:ext>
-                </a:extLst>
-              </p:cNvPr>
-              <p:cNvSpPr txBox="1"/>
-              <p:nvPr/>
-            </p:nvSpPr>
-            <p:spPr>
-              <a:xfrm>
-                <a:off x="3645595" y="1924476"/>
-                <a:ext cx="4660368" cy="2096536"/>
-              </a:xfrm>
-              <a:prstGeom prst="rect">
-                <a:avLst/>
-              </a:prstGeom>
-              <a:noFill/>
-            </p:spPr>
-            <p:txBody>
-              <a:bodyPr wrap="square" rtlCol="0">
-                <a:spAutoFit/>
-              </a:bodyPr>
-              <a:lstStyle/>
-              <a:p>
-                <a:r>
-                  <a:rPr lang="en-DK" sz="2400" dirty="0"/>
-                  <a:t>Weights connected by springs, the potential energy is </a:t>
-                </a:r>
-              </a:p>
-              <a:p>
-                <a:endParaRPr lang="en-DK" sz="2400" dirty="0"/>
-              </a:p>
-              <a:p>
-                <a14:m>
-                  <m:oMathPara xmlns:m="http://schemas.openxmlformats.org/officeDocument/2006/math">
-                    <m:oMathParaPr>
-                      <m:jc m:val="centerGroup"/>
-                    </m:oMathParaPr>
-                    <m:oMath xmlns:m="http://schemas.openxmlformats.org/officeDocument/2006/math">
-                      <m:r>
-                        <a:rPr lang="da-DK" sz="2400" b="0" i="1" smtClean="0">
-                          <a:latin typeface="Cambria Math" panose="02040503050406030204" pitchFamily="18" charset="0"/>
-                        </a:rPr>
-                        <m:t>𝐸</m:t>
-                      </m:r>
-                      <m:d>
-                        <m:dPr>
-                          <m:ctrlPr>
-                            <a:rPr lang="da-DK" sz="2400" b="0" i="1" smtClean="0">
-                              <a:latin typeface="Cambria Math" panose="02040503050406030204" pitchFamily="18" charset="0"/>
-                            </a:rPr>
-                          </m:ctrlPr>
-                        </m:dPr>
-                        <m:e>
-                          <m:r>
-                            <a:rPr lang="da-DK" sz="2400" b="1" i="1" smtClean="0">
-                              <a:latin typeface="Cambria Math" panose="02040503050406030204" pitchFamily="18" charset="0"/>
-                            </a:rPr>
-                            <m:t>𝑹</m:t>
-                          </m:r>
-                        </m:e>
-                      </m:d>
-                      <m:r>
-                        <a:rPr lang="da-DK" sz="2400" b="0" i="1" smtClean="0">
-                          <a:latin typeface="Cambria Math" panose="02040503050406030204" pitchFamily="18" charset="0"/>
-                        </a:rPr>
-                        <m:t>=</m:t>
-                      </m:r>
-                      <m:nary>
-                        <m:naryPr>
-                          <m:chr m:val="∑"/>
-                          <m:supHide m:val="on"/>
-                          <m:ctrlPr>
-                            <a:rPr lang="da-DK" sz="2400" b="0" i="1" smtClean="0">
-                              <a:latin typeface="Cambria Math" panose="02040503050406030204" pitchFamily="18" charset="0"/>
-                            </a:rPr>
-                          </m:ctrlPr>
-                        </m:naryPr>
-                        <m:sub>
-                          <m:r>
-                            <a:rPr lang="da-DK" sz="2400" b="0" i="1" smtClean="0">
-                              <a:latin typeface="Cambria Math" panose="02040503050406030204" pitchFamily="18" charset="0"/>
-                            </a:rPr>
-                            <m:t>𝑖</m:t>
-                          </m:r>
-                        </m:sub>
-                        <m:sup/>
-                        <m:e>
-                          <m:f>
-                            <m:fPr>
-                              <m:ctrlPr>
-                                <a:rPr lang="da-DK" sz="2400" b="0" i="1" smtClean="0">
-                                  <a:latin typeface="Cambria Math" panose="02040503050406030204" pitchFamily="18" charset="0"/>
-                                </a:rPr>
-                              </m:ctrlPr>
-                            </m:fPr>
-                            <m:num>
-                              <m:r>
-                                <a:rPr lang="da-DK" sz="2400" b="0" i="1" smtClean="0">
-                                  <a:latin typeface="Cambria Math" panose="02040503050406030204" pitchFamily="18" charset="0"/>
-                                </a:rPr>
-                                <m:t>1</m:t>
-                              </m:r>
-                            </m:num>
-                            <m:den>
-                              <m:r>
-                                <a:rPr lang="da-DK" sz="2400" b="0" i="1" smtClean="0">
-                                  <a:latin typeface="Cambria Math" panose="02040503050406030204" pitchFamily="18" charset="0"/>
-                                </a:rPr>
-                                <m:t>2</m:t>
-                              </m:r>
-                            </m:den>
-                          </m:f>
-                          <m:sSub>
-                            <m:sSubPr>
-                              <m:ctrlPr>
-                                <a:rPr lang="da-DK" sz="2400" b="0" i="1" smtClean="0">
-                                  <a:latin typeface="Cambria Math" panose="02040503050406030204" pitchFamily="18" charset="0"/>
-                                </a:rPr>
-                              </m:ctrlPr>
-                            </m:sSubPr>
-                            <m:e>
-                              <m:r>
-                                <a:rPr lang="da-DK" sz="2400" b="0" i="1" smtClean="0">
-                                  <a:latin typeface="Cambria Math" panose="02040503050406030204" pitchFamily="18" charset="0"/>
-                                </a:rPr>
-                                <m:t>𝑘</m:t>
-                              </m:r>
-                            </m:e>
-                            <m:sub>
-                              <m:r>
-                                <a:rPr lang="da-DK" sz="2400" b="0" i="1" smtClean="0">
-                                  <a:latin typeface="Cambria Math" panose="02040503050406030204" pitchFamily="18" charset="0"/>
-                                </a:rPr>
-                                <m:t>𝑖</m:t>
-                              </m:r>
-                            </m:sub>
-                          </m:sSub>
-                          <m:r>
-                            <a:rPr lang="da-DK" sz="2400" b="0" i="1" smtClean="0">
-                              <a:latin typeface="Cambria Math" panose="02040503050406030204" pitchFamily="18" charset="0"/>
-                            </a:rPr>
-                            <m:t>𝑑</m:t>
-                          </m:r>
-                          <m:sSup>
-                            <m:sSupPr>
-                              <m:ctrlPr>
-                                <a:rPr lang="da-DK" sz="2400" b="0" i="1" smtClean="0">
-                                  <a:latin typeface="Cambria Math" panose="02040503050406030204" pitchFamily="18" charset="0"/>
-                                </a:rPr>
-                              </m:ctrlPr>
-                            </m:sSupPr>
-                            <m:e>
-                              <m:d>
-                                <m:dPr>
-                                  <m:ctrlPr>
-                                    <a:rPr lang="da-DK" sz="2400" b="0" i="1" smtClean="0">
-                                      <a:latin typeface="Cambria Math" panose="02040503050406030204" pitchFamily="18" charset="0"/>
-                                    </a:rPr>
-                                  </m:ctrlPr>
-                                </m:dPr>
-                                <m:e>
-                                  <m:r>
-                                    <a:rPr lang="da-DK" sz="2400" b="1" i="1" smtClean="0">
-                                      <a:latin typeface="Cambria Math" panose="02040503050406030204" pitchFamily="18" charset="0"/>
-                                    </a:rPr>
-                                    <m:t>𝑹</m:t>
-                                  </m:r>
-                                </m:e>
-                              </m:d>
-                            </m:e>
-                            <m:sup>
-                              <m:r>
-                                <a:rPr lang="da-DK" sz="2400" b="0" i="1" smtClean="0">
-                                  <a:latin typeface="Cambria Math" panose="02040503050406030204" pitchFamily="18" charset="0"/>
-                                </a:rPr>
-                                <m:t>2</m:t>
-                              </m:r>
-                            </m:sup>
-                          </m:sSup>
-                        </m:e>
-                      </m:nary>
-                    </m:oMath>
-                  </m:oMathPara>
-                </a14:m>
-                <a:endParaRPr lang="en-DK" sz="2400" dirty="0"/>
-              </a:p>
-            </p:txBody>
-          </p:sp>
-        </mc:Choice>
-        <mc:Fallback>
-          <p:sp>
-            <p:nvSpPr>
-              <p:cNvPr id="21" name="TextBox 20">
-                <a:extLst>
-                  <a:ext uri="{FF2B5EF4-FFF2-40B4-BE49-F238E27FC236}">
-                    <a16:creationId xmlns:a16="http://schemas.microsoft.com/office/drawing/2014/main" id="{F1314775-AAA8-573E-BA16-C7DEE8B08E60}"/>
-                  </a:ext>
-                </a:extLst>
-              </p:cNvPr>
-              <p:cNvSpPr txBox="1">
-                <a:spLocks noRot="1" noChangeAspect="1" noMove="1" noResize="1" noEditPoints="1" noAdjustHandles="1" noChangeArrowheads="1" noChangeShapeType="1" noTextEdit="1"/>
-              </p:cNvSpPr>
-              <p:nvPr/>
-            </p:nvSpPr>
-            <p:spPr>
-              <a:xfrm>
-                <a:off x="3645595" y="1924476"/>
-                <a:ext cx="4660368" cy="2096536"/>
-              </a:xfrm>
-              <a:prstGeom prst="rect">
-                <a:avLst/>
-              </a:prstGeom>
-              <a:blipFill>
-                <a:blip r:embed="rId2"/>
-                <a:stretch>
-                  <a:fillRect l="-2174" t="-9639" b="-85542"/>
-                </a:stretch>
-              </a:blipFill>
-            </p:spPr>
-            <p:txBody>
-              <a:bodyPr/>
-              <a:lstStyle/>
-              <a:p>
-                <a:r>
-                  <a:rPr lang="en-DK">
-                    <a:noFill/>
-                  </a:rPr>
-                  <a:t> </a:t>
-                </a:r>
-              </a:p>
-            </p:txBody>
-          </p:sp>
-        </mc:Fallback>
-      </mc:AlternateContent>
-    </p:spTree>
-    <p:extLst>
-      <p:ext uri="{BB962C8B-B14F-4D97-AF65-F5344CB8AC3E}">
-        <p14:creationId xmlns:p14="http://schemas.microsoft.com/office/powerpoint/2010/main" val="2583328572"/>
-      </p:ext>
-    </p:extLst>
-  </p:cSld>
-  <p:clrMapOvr>
-    <a:masterClrMapping/>
-  </p:clrMapOvr>
-</p:sld>
-</file>
-
-<file path=ppt/slides/slide3.xml><?xml version="1.0" encoding="utf-8"?>
-<p:sld xmlns:a="http://schemas.openxmlformats.org/drawingml/2006/main" xmlns:r="http://schemas.openxmlformats.org/officeDocument/2006/relationships" xmlns:p="http://schemas.openxmlformats.org/presentationml/2006/main">
-  <p:cSld>
-    <p:spTree>
-      <p:nvGrpSpPr>
-        <p:cNvPr id="1" name=""/>
-        <p:cNvGrpSpPr/>
-        <p:nvPr/>
-      </p:nvGrpSpPr>
-      <p:grpSpPr>
-        <a:xfrm>
-          <a:off x="0" y="0"/>
-          <a:ext cx="0" cy="0"/>
-          <a:chOff x="0" y="0"/>
-          <a:chExt cx="0" cy="0"/>
-        </a:xfrm>
-      </p:grpSpPr>
-      <p:sp>
-        <p:nvSpPr>
-          <p:cNvPr id="2" name="Title 1">
-            <a:extLst>
-              <a:ext uri="{FF2B5EF4-FFF2-40B4-BE49-F238E27FC236}">
                 <a16:creationId xmlns:a16="http://schemas.microsoft.com/office/drawing/2014/main" id="{B82B09A3-D92F-D949-C118-7C1BABF0174C}"/>
               </a:ext>
             </a:extLst>
@@ -5368,7 +3566,7 @@
 </p:sld>
 </file>
 
-<file path=ppt/slides/slide4.xml><?xml version="1.0" encoding="utf-8"?>
+<file path=ppt/slides/slide11.xml><?xml version="1.0" encoding="utf-8"?>
 <p:sld xmlns:a="http://schemas.openxmlformats.org/drawingml/2006/main" xmlns:r="http://schemas.openxmlformats.org/officeDocument/2006/relationships" xmlns:p="http://schemas.openxmlformats.org/presentationml/2006/main">
   <p:cSld>
     <p:spTree>
@@ -5941,7 +4139,7 @@
 </p:sld>
 </file>
 
-<file path=ppt/slides/slide5.xml><?xml version="1.0" encoding="utf-8"?>
+<file path=ppt/slides/slide12.xml><?xml version="1.0" encoding="utf-8"?>
 <p:sld xmlns:a="http://schemas.openxmlformats.org/drawingml/2006/main" xmlns:r="http://schemas.openxmlformats.org/officeDocument/2006/relationships" xmlns:p="http://schemas.openxmlformats.org/presentationml/2006/main">
   <p:cSld>
     <p:spTree>
@@ -7059,7 +5257,7 @@
 </p:sld>
 </file>
 
-<file path=ppt/slides/slide6.xml><?xml version="1.0" encoding="utf-8"?>
+<file path=ppt/slides/slide13.xml><?xml version="1.0" encoding="utf-8"?>
 <p:sld xmlns:a="http://schemas.openxmlformats.org/drawingml/2006/main" xmlns:r="http://schemas.openxmlformats.org/officeDocument/2006/relationships" xmlns:p="http://schemas.openxmlformats.org/presentationml/2006/main">
   <p:cSld>
     <p:spTree>
@@ -10077,7 +8275,7 @@
 </p:sld>
 </file>
 
-<file path=ppt/slides/slide7.xml><?xml version="1.0" encoding="utf-8"?>
+<file path=ppt/slides/slide14.xml><?xml version="1.0" encoding="utf-8"?>
 <p:sld xmlns:a="http://schemas.openxmlformats.org/drawingml/2006/main" xmlns:r="http://schemas.openxmlformats.org/officeDocument/2006/relationships" xmlns:p="http://schemas.openxmlformats.org/presentationml/2006/main">
   <p:cSld>
     <p:spTree>
@@ -13897,7 +12095,7 @@
 </p:sld>
 </file>
 
-<file path=ppt/slides/slide8.xml><?xml version="1.0" encoding="utf-8"?>
+<file path=ppt/slides/slide15.xml><?xml version="1.0" encoding="utf-8"?>
 <p:sld xmlns:a="http://schemas.openxmlformats.org/drawingml/2006/main" xmlns:r="http://schemas.openxmlformats.org/officeDocument/2006/relationships" xmlns:p="http://schemas.openxmlformats.org/presentationml/2006/main">
   <p:cSld>
     <p:spTree>
@@ -13986,6 +12184,2723 @@
     <p:extLst>
       <p:ext uri="{BB962C8B-B14F-4D97-AF65-F5344CB8AC3E}">
         <p14:creationId xmlns:p14="http://schemas.microsoft.com/office/powerpoint/2010/main" val="459301213"/>
+      </p:ext>
+    </p:extLst>
+  </p:cSld>
+  <p:clrMapOvr>
+    <a:masterClrMapping/>
+  </p:clrMapOvr>
+</p:sld>
+</file>
+
+<file path=ppt/slides/slide16.xml><?xml version="1.0" encoding="utf-8"?>
+<p:sld xmlns:a="http://schemas.openxmlformats.org/drawingml/2006/main" xmlns:r="http://schemas.openxmlformats.org/officeDocument/2006/relationships" xmlns:p="http://schemas.openxmlformats.org/presentationml/2006/main">
+  <p:cSld>
+    <p:spTree>
+      <p:nvGrpSpPr>
+        <p:cNvPr id="1" name=""/>
+        <p:cNvGrpSpPr/>
+        <p:nvPr/>
+      </p:nvGrpSpPr>
+      <p:grpSpPr>
+        <a:xfrm>
+          <a:off x="0" y="0"/>
+          <a:ext cx="0" cy="0"/>
+          <a:chOff x="0" y="0"/>
+          <a:chExt cx="0" cy="0"/>
+        </a:xfrm>
+      </p:grpSpPr>
+      <p:sp>
+        <p:nvSpPr>
+          <p:cNvPr id="7" name="Title 6">
+            <a:extLst>
+              <a:ext uri="{FF2B5EF4-FFF2-40B4-BE49-F238E27FC236}">
+                <a16:creationId xmlns:a16="http://schemas.microsoft.com/office/drawing/2014/main" id="{F9A813DD-BEB6-B3D7-C855-D5519AE9DEBA}"/>
+              </a:ext>
+            </a:extLst>
+          </p:cNvPr>
+          <p:cNvSpPr>
+            <a:spLocks noGrp="1"/>
+          </p:cNvSpPr>
+          <p:nvPr>
+            <p:ph type="title"/>
+          </p:nvPr>
+        </p:nvSpPr>
+        <p:spPr/>
+        <p:txBody>
+          <a:bodyPr/>
+          <a:lstStyle/>
+          <a:p>
+            <a:r>
+              <a:rPr lang="en-DK" dirty="0"/>
+              <a:t>Learning the potential energy</a:t>
+            </a:r>
+          </a:p>
+        </p:txBody>
+      </p:sp>
+      <p:pic>
+        <p:nvPicPr>
+          <p:cNvPr id="11" name="Picture 10" descr="A graph of a graph with orange dots&#10;&#10;AI-generated content may be incorrect.">
+            <a:extLst>
+              <a:ext uri="{FF2B5EF4-FFF2-40B4-BE49-F238E27FC236}">
+                <a16:creationId xmlns:a16="http://schemas.microsoft.com/office/drawing/2014/main" id="{0266B273-463C-BA2A-D1FE-08C37870DC80}"/>
+              </a:ext>
+            </a:extLst>
+          </p:cNvPr>
+          <p:cNvPicPr>
+            <a:picLocks noChangeAspect="1"/>
+          </p:cNvPicPr>
+          <p:nvPr/>
+        </p:nvPicPr>
+        <p:blipFill>
+          <a:blip r:embed="rId2"/>
+          <a:srcRect b="3167"/>
+          <a:stretch/>
+        </p:blipFill>
+        <p:spPr>
+          <a:xfrm>
+            <a:off x="5903091" y="1690688"/>
+            <a:ext cx="4127500" cy="4132043"/>
+          </a:xfrm>
+          <a:prstGeom prst="rect">
+            <a:avLst/>
+          </a:prstGeom>
+        </p:spPr>
+      </p:pic>
+      <p:pic>
+        <p:nvPicPr>
+          <p:cNvPr id="13" name="Picture 12" descr="A math equation with a square and a number&#10;&#10;AI-generated content may be incorrect.">
+            <a:extLst>
+              <a:ext uri="{FF2B5EF4-FFF2-40B4-BE49-F238E27FC236}">
+                <a16:creationId xmlns:a16="http://schemas.microsoft.com/office/drawing/2014/main" id="{E219753C-1BE2-A6C5-BDAF-FE9F4529C60E}"/>
+              </a:ext>
+            </a:extLst>
+          </p:cNvPr>
+          <p:cNvPicPr>
+            <a:picLocks noChangeAspect="1"/>
+          </p:cNvPicPr>
+          <p:nvPr/>
+        </p:nvPicPr>
+        <p:blipFill>
+          <a:blip r:embed="rId3"/>
+          <a:stretch>
+            <a:fillRect/>
+          </a:stretch>
+        </p:blipFill>
+        <p:spPr>
+          <a:xfrm>
+            <a:off x="1698953" y="3481826"/>
+            <a:ext cx="4127500" cy="1003300"/>
+          </a:xfrm>
+          <a:prstGeom prst="rect">
+            <a:avLst/>
+          </a:prstGeom>
+        </p:spPr>
+      </p:pic>
+      <p:sp>
+        <p:nvSpPr>
+          <p:cNvPr id="14" name="TextBox 13">
+            <a:extLst>
+              <a:ext uri="{FF2B5EF4-FFF2-40B4-BE49-F238E27FC236}">
+                <a16:creationId xmlns:a16="http://schemas.microsoft.com/office/drawing/2014/main" id="{C7063C6A-4C6D-7716-3B76-E7D7ED949EFB}"/>
+              </a:ext>
+            </a:extLst>
+          </p:cNvPr>
+          <p:cNvSpPr txBox="1"/>
+          <p:nvPr/>
+        </p:nvSpPr>
+        <p:spPr>
+          <a:xfrm>
+            <a:off x="1996965" y="2782669"/>
+            <a:ext cx="3829488" cy="646331"/>
+          </a:xfrm>
+          <a:prstGeom prst="rect">
+            <a:avLst/>
+          </a:prstGeom>
+          <a:noFill/>
+        </p:spPr>
+        <p:txBody>
+          <a:bodyPr wrap="square" rtlCol="0">
+            <a:spAutoFit/>
+          </a:bodyPr>
+          <a:lstStyle/>
+          <a:p>
+            <a:r>
+              <a:rPr lang="en-DK" dirty="0"/>
+              <a:t>We will fit the parameters of the Lennard Jones potential</a:t>
+            </a:r>
+          </a:p>
+        </p:txBody>
+      </p:sp>
+      <p:sp>
+        <p:nvSpPr>
+          <p:cNvPr id="15" name="TextBox 14">
+            <a:extLst>
+              <a:ext uri="{FF2B5EF4-FFF2-40B4-BE49-F238E27FC236}">
+                <a16:creationId xmlns:a16="http://schemas.microsoft.com/office/drawing/2014/main" id="{546F5798-FC51-2C17-2478-56B21348ED03}"/>
+              </a:ext>
+            </a:extLst>
+          </p:cNvPr>
+          <p:cNvSpPr txBox="1"/>
+          <p:nvPr/>
+        </p:nvSpPr>
+        <p:spPr>
+          <a:xfrm>
+            <a:off x="8751394" y="767358"/>
+            <a:ext cx="2711669" cy="923330"/>
+          </a:xfrm>
+          <a:prstGeom prst="rect">
+            <a:avLst/>
+          </a:prstGeom>
+          <a:noFill/>
+        </p:spPr>
+        <p:txBody>
+          <a:bodyPr wrap="square" rtlCol="0">
+            <a:spAutoFit/>
+          </a:bodyPr>
+          <a:lstStyle/>
+          <a:p>
+            <a:r>
+              <a:rPr lang="en-DK" dirty="0"/>
+              <a:t>Training data is dimers, really just a pretty simple regression</a:t>
+            </a:r>
+          </a:p>
+        </p:txBody>
+      </p:sp>
+    </p:spTree>
+    <p:extLst>
+      <p:ext uri="{BB962C8B-B14F-4D97-AF65-F5344CB8AC3E}">
+        <p14:creationId xmlns:p14="http://schemas.microsoft.com/office/powerpoint/2010/main" val="2196429559"/>
+      </p:ext>
+    </p:extLst>
+  </p:cSld>
+  <p:clrMapOvr>
+    <a:masterClrMapping/>
+  </p:clrMapOvr>
+</p:sld>
+</file>
+
+<file path=ppt/slides/slide17.xml><?xml version="1.0" encoding="utf-8"?>
+<p:sld xmlns:a="http://schemas.openxmlformats.org/drawingml/2006/main" xmlns:r="http://schemas.openxmlformats.org/officeDocument/2006/relationships" xmlns:p="http://schemas.openxmlformats.org/presentationml/2006/main">
+  <p:cSld>
+    <p:spTree>
+      <p:nvGrpSpPr>
+        <p:cNvPr id="1" name=""/>
+        <p:cNvGrpSpPr/>
+        <p:nvPr/>
+      </p:nvGrpSpPr>
+      <p:grpSpPr>
+        <a:xfrm>
+          <a:off x="0" y="0"/>
+          <a:ext cx="0" cy="0"/>
+          <a:chOff x="0" y="0"/>
+          <a:chExt cx="0" cy="0"/>
+        </a:xfrm>
+      </p:grpSpPr>
+      <p:sp>
+        <p:nvSpPr>
+          <p:cNvPr id="2" name="Title 1">
+            <a:extLst>
+              <a:ext uri="{FF2B5EF4-FFF2-40B4-BE49-F238E27FC236}">
+                <a16:creationId xmlns:a16="http://schemas.microsoft.com/office/drawing/2014/main" id="{60D2C595-555A-9920-0EEC-FDFD9F66FFBC}"/>
+              </a:ext>
+            </a:extLst>
+          </p:cNvPr>
+          <p:cNvSpPr>
+            <a:spLocks noGrp="1"/>
+          </p:cNvSpPr>
+          <p:nvPr>
+            <p:ph type="title"/>
+          </p:nvPr>
+        </p:nvSpPr>
+        <p:spPr/>
+        <p:txBody>
+          <a:bodyPr/>
+          <a:lstStyle/>
+          <a:p>
+            <a:r>
+              <a:rPr lang="en-DK" dirty="0"/>
+              <a:t>Learning the potential energy</a:t>
+            </a:r>
+          </a:p>
+        </p:txBody>
+      </p:sp>
+      <p:pic>
+        <p:nvPicPr>
+          <p:cNvPr id="7" name="Picture 6" descr="A graph of energy and train&#10;&#10;AI-generated content may be incorrect.">
+            <a:extLst>
+              <a:ext uri="{FF2B5EF4-FFF2-40B4-BE49-F238E27FC236}">
+                <a16:creationId xmlns:a16="http://schemas.microsoft.com/office/drawing/2014/main" id="{DF83CB2B-2541-DBDA-742A-614E7C096F23}"/>
+              </a:ext>
+            </a:extLst>
+          </p:cNvPr>
+          <p:cNvPicPr>
+            <a:picLocks noChangeAspect="1"/>
+          </p:cNvPicPr>
+          <p:nvPr/>
+        </p:nvPicPr>
+        <p:blipFill>
+          <a:blip r:embed="rId2"/>
+          <a:srcRect l="1" r="49191"/>
+          <a:stretch/>
+        </p:blipFill>
+        <p:spPr>
+          <a:xfrm>
+            <a:off x="6739926" y="2254658"/>
+            <a:ext cx="3949094" cy="3873940"/>
+          </a:xfrm>
+          <a:prstGeom prst="rect">
+            <a:avLst/>
+          </a:prstGeom>
+        </p:spPr>
+      </p:pic>
+      <p:sp>
+        <p:nvSpPr>
+          <p:cNvPr id="8" name="TextBox 7">
+            <a:extLst>
+              <a:ext uri="{FF2B5EF4-FFF2-40B4-BE49-F238E27FC236}">
+                <a16:creationId xmlns:a16="http://schemas.microsoft.com/office/drawing/2014/main" id="{5CC0A5A4-D678-F3A0-FF42-71CC092A0094}"/>
+              </a:ext>
+            </a:extLst>
+          </p:cNvPr>
+          <p:cNvSpPr txBox="1"/>
+          <p:nvPr/>
+        </p:nvSpPr>
+        <p:spPr>
+          <a:xfrm>
+            <a:off x="838200" y="1933903"/>
+            <a:ext cx="5646683" cy="646331"/>
+          </a:xfrm>
+          <a:prstGeom prst="rect">
+            <a:avLst/>
+          </a:prstGeom>
+          <a:noFill/>
+        </p:spPr>
+        <p:txBody>
+          <a:bodyPr wrap="square" rtlCol="0">
+            <a:spAutoFit/>
+          </a:bodyPr>
+          <a:lstStyle/>
+          <a:p>
+            <a:r>
+              <a:rPr lang="en-DK" dirty="0"/>
+              <a:t>Training with cluster configurations, so now we have data with many dimensions (~60). </a:t>
+            </a:r>
+          </a:p>
+        </p:txBody>
+      </p:sp>
+      <p:pic>
+        <p:nvPicPr>
+          <p:cNvPr id="11" name="Picture 10" descr="A grid with blue dots&#10;&#10;AI-generated content may be incorrect.">
+            <a:extLst>
+              <a:ext uri="{FF2B5EF4-FFF2-40B4-BE49-F238E27FC236}">
+                <a16:creationId xmlns:a16="http://schemas.microsoft.com/office/drawing/2014/main" id="{DA4421A5-A878-2B0E-6858-95CB63C0BA70}"/>
+              </a:ext>
+            </a:extLst>
+          </p:cNvPr>
+          <p:cNvPicPr>
+            <a:picLocks noChangeAspect="1"/>
+          </p:cNvPicPr>
+          <p:nvPr/>
+        </p:nvPicPr>
+        <p:blipFill>
+          <a:blip r:embed="rId3"/>
+          <a:stretch>
+            <a:fillRect/>
+          </a:stretch>
+        </p:blipFill>
+        <p:spPr>
+          <a:xfrm>
+            <a:off x="838200" y="3136861"/>
+            <a:ext cx="5765788" cy="2281812"/>
+          </a:xfrm>
+          <a:prstGeom prst="rect">
+            <a:avLst/>
+          </a:prstGeom>
+        </p:spPr>
+      </p:pic>
+      <p:sp>
+        <p:nvSpPr>
+          <p:cNvPr id="12" name="TextBox 11">
+            <a:extLst>
+              <a:ext uri="{FF2B5EF4-FFF2-40B4-BE49-F238E27FC236}">
+                <a16:creationId xmlns:a16="http://schemas.microsoft.com/office/drawing/2014/main" id="{C2BF9FEA-8484-A73C-803D-E7D6B18CF659}"/>
+              </a:ext>
+            </a:extLst>
+          </p:cNvPr>
+          <p:cNvSpPr txBox="1"/>
+          <p:nvPr/>
+        </p:nvSpPr>
+        <p:spPr>
+          <a:xfrm>
+            <a:off x="1671145" y="5507421"/>
+            <a:ext cx="4056993" cy="646331"/>
+          </a:xfrm>
+          <a:prstGeom prst="rect">
+            <a:avLst/>
+          </a:prstGeom>
+          <a:noFill/>
+        </p:spPr>
+        <p:txBody>
+          <a:bodyPr wrap="square" rtlCol="0">
+            <a:spAutoFit/>
+          </a:bodyPr>
+          <a:lstStyle/>
+          <a:p>
+            <a:r>
+              <a:rPr lang="en-DK" dirty="0"/>
+              <a:t>Geometries of some small clusters shown here. </a:t>
+            </a:r>
+          </a:p>
+        </p:txBody>
+      </p:sp>
+      <p:sp>
+        <p:nvSpPr>
+          <p:cNvPr id="13" name="TextBox 12">
+            <a:extLst>
+              <a:ext uri="{FF2B5EF4-FFF2-40B4-BE49-F238E27FC236}">
+                <a16:creationId xmlns:a16="http://schemas.microsoft.com/office/drawing/2014/main" id="{2A007CDA-F63A-D75C-5867-7C30B5278E21}"/>
+              </a:ext>
+            </a:extLst>
+          </p:cNvPr>
+          <p:cNvSpPr txBox="1"/>
+          <p:nvPr/>
+        </p:nvSpPr>
+        <p:spPr>
+          <a:xfrm>
+            <a:off x="7865762" y="1229023"/>
+            <a:ext cx="3615559" cy="923330"/>
+          </a:xfrm>
+          <a:prstGeom prst="rect">
+            <a:avLst/>
+          </a:prstGeom>
+          <a:noFill/>
+        </p:spPr>
+        <p:txBody>
+          <a:bodyPr wrap="square" rtlCol="0">
+            <a:spAutoFit/>
+          </a:bodyPr>
+          <a:lstStyle/>
+          <a:p>
+            <a:r>
+              <a:rPr lang="en-DK" dirty="0"/>
+              <a:t>Because the data does not come from the LJ-potential, we cannot get a perfect fit. </a:t>
+            </a:r>
+          </a:p>
+        </p:txBody>
+      </p:sp>
+    </p:spTree>
+    <p:extLst>
+      <p:ext uri="{BB962C8B-B14F-4D97-AF65-F5344CB8AC3E}">
+        <p14:creationId xmlns:p14="http://schemas.microsoft.com/office/powerpoint/2010/main" val="1902303785"/>
+      </p:ext>
+    </p:extLst>
+  </p:cSld>
+  <p:clrMapOvr>
+    <a:masterClrMapping/>
+  </p:clrMapOvr>
+</p:sld>
+</file>
+
+<file path=ppt/slides/slide18.xml><?xml version="1.0" encoding="utf-8"?>
+<p:sld xmlns:a="http://schemas.openxmlformats.org/drawingml/2006/main" xmlns:r="http://schemas.openxmlformats.org/officeDocument/2006/relationships" xmlns:p="http://schemas.openxmlformats.org/presentationml/2006/main">
+  <p:cSld>
+    <p:spTree>
+      <p:nvGrpSpPr>
+        <p:cNvPr id="1" name=""/>
+        <p:cNvGrpSpPr/>
+        <p:nvPr/>
+      </p:nvGrpSpPr>
+      <p:grpSpPr>
+        <a:xfrm>
+          <a:off x="0" y="0"/>
+          <a:ext cx="0" cy="0"/>
+          <a:chOff x="0" y="0"/>
+          <a:chExt cx="0" cy="0"/>
+        </a:xfrm>
+      </p:grpSpPr>
+      <p:sp>
+        <p:nvSpPr>
+          <p:cNvPr id="2" name="Title 1">
+            <a:extLst>
+              <a:ext uri="{FF2B5EF4-FFF2-40B4-BE49-F238E27FC236}">
+                <a16:creationId xmlns:a16="http://schemas.microsoft.com/office/drawing/2014/main" id="{0F163DBA-EC5D-55D8-0AE2-526317896EB2}"/>
+              </a:ext>
+            </a:extLst>
+          </p:cNvPr>
+          <p:cNvSpPr>
+            <a:spLocks noGrp="1"/>
+          </p:cNvSpPr>
+          <p:nvPr>
+            <p:ph type="title"/>
+          </p:nvPr>
+        </p:nvSpPr>
+        <p:spPr/>
+        <p:txBody>
+          <a:bodyPr/>
+          <a:lstStyle/>
+          <a:p>
+            <a:r>
+              <a:rPr lang="en-DK" dirty="0"/>
+              <a:t>More expressive model</a:t>
+            </a:r>
+          </a:p>
+        </p:txBody>
+      </p:sp>
+      <p:pic>
+        <p:nvPicPr>
+          <p:cNvPr id="4" name="Picture 3" descr="A math equation with a square and a number&#10;&#10;AI-generated content may be incorrect.">
+            <a:extLst>
+              <a:ext uri="{FF2B5EF4-FFF2-40B4-BE49-F238E27FC236}">
+                <a16:creationId xmlns:a16="http://schemas.microsoft.com/office/drawing/2014/main" id="{33033296-21C3-E7AB-140F-B616B38B4BB4}"/>
+              </a:ext>
+            </a:extLst>
+          </p:cNvPr>
+          <p:cNvPicPr>
+            <a:picLocks noChangeAspect="1"/>
+          </p:cNvPicPr>
+          <p:nvPr/>
+        </p:nvPicPr>
+        <p:blipFill>
+          <a:blip r:embed="rId2"/>
+          <a:stretch>
+            <a:fillRect/>
+          </a:stretch>
+        </p:blipFill>
+        <p:spPr>
+          <a:xfrm>
+            <a:off x="1099863" y="3547323"/>
+            <a:ext cx="4127500" cy="1003300"/>
+          </a:xfrm>
+          <a:prstGeom prst="rect">
+            <a:avLst/>
+          </a:prstGeom>
+        </p:spPr>
+      </p:pic>
+      <mc:AlternateContent xmlns:mc="http://schemas.openxmlformats.org/markup-compatibility/2006">
+        <mc:Choice xmlns:a14="http://schemas.microsoft.com/office/drawing/2010/main" Requires="a14">
+          <p:sp>
+            <p:nvSpPr>
+              <p:cNvPr id="5" name="TextBox 4">
+                <a:extLst>
+                  <a:ext uri="{FF2B5EF4-FFF2-40B4-BE49-F238E27FC236}">
+                    <a16:creationId xmlns:a16="http://schemas.microsoft.com/office/drawing/2014/main" id="{64EE8943-BBF8-4F5A-5751-0E140091828C}"/>
+                  </a:ext>
+                </a:extLst>
+              </p:cNvPr>
+              <p:cNvSpPr txBox="1"/>
+              <p:nvPr/>
+            </p:nvSpPr>
+            <p:spPr>
+              <a:xfrm>
+                <a:off x="4887290" y="3957007"/>
+                <a:ext cx="827214" cy="276999"/>
+              </a:xfrm>
+              <a:prstGeom prst="rect">
+                <a:avLst/>
+              </a:prstGeom>
+              <a:noFill/>
+            </p:spPr>
+            <p:txBody>
+              <a:bodyPr wrap="none" lIns="0" tIns="0" rIns="0" bIns="0" rtlCol="0">
+                <a:spAutoFit/>
+              </a:bodyPr>
+              <a:lstStyle/>
+              <a:p>
+                <a14:m>
+                  <m:oMathPara xmlns:m="http://schemas.openxmlformats.org/officeDocument/2006/math">
+                    <m:oMathParaPr>
+                      <m:jc m:val="centerGroup"/>
+                    </m:oMathParaPr>
+                    <m:oMath xmlns:m="http://schemas.openxmlformats.org/officeDocument/2006/math">
+                      <m:r>
+                        <a:rPr lang="da-DK" b="0" i="1" smtClean="0">
+                          <a:latin typeface="Cambria Math" panose="02040503050406030204" pitchFamily="18" charset="0"/>
+                        </a:rPr>
+                        <m:t>+</m:t>
+                      </m:r>
+                      <m:sSub>
+                        <m:sSubPr>
+                          <m:ctrlPr>
+                            <a:rPr lang="da-DK" b="0" i="1" smtClean="0">
+                              <a:latin typeface="Cambria Math" panose="02040503050406030204" pitchFamily="18" charset="0"/>
+                            </a:rPr>
+                          </m:ctrlPr>
+                        </m:sSubPr>
+                        <m:e>
+                          <m:r>
+                            <a:rPr lang="da-DK" b="0" i="1" smtClean="0">
+                              <a:latin typeface="Cambria Math" panose="02040503050406030204" pitchFamily="18" charset="0"/>
+                            </a:rPr>
+                            <m:t>𝐺</m:t>
+                          </m:r>
+                        </m:e>
+                        <m:sub>
+                          <m:r>
+                            <a:rPr lang="da-DK" b="0" i="1" smtClean="0">
+                              <a:latin typeface="Cambria Math" panose="02040503050406030204" pitchFamily="18" charset="0"/>
+                            </a:rPr>
+                            <m:t>𝜃</m:t>
+                          </m:r>
+                        </m:sub>
+                      </m:sSub>
+                      <m:r>
+                        <a:rPr lang="da-DK" b="0" i="1" smtClean="0">
+                          <a:latin typeface="Cambria Math" panose="02040503050406030204" pitchFamily="18" charset="0"/>
+                        </a:rPr>
+                        <m:t>(</m:t>
+                      </m:r>
+                      <m:r>
+                        <a:rPr lang="da-DK" b="0" i="1" smtClean="0">
+                          <a:latin typeface="Cambria Math" panose="02040503050406030204" pitchFamily="18" charset="0"/>
+                        </a:rPr>
+                        <m:t>𝑅</m:t>
+                      </m:r>
+                      <m:r>
+                        <a:rPr lang="da-DK" b="0" i="1" smtClean="0">
+                          <a:latin typeface="Cambria Math" panose="02040503050406030204" pitchFamily="18" charset="0"/>
+                        </a:rPr>
+                        <m:t>)</m:t>
+                      </m:r>
+                    </m:oMath>
+                  </m:oMathPara>
+                </a14:m>
+                <a:endParaRPr lang="en-DK" dirty="0"/>
+              </a:p>
+            </p:txBody>
+          </p:sp>
+        </mc:Choice>
+        <mc:Fallback>
+          <p:sp>
+            <p:nvSpPr>
+              <p:cNvPr id="5" name="TextBox 4">
+                <a:extLst>
+                  <a:ext uri="{FF2B5EF4-FFF2-40B4-BE49-F238E27FC236}">
+                    <a16:creationId xmlns:a16="http://schemas.microsoft.com/office/drawing/2014/main" id="{64EE8943-BBF8-4F5A-5751-0E140091828C}"/>
+                  </a:ext>
+                </a:extLst>
+              </p:cNvPr>
+              <p:cNvSpPr txBox="1">
+                <a:spLocks noRot="1" noChangeAspect="1" noMove="1" noResize="1" noEditPoints="1" noAdjustHandles="1" noChangeArrowheads="1" noChangeShapeType="1" noTextEdit="1"/>
+              </p:cNvSpPr>
+              <p:nvPr/>
+            </p:nvSpPr>
+            <p:spPr>
+              <a:xfrm>
+                <a:off x="4887290" y="3957007"/>
+                <a:ext cx="827214" cy="276999"/>
+              </a:xfrm>
+              <a:prstGeom prst="rect">
+                <a:avLst/>
+              </a:prstGeom>
+              <a:blipFill>
+                <a:blip r:embed="rId3"/>
+                <a:stretch>
+                  <a:fillRect l="-4545" r="-10606" b="-34783"/>
+                </a:stretch>
+              </a:blipFill>
+            </p:spPr>
+            <p:txBody>
+              <a:bodyPr/>
+              <a:lstStyle/>
+              <a:p>
+                <a:r>
+                  <a:rPr lang="en-DK">
+                    <a:noFill/>
+                  </a:rPr>
+                  <a:t> </a:t>
+                </a:r>
+              </a:p>
+            </p:txBody>
+          </p:sp>
+        </mc:Fallback>
+      </mc:AlternateContent>
+      <p:sp>
+        <p:nvSpPr>
+          <p:cNvPr id="6" name="TextBox 5">
+            <a:extLst>
+              <a:ext uri="{FF2B5EF4-FFF2-40B4-BE49-F238E27FC236}">
+                <a16:creationId xmlns:a16="http://schemas.microsoft.com/office/drawing/2014/main" id="{67144985-664E-B616-84C5-178CCEFB2E9D}"/>
+              </a:ext>
+            </a:extLst>
+          </p:cNvPr>
+          <p:cNvSpPr txBox="1"/>
+          <p:nvPr/>
+        </p:nvSpPr>
+        <p:spPr>
+          <a:xfrm>
+            <a:off x="1120267" y="3105834"/>
+            <a:ext cx="5545742" cy="1477328"/>
+          </a:xfrm>
+          <a:prstGeom prst="rect">
+            <a:avLst/>
+          </a:prstGeom>
+          <a:noFill/>
+        </p:spPr>
+        <p:txBody>
+          <a:bodyPr wrap="square" rtlCol="0">
+            <a:spAutoFit/>
+          </a:bodyPr>
+          <a:lstStyle/>
+          <a:p>
+            <a:r>
+              <a:rPr lang="en-DK" dirty="0"/>
+              <a:t>We will change our model to give it more more </a:t>
+            </a:r>
+          </a:p>
+          <a:p>
+            <a:r>
+              <a:rPr lang="en-GB" dirty="0"/>
+              <a:t>F</a:t>
+            </a:r>
+            <a:r>
+              <a:rPr lang="en-DK" dirty="0"/>
+              <a:t>reedom</a:t>
+            </a:r>
+          </a:p>
+          <a:p>
+            <a:endParaRPr lang="en-DK" dirty="0"/>
+          </a:p>
+          <a:p>
+            <a:endParaRPr lang="en-DK" dirty="0"/>
+          </a:p>
+          <a:p>
+            <a:endParaRPr lang="en-DK" dirty="0"/>
+          </a:p>
+        </p:txBody>
+      </p:sp>
+      <p:pic>
+        <p:nvPicPr>
+          <p:cNvPr id="8" name="Picture 7" descr="A graph of a graph&#10;&#10;AI-generated content may be incorrect.">
+            <a:extLst>
+              <a:ext uri="{FF2B5EF4-FFF2-40B4-BE49-F238E27FC236}">
+                <a16:creationId xmlns:a16="http://schemas.microsoft.com/office/drawing/2014/main" id="{55F95F54-D150-977B-0E53-C91F74D1F6F0}"/>
+              </a:ext>
+            </a:extLst>
+          </p:cNvPr>
+          <p:cNvPicPr>
+            <a:picLocks noChangeAspect="1"/>
+          </p:cNvPicPr>
+          <p:nvPr/>
+        </p:nvPicPr>
+        <p:blipFill>
+          <a:blip r:embed="rId4"/>
+          <a:srcRect r="1791"/>
+          <a:stretch/>
+        </p:blipFill>
+        <p:spPr>
+          <a:xfrm>
+            <a:off x="7217721" y="2020834"/>
+            <a:ext cx="3854012" cy="3924300"/>
+          </a:xfrm>
+          <a:prstGeom prst="rect">
+            <a:avLst/>
+          </a:prstGeom>
+        </p:spPr>
+      </p:pic>
+      <p:sp>
+        <p:nvSpPr>
+          <p:cNvPr id="9" name="TextBox 8">
+            <a:extLst>
+              <a:ext uri="{FF2B5EF4-FFF2-40B4-BE49-F238E27FC236}">
+                <a16:creationId xmlns:a16="http://schemas.microsoft.com/office/drawing/2014/main" id="{C379411B-AAC3-544E-1297-509336B25A79}"/>
+              </a:ext>
+            </a:extLst>
+          </p:cNvPr>
+          <p:cNvSpPr txBox="1"/>
+          <p:nvPr/>
+        </p:nvSpPr>
+        <p:spPr>
+          <a:xfrm>
+            <a:off x="8085082" y="1209430"/>
+            <a:ext cx="3268718" cy="646331"/>
+          </a:xfrm>
+          <a:prstGeom prst="rect">
+            <a:avLst/>
+          </a:prstGeom>
+          <a:noFill/>
+        </p:spPr>
+        <p:txBody>
+          <a:bodyPr wrap="square" rtlCol="0">
+            <a:spAutoFit/>
+          </a:bodyPr>
+          <a:lstStyle/>
+          <a:p>
+            <a:r>
+              <a:rPr lang="en-DK" dirty="0"/>
+              <a:t>Then we can achieve very good agreement. </a:t>
+            </a:r>
+          </a:p>
+        </p:txBody>
+      </p:sp>
+    </p:spTree>
+    <p:extLst>
+      <p:ext uri="{BB962C8B-B14F-4D97-AF65-F5344CB8AC3E}">
+        <p14:creationId xmlns:p14="http://schemas.microsoft.com/office/powerpoint/2010/main" val="619584970"/>
+      </p:ext>
+    </p:extLst>
+  </p:cSld>
+  <p:clrMapOvr>
+    <a:masterClrMapping/>
+  </p:clrMapOvr>
+</p:sld>
+</file>
+
+<file path=ppt/slides/slide19.xml><?xml version="1.0" encoding="utf-8"?>
+<p:sld xmlns:a="http://schemas.openxmlformats.org/drawingml/2006/main" xmlns:r="http://schemas.openxmlformats.org/officeDocument/2006/relationships" xmlns:p="http://schemas.openxmlformats.org/presentationml/2006/main">
+  <p:cSld>
+    <p:spTree>
+      <p:nvGrpSpPr>
+        <p:cNvPr id="1" name=""/>
+        <p:cNvGrpSpPr/>
+        <p:nvPr/>
+      </p:nvGrpSpPr>
+      <p:grpSpPr>
+        <a:xfrm>
+          <a:off x="0" y="0"/>
+          <a:ext cx="0" cy="0"/>
+          <a:chOff x="0" y="0"/>
+          <a:chExt cx="0" cy="0"/>
+        </a:xfrm>
+      </p:grpSpPr>
+      <p:pic>
+        <p:nvPicPr>
+          <p:cNvPr id="4" name="Picture 2" descr="Fig. 1">
+            <a:extLst>
+              <a:ext uri="{FF2B5EF4-FFF2-40B4-BE49-F238E27FC236}">
+                <a16:creationId xmlns:a16="http://schemas.microsoft.com/office/drawing/2014/main" id="{A42A75B2-44F9-50C0-A79B-0219802512B7}"/>
+              </a:ext>
+            </a:extLst>
+          </p:cNvPr>
+          <p:cNvPicPr>
+            <a:picLocks noChangeAspect="1" noChangeArrowheads="1"/>
+          </p:cNvPicPr>
+          <p:nvPr/>
+        </p:nvPicPr>
+        <p:blipFill>
+          <a:blip r:embed="rId2">
+            <a:extLst>
+              <a:ext uri="{28A0092B-C50C-407E-A947-70E740481C1C}">
+                <a14:useLocalDpi xmlns:a14="http://schemas.microsoft.com/office/drawing/2010/main" val="0"/>
+              </a:ext>
+            </a:extLst>
+          </a:blip>
+          <a:srcRect/>
+          <a:stretch>
+            <a:fillRect/>
+          </a:stretch>
+        </p:blipFill>
+        <p:spPr bwMode="auto">
+          <a:xfrm>
+            <a:off x="492680" y="3547095"/>
+            <a:ext cx="4311873" cy="2635439"/>
+          </a:xfrm>
+          <a:prstGeom prst="rect">
+            <a:avLst/>
+          </a:prstGeom>
+          <a:noFill/>
+          <a:extLst>
+            <a:ext uri="{909E8E84-426E-40DD-AFC4-6F175D3DCCD1}">
+              <a14:hiddenFill xmlns:a14="http://schemas.microsoft.com/office/drawing/2010/main">
+                <a:solidFill>
+                  <a:srgbClr val="FFFFFF"/>
+                </a:solidFill>
+              </a14:hiddenFill>
+            </a:ext>
+          </a:extLst>
+        </p:spPr>
+      </p:pic>
+      <p:pic>
+        <p:nvPicPr>
+          <p:cNvPr id="5" name="Picture 4" descr="Fig. 2">
+            <a:extLst>
+              <a:ext uri="{FF2B5EF4-FFF2-40B4-BE49-F238E27FC236}">
+                <a16:creationId xmlns:a16="http://schemas.microsoft.com/office/drawing/2014/main" id="{D407DA50-8BFF-4E23-A99A-9C5799C2B2DC}"/>
+              </a:ext>
+            </a:extLst>
+          </p:cNvPr>
+          <p:cNvPicPr>
+            <a:picLocks noChangeAspect="1" noChangeArrowheads="1"/>
+          </p:cNvPicPr>
+          <p:nvPr/>
+        </p:nvPicPr>
+        <p:blipFill>
+          <a:blip r:embed="rId3">
+            <a:extLst>
+              <a:ext uri="{28A0092B-C50C-407E-A947-70E740481C1C}">
+                <a14:useLocalDpi xmlns:a14="http://schemas.microsoft.com/office/drawing/2010/main" val="0"/>
+              </a:ext>
+            </a:extLst>
+          </a:blip>
+          <a:srcRect/>
+          <a:stretch>
+            <a:fillRect/>
+          </a:stretch>
+        </p:blipFill>
+        <p:spPr bwMode="auto">
+          <a:xfrm>
+            <a:off x="176925" y="248746"/>
+            <a:ext cx="4943381" cy="3180254"/>
+          </a:xfrm>
+          <a:prstGeom prst="rect">
+            <a:avLst/>
+          </a:prstGeom>
+          <a:noFill/>
+          <a:extLst>
+            <a:ext uri="{909E8E84-426E-40DD-AFC4-6F175D3DCCD1}">
+              <a14:hiddenFill xmlns:a14="http://schemas.microsoft.com/office/drawing/2010/main">
+                <a:solidFill>
+                  <a:srgbClr val="FFFFFF"/>
+                </a:solidFill>
+              </a14:hiddenFill>
+            </a:ext>
+          </a:extLst>
+        </p:spPr>
+      </p:pic>
+      <p:sp>
+        <p:nvSpPr>
+          <p:cNvPr id="6" name="TextBox 5">
+            <a:extLst>
+              <a:ext uri="{FF2B5EF4-FFF2-40B4-BE49-F238E27FC236}">
+                <a16:creationId xmlns:a16="http://schemas.microsoft.com/office/drawing/2014/main" id="{48154DEF-F347-89BD-E05E-F72D98B568EB}"/>
+              </a:ext>
+            </a:extLst>
+          </p:cNvPr>
+          <p:cNvSpPr txBox="1"/>
+          <p:nvPr/>
+        </p:nvSpPr>
+        <p:spPr>
+          <a:xfrm>
+            <a:off x="220362" y="6242304"/>
+            <a:ext cx="4925568" cy="553998"/>
+          </a:xfrm>
+          <a:prstGeom prst="rect">
+            <a:avLst/>
+          </a:prstGeom>
+          <a:noFill/>
+        </p:spPr>
+        <p:txBody>
+          <a:bodyPr wrap="square" rtlCol="0">
+            <a:spAutoFit/>
+          </a:bodyPr>
+          <a:lstStyle/>
+          <a:p>
+            <a:r>
+              <a:rPr lang="en-DK" sz="1000" dirty="0"/>
+              <a:t>&gt; </a:t>
+            </a:r>
+            <a:r>
+              <a:rPr lang="en-GB" sz="1000" b="0" i="0" dirty="0">
+                <a:solidFill>
+                  <a:srgbClr val="222222"/>
+                </a:solidFill>
+                <a:effectLst/>
+                <a:latin typeface="-apple-system"/>
+              </a:rPr>
+              <a:t>Deng, B., Zhong, P., Jun, K. </a:t>
+            </a:r>
+            <a:r>
+              <a:rPr lang="en-GB" sz="1000" b="0" i="1" dirty="0">
+                <a:solidFill>
+                  <a:srgbClr val="222222"/>
+                </a:solidFill>
+                <a:effectLst/>
+                <a:latin typeface="-apple-system"/>
+              </a:rPr>
+              <a:t>et al.</a:t>
+            </a:r>
+            <a:r>
+              <a:rPr lang="en-GB" sz="1000" b="0" i="0" dirty="0">
+                <a:solidFill>
+                  <a:srgbClr val="222222"/>
+                </a:solidFill>
+                <a:effectLst/>
+                <a:latin typeface="-apple-system"/>
+              </a:rPr>
+              <a:t> </a:t>
+            </a:r>
+            <a:r>
+              <a:rPr lang="en-GB" sz="1000" b="0" i="0" dirty="0" err="1">
+                <a:solidFill>
+                  <a:srgbClr val="222222"/>
+                </a:solidFill>
+                <a:effectLst/>
+                <a:latin typeface="-apple-system"/>
+              </a:rPr>
+              <a:t>CHGNet</a:t>
+            </a:r>
+            <a:r>
+              <a:rPr lang="en-GB" sz="1000" b="0" i="0" dirty="0">
+                <a:solidFill>
+                  <a:srgbClr val="222222"/>
+                </a:solidFill>
+                <a:effectLst/>
+                <a:latin typeface="-apple-system"/>
+              </a:rPr>
+              <a:t> as a pretrained universal neural network potential for charge-informed atomistic modelling. </a:t>
+            </a:r>
+            <a:r>
+              <a:rPr lang="en-GB" sz="1000" b="0" i="1" dirty="0">
+                <a:solidFill>
+                  <a:srgbClr val="222222"/>
+                </a:solidFill>
+                <a:effectLst/>
+                <a:latin typeface="-apple-system"/>
+              </a:rPr>
+              <a:t>Nat Mach </a:t>
+            </a:r>
+            <a:r>
+              <a:rPr lang="en-GB" sz="1000" b="0" i="1" dirty="0" err="1">
+                <a:solidFill>
+                  <a:srgbClr val="222222"/>
+                </a:solidFill>
+                <a:effectLst/>
+                <a:latin typeface="-apple-system"/>
+              </a:rPr>
+              <a:t>Intell</a:t>
+            </a:r>
+            <a:r>
+              <a:rPr lang="en-GB" sz="1000" b="0" i="0" dirty="0">
+                <a:solidFill>
+                  <a:srgbClr val="222222"/>
+                </a:solidFill>
+                <a:effectLst/>
+                <a:latin typeface="-apple-system"/>
+              </a:rPr>
+              <a:t> </a:t>
+            </a:r>
+            <a:r>
+              <a:rPr lang="en-GB" sz="1000" b="1" i="0" dirty="0">
+                <a:solidFill>
+                  <a:srgbClr val="222222"/>
+                </a:solidFill>
+                <a:effectLst/>
+                <a:latin typeface="-apple-system"/>
+              </a:rPr>
+              <a:t>5</a:t>
+            </a:r>
+            <a:r>
+              <a:rPr lang="en-GB" sz="1000" b="0" i="0" dirty="0">
+                <a:solidFill>
+                  <a:srgbClr val="222222"/>
+                </a:solidFill>
+                <a:effectLst/>
+                <a:latin typeface="-apple-system"/>
+              </a:rPr>
+              <a:t>, 1031–1041 (2023). https://</a:t>
+            </a:r>
+            <a:r>
+              <a:rPr lang="en-GB" sz="1000" b="0" i="0" dirty="0" err="1">
+                <a:solidFill>
+                  <a:srgbClr val="222222"/>
+                </a:solidFill>
+                <a:effectLst/>
+                <a:latin typeface="-apple-system"/>
+              </a:rPr>
+              <a:t>doi.org</a:t>
+            </a:r>
+            <a:r>
+              <a:rPr lang="en-GB" sz="1000" b="0" i="0" dirty="0">
+                <a:solidFill>
+                  <a:srgbClr val="222222"/>
+                </a:solidFill>
+                <a:effectLst/>
+                <a:latin typeface="-apple-system"/>
+              </a:rPr>
+              <a:t>/10.1038/s42256-023-00716-3</a:t>
+            </a:r>
+            <a:endParaRPr lang="en-DK" sz="1000" dirty="0"/>
+          </a:p>
+        </p:txBody>
+      </p:sp>
+      <p:pic>
+        <p:nvPicPr>
+          <p:cNvPr id="4098" name="Picture 2" descr="figure 6">
+            <a:extLst>
+              <a:ext uri="{FF2B5EF4-FFF2-40B4-BE49-F238E27FC236}">
+                <a16:creationId xmlns:a16="http://schemas.microsoft.com/office/drawing/2014/main" id="{BBDFECE8-93A2-9A28-A36D-8C0630315731}"/>
+              </a:ext>
+            </a:extLst>
+          </p:cNvPr>
+          <p:cNvPicPr>
+            <a:picLocks noChangeAspect="1" noChangeArrowheads="1"/>
+          </p:cNvPicPr>
+          <p:nvPr/>
+        </p:nvPicPr>
+        <p:blipFill>
+          <a:blip r:embed="rId4">
+            <a:extLst>
+              <a:ext uri="{28A0092B-C50C-407E-A947-70E740481C1C}">
+                <a14:useLocalDpi xmlns:a14="http://schemas.microsoft.com/office/drawing/2010/main" val="0"/>
+              </a:ext>
+            </a:extLst>
+          </a:blip>
+          <a:srcRect/>
+          <a:stretch>
+            <a:fillRect/>
+          </a:stretch>
+        </p:blipFill>
+        <p:spPr bwMode="auto">
+          <a:xfrm>
+            <a:off x="5824264" y="1602353"/>
+            <a:ext cx="5017508" cy="3889484"/>
+          </a:xfrm>
+          <a:prstGeom prst="rect">
+            <a:avLst/>
+          </a:prstGeom>
+          <a:noFill/>
+          <a:extLst>
+            <a:ext uri="{909E8E84-426E-40DD-AFC4-6F175D3DCCD1}">
+              <a14:hiddenFill xmlns:a14="http://schemas.microsoft.com/office/drawing/2010/main">
+                <a:solidFill>
+                  <a:srgbClr val="FFFFFF"/>
+                </a:solidFill>
+              </a14:hiddenFill>
+            </a:ext>
+          </a:extLst>
+        </p:spPr>
+      </p:pic>
+      <mc:AlternateContent xmlns:mc="http://schemas.openxmlformats.org/markup-compatibility/2006">
+        <mc:Choice xmlns:a14="http://schemas.microsoft.com/office/drawing/2010/main" Requires="a14">
+          <p:sp>
+            <p:nvSpPr>
+              <p:cNvPr id="7" name="TextBox 6">
+                <a:extLst>
+                  <a:ext uri="{FF2B5EF4-FFF2-40B4-BE49-F238E27FC236}">
+                    <a16:creationId xmlns:a16="http://schemas.microsoft.com/office/drawing/2014/main" id="{E77557CD-263B-DE28-ED68-59D0480E0248}"/>
+                  </a:ext>
+                </a:extLst>
+              </p:cNvPr>
+              <p:cNvSpPr txBox="1"/>
+              <p:nvPr/>
+            </p:nvSpPr>
+            <p:spPr>
+              <a:xfrm>
+                <a:off x="7299434" y="1227663"/>
+                <a:ext cx="2733184" cy="276999"/>
+              </a:xfrm>
+              <a:prstGeom prst="rect">
+                <a:avLst/>
+              </a:prstGeom>
+              <a:noFill/>
+            </p:spPr>
+            <p:txBody>
+              <a:bodyPr wrap="none" lIns="0" tIns="0" rIns="0" bIns="0" rtlCol="0">
+                <a:spAutoFit/>
+              </a:bodyPr>
+              <a:lstStyle/>
+              <a:p>
+                <a14:m>
+                  <m:oMath xmlns:m="http://schemas.openxmlformats.org/officeDocument/2006/math">
+                    <m:r>
+                      <m:rPr>
+                        <m:nor/>
+                      </m:rPr>
+                      <a:rPr lang="en-GB"/>
+                      <m:t>Li</m:t>
+                    </m:r>
+                    <m:r>
+                      <m:rPr>
+                        <m:nor/>
+                      </m:rPr>
+                      <a:rPr lang="en-GB"/>
+                      <m:t>-</m:t>
+                    </m:r>
+                    <m:r>
+                      <m:rPr>
+                        <m:nor/>
+                      </m:rPr>
+                      <a:rPr lang="en-GB"/>
+                      <m:t>ion</m:t>
+                    </m:r>
+                    <m:r>
+                      <m:rPr>
+                        <m:nor/>
+                      </m:rPr>
+                      <a:rPr lang="en-GB"/>
+                      <m:t> </m:t>
+                    </m:r>
+                    <m:r>
+                      <m:rPr>
+                        <m:nor/>
+                      </m:rPr>
+                      <a:rPr lang="en-GB"/>
+                      <m:t>diffusivit</m:t>
+                    </m:r>
+                  </m:oMath>
+                </a14:m>
+                <a:r>
+                  <a:rPr lang="en-DK" dirty="0"/>
+                  <a:t>y predictions</a:t>
+                </a:r>
+              </a:p>
+            </p:txBody>
+          </p:sp>
+        </mc:Choice>
+        <mc:Fallback>
+          <p:sp>
+            <p:nvSpPr>
+              <p:cNvPr id="7" name="TextBox 6">
+                <a:extLst>
+                  <a:ext uri="{FF2B5EF4-FFF2-40B4-BE49-F238E27FC236}">
+                    <a16:creationId xmlns:a16="http://schemas.microsoft.com/office/drawing/2014/main" id="{E77557CD-263B-DE28-ED68-59D0480E0248}"/>
+                  </a:ext>
+                </a:extLst>
+              </p:cNvPr>
+              <p:cNvSpPr txBox="1">
+                <a:spLocks noRot="1" noChangeAspect="1" noMove="1" noResize="1" noEditPoints="1" noAdjustHandles="1" noChangeArrowheads="1" noChangeShapeType="1" noTextEdit="1"/>
+              </p:cNvSpPr>
+              <p:nvPr/>
+            </p:nvSpPr>
+            <p:spPr>
+              <a:xfrm>
+                <a:off x="7299434" y="1227663"/>
+                <a:ext cx="2733184" cy="276999"/>
+              </a:xfrm>
+              <a:prstGeom prst="rect">
+                <a:avLst/>
+              </a:prstGeom>
+              <a:blipFill>
+                <a:blip r:embed="rId5"/>
+                <a:stretch>
+                  <a:fillRect l="-2765" t="-26087" r="-4147" b="-52174"/>
+                </a:stretch>
+              </a:blipFill>
+            </p:spPr>
+            <p:txBody>
+              <a:bodyPr/>
+              <a:lstStyle/>
+              <a:p>
+                <a:r>
+                  <a:rPr lang="en-DK">
+                    <a:noFill/>
+                  </a:rPr>
+                  <a:t> </a:t>
+                </a:r>
+              </a:p>
+            </p:txBody>
+          </p:sp>
+        </mc:Fallback>
+      </mc:AlternateContent>
+    </p:spTree>
+    <p:extLst>
+      <p:ext uri="{BB962C8B-B14F-4D97-AF65-F5344CB8AC3E}">
+        <p14:creationId xmlns:p14="http://schemas.microsoft.com/office/powerpoint/2010/main" val="1226539632"/>
+      </p:ext>
+    </p:extLst>
+  </p:cSld>
+  <p:clrMapOvr>
+    <a:masterClrMapping/>
+  </p:clrMapOvr>
+</p:sld>
+</file>
+
+<file path=ppt/slides/slide2.xml><?xml version="1.0" encoding="utf-8"?>
+<p:sld xmlns:a="http://schemas.openxmlformats.org/drawingml/2006/main" xmlns:r="http://schemas.openxmlformats.org/officeDocument/2006/relationships" xmlns:p="http://schemas.openxmlformats.org/presentationml/2006/main">
+  <p:cSld>
+    <p:spTree>
+      <p:nvGrpSpPr>
+        <p:cNvPr id="1" name=""/>
+        <p:cNvGrpSpPr/>
+        <p:nvPr/>
+      </p:nvGrpSpPr>
+      <p:grpSpPr>
+        <a:xfrm>
+          <a:off x="0" y="0"/>
+          <a:ext cx="0" cy="0"/>
+          <a:chOff x="0" y="0"/>
+          <a:chExt cx="0" cy="0"/>
+        </a:xfrm>
+      </p:grpSpPr>
+      <p:sp>
+        <p:nvSpPr>
+          <p:cNvPr id="2" name="Title 1">
+            <a:extLst>
+              <a:ext uri="{FF2B5EF4-FFF2-40B4-BE49-F238E27FC236}">
+                <a16:creationId xmlns:a16="http://schemas.microsoft.com/office/drawing/2014/main" id="{88AFB721-957D-BEE9-9587-64D7185C6BE4}"/>
+              </a:ext>
+            </a:extLst>
+          </p:cNvPr>
+          <p:cNvSpPr>
+            <a:spLocks noGrp="1"/>
+          </p:cNvSpPr>
+          <p:nvPr>
+            <p:ph type="title"/>
+          </p:nvPr>
+        </p:nvSpPr>
+        <p:spPr/>
+        <p:txBody>
+          <a:bodyPr/>
+          <a:lstStyle/>
+          <a:p>
+            <a:r>
+              <a:rPr lang="en-DK" dirty="0"/>
+              <a:t>Recap: Derivatives using torch</a:t>
+            </a:r>
+          </a:p>
+        </p:txBody>
+      </p:sp>
+      <mc:AlternateContent xmlns:mc="http://schemas.openxmlformats.org/markup-compatibility/2006">
+        <mc:Choice xmlns:a14="http://schemas.microsoft.com/office/drawing/2010/main" Requires="a14">
+          <p:sp>
+            <p:nvSpPr>
+              <p:cNvPr id="4" name="TextBox 3">
+                <a:extLst>
+                  <a:ext uri="{FF2B5EF4-FFF2-40B4-BE49-F238E27FC236}">
+                    <a16:creationId xmlns:a16="http://schemas.microsoft.com/office/drawing/2014/main" id="{1AD5FA00-C094-226A-D142-D5B12BFA17A3}"/>
+                  </a:ext>
+                </a:extLst>
+              </p:cNvPr>
+              <p:cNvSpPr txBox="1"/>
+              <p:nvPr/>
+            </p:nvSpPr>
+            <p:spPr>
+              <a:xfrm>
+                <a:off x="1699889" y="3046522"/>
+                <a:ext cx="1857303" cy="492443"/>
+              </a:xfrm>
+              <a:prstGeom prst="rect">
+                <a:avLst/>
+              </a:prstGeom>
+              <a:noFill/>
+            </p:spPr>
+            <p:txBody>
+              <a:bodyPr wrap="none" lIns="0" tIns="0" rIns="0" bIns="0" rtlCol="0">
+                <a:spAutoFit/>
+              </a:bodyPr>
+              <a:lstStyle/>
+              <a:p>
+                <a:pPr/>
+                <a14:m>
+                  <m:oMathPara xmlns:m="http://schemas.openxmlformats.org/officeDocument/2006/math">
+                    <m:oMathParaPr>
+                      <m:jc m:val="centerGroup"/>
+                    </m:oMathParaPr>
+                    <m:oMath xmlns:m="http://schemas.openxmlformats.org/officeDocument/2006/math">
+                      <m:r>
+                        <a:rPr lang="da-DK" sz="3200" b="0" i="1" smtClean="0">
+                          <a:latin typeface="Cambria Math" panose="02040503050406030204" pitchFamily="18" charset="0"/>
+                        </a:rPr>
+                        <m:t>𝑓</m:t>
+                      </m:r>
+                      <m:d>
+                        <m:dPr>
+                          <m:ctrlPr>
+                            <a:rPr lang="da-DK" sz="3200" b="0" i="1" smtClean="0">
+                              <a:latin typeface="Cambria Math" panose="02040503050406030204" pitchFamily="18" charset="0"/>
+                            </a:rPr>
+                          </m:ctrlPr>
+                        </m:dPr>
+                        <m:e>
+                          <m:r>
+                            <a:rPr lang="da-DK" sz="3200" b="0" i="1" smtClean="0">
+                              <a:latin typeface="Cambria Math" panose="02040503050406030204" pitchFamily="18" charset="0"/>
+                            </a:rPr>
+                            <m:t>𝑥</m:t>
+                          </m:r>
+                        </m:e>
+                      </m:d>
+                      <m:r>
+                        <a:rPr lang="da-DK" sz="3200" b="0" i="1" smtClean="0">
+                          <a:latin typeface="Cambria Math" panose="02040503050406030204" pitchFamily="18" charset="0"/>
+                        </a:rPr>
+                        <m:t>=</m:t>
+                      </m:r>
+                      <m:sSup>
+                        <m:sSupPr>
+                          <m:ctrlPr>
+                            <a:rPr lang="da-DK" sz="3200" b="0" i="1" smtClean="0">
+                              <a:latin typeface="Cambria Math" panose="02040503050406030204" pitchFamily="18" charset="0"/>
+                            </a:rPr>
+                          </m:ctrlPr>
+                        </m:sSupPr>
+                        <m:e>
+                          <m:r>
+                            <a:rPr lang="da-DK" sz="3200" b="0" i="1" smtClean="0">
+                              <a:latin typeface="Cambria Math" panose="02040503050406030204" pitchFamily="18" charset="0"/>
+                            </a:rPr>
+                            <m:t>𝑥</m:t>
+                          </m:r>
+                        </m:e>
+                        <m:sup>
+                          <m:r>
+                            <a:rPr lang="da-DK" sz="3200" b="0" i="1" smtClean="0">
+                              <a:latin typeface="Cambria Math" panose="02040503050406030204" pitchFamily="18" charset="0"/>
+                            </a:rPr>
+                            <m:t>2</m:t>
+                          </m:r>
+                        </m:sup>
+                      </m:sSup>
+                    </m:oMath>
+                  </m:oMathPara>
+                </a14:m>
+                <a:endParaRPr lang="en-DK" sz="3200" dirty="0"/>
+              </a:p>
+            </p:txBody>
+          </p:sp>
+        </mc:Choice>
+        <mc:Fallback>
+          <p:sp>
+            <p:nvSpPr>
+              <p:cNvPr id="4" name="TextBox 3">
+                <a:extLst>
+                  <a:ext uri="{FF2B5EF4-FFF2-40B4-BE49-F238E27FC236}">
+                    <a16:creationId xmlns:a16="http://schemas.microsoft.com/office/drawing/2014/main" id="{1AD5FA00-C094-226A-D142-D5B12BFA17A3}"/>
+                  </a:ext>
+                </a:extLst>
+              </p:cNvPr>
+              <p:cNvSpPr txBox="1">
+                <a:spLocks noRot="1" noChangeAspect="1" noMove="1" noResize="1" noEditPoints="1" noAdjustHandles="1" noChangeArrowheads="1" noChangeShapeType="1" noTextEdit="1"/>
+              </p:cNvSpPr>
+              <p:nvPr/>
+            </p:nvSpPr>
+            <p:spPr>
+              <a:xfrm>
+                <a:off x="1699889" y="3046522"/>
+                <a:ext cx="1857303" cy="492443"/>
+              </a:xfrm>
+              <a:prstGeom prst="rect">
+                <a:avLst/>
+              </a:prstGeom>
+              <a:blipFill>
+                <a:blip r:embed="rId2"/>
+                <a:stretch>
+                  <a:fillRect l="-7432" t="-2564" r="-1351" b="-33333"/>
+                </a:stretch>
+              </a:blipFill>
+            </p:spPr>
+            <p:txBody>
+              <a:bodyPr/>
+              <a:lstStyle/>
+              <a:p>
+                <a:r>
+                  <a:rPr lang="en-DK">
+                    <a:noFill/>
+                  </a:rPr>
+                  <a:t> </a:t>
+                </a:r>
+              </a:p>
+            </p:txBody>
+          </p:sp>
+        </mc:Fallback>
+      </mc:AlternateContent>
+      <mc:AlternateContent xmlns:mc="http://schemas.openxmlformats.org/markup-compatibility/2006">
+        <mc:Choice xmlns:a14="http://schemas.microsoft.com/office/drawing/2010/main" Requires="a14">
+          <p:sp>
+            <p:nvSpPr>
+              <p:cNvPr id="5" name="TextBox 4">
+                <a:extLst>
+                  <a:ext uri="{FF2B5EF4-FFF2-40B4-BE49-F238E27FC236}">
+                    <a16:creationId xmlns:a16="http://schemas.microsoft.com/office/drawing/2014/main" id="{27C2E11E-4B04-09DE-986A-9C3D894FEA23}"/>
+                  </a:ext>
+                </a:extLst>
+              </p:cNvPr>
+              <p:cNvSpPr txBox="1"/>
+              <p:nvPr/>
+            </p:nvSpPr>
+            <p:spPr>
+              <a:xfrm>
+                <a:off x="1639296" y="3850957"/>
+                <a:ext cx="1978490" cy="492443"/>
+              </a:xfrm>
+              <a:prstGeom prst="rect">
+                <a:avLst/>
+              </a:prstGeom>
+              <a:noFill/>
+            </p:spPr>
+            <p:txBody>
+              <a:bodyPr wrap="none" lIns="0" tIns="0" rIns="0" bIns="0" rtlCol="0">
+                <a:spAutoFit/>
+              </a:bodyPr>
+              <a:lstStyle/>
+              <a:p>
+                <a:pPr/>
+                <a14:m>
+                  <m:oMathPara xmlns:m="http://schemas.openxmlformats.org/officeDocument/2006/math">
+                    <m:oMathParaPr>
+                      <m:jc m:val="centerGroup"/>
+                    </m:oMathParaPr>
+                    <m:oMath xmlns:m="http://schemas.openxmlformats.org/officeDocument/2006/math">
+                      <m:r>
+                        <a:rPr lang="da-DK" sz="3200" b="0" i="1" smtClean="0">
+                          <a:latin typeface="Cambria Math" panose="02040503050406030204" pitchFamily="18" charset="0"/>
+                        </a:rPr>
+                        <m:t>𝑓</m:t>
+                      </m:r>
+                      <m:r>
+                        <a:rPr lang="da-DK" sz="3200" b="0" i="1" smtClean="0">
+                          <a:latin typeface="Cambria Math" panose="02040503050406030204" pitchFamily="18" charset="0"/>
+                        </a:rPr>
+                        <m:t>′</m:t>
+                      </m:r>
+                      <m:d>
+                        <m:dPr>
+                          <m:ctrlPr>
+                            <a:rPr lang="da-DK" sz="3200" b="0" i="1" smtClean="0">
+                              <a:latin typeface="Cambria Math" panose="02040503050406030204" pitchFamily="18" charset="0"/>
+                            </a:rPr>
+                          </m:ctrlPr>
+                        </m:dPr>
+                        <m:e>
+                          <m:r>
+                            <a:rPr lang="da-DK" sz="3200" b="0" i="1" smtClean="0">
+                              <a:latin typeface="Cambria Math" panose="02040503050406030204" pitchFamily="18" charset="0"/>
+                            </a:rPr>
+                            <m:t>𝑥</m:t>
+                          </m:r>
+                        </m:e>
+                      </m:d>
+                      <m:r>
+                        <a:rPr lang="da-DK" sz="3200" b="0" i="1" smtClean="0">
+                          <a:latin typeface="Cambria Math" panose="02040503050406030204" pitchFamily="18" charset="0"/>
+                        </a:rPr>
+                        <m:t>=2</m:t>
+                      </m:r>
+                      <m:r>
+                        <a:rPr lang="da-DK" sz="3200" b="0" i="1" smtClean="0">
+                          <a:latin typeface="Cambria Math" panose="02040503050406030204" pitchFamily="18" charset="0"/>
+                        </a:rPr>
+                        <m:t>𝑥</m:t>
+                      </m:r>
+                    </m:oMath>
+                  </m:oMathPara>
+                </a14:m>
+                <a:endParaRPr lang="en-DK" sz="3200" dirty="0"/>
+              </a:p>
+            </p:txBody>
+          </p:sp>
+        </mc:Choice>
+        <mc:Fallback>
+          <p:sp>
+            <p:nvSpPr>
+              <p:cNvPr id="5" name="TextBox 4">
+                <a:extLst>
+                  <a:ext uri="{FF2B5EF4-FFF2-40B4-BE49-F238E27FC236}">
+                    <a16:creationId xmlns:a16="http://schemas.microsoft.com/office/drawing/2014/main" id="{27C2E11E-4B04-09DE-986A-9C3D894FEA23}"/>
+                  </a:ext>
+                </a:extLst>
+              </p:cNvPr>
+              <p:cNvSpPr txBox="1">
+                <a:spLocks noRot="1" noChangeAspect="1" noMove="1" noResize="1" noEditPoints="1" noAdjustHandles="1" noChangeArrowheads="1" noChangeShapeType="1" noTextEdit="1"/>
+              </p:cNvSpPr>
+              <p:nvPr/>
+            </p:nvSpPr>
+            <p:spPr>
+              <a:xfrm>
+                <a:off x="1639296" y="3850957"/>
+                <a:ext cx="1978490" cy="492443"/>
+              </a:xfrm>
+              <a:prstGeom prst="rect">
+                <a:avLst/>
+              </a:prstGeom>
+              <a:blipFill>
+                <a:blip r:embed="rId3"/>
+                <a:stretch>
+                  <a:fillRect l="-8333" t="-7500" r="-3846" b="-35000"/>
+                </a:stretch>
+              </a:blipFill>
+            </p:spPr>
+            <p:txBody>
+              <a:bodyPr/>
+              <a:lstStyle/>
+              <a:p>
+                <a:r>
+                  <a:rPr lang="en-DK">
+                    <a:noFill/>
+                  </a:rPr>
+                  <a:t> </a:t>
+                </a:r>
+              </a:p>
+            </p:txBody>
+          </p:sp>
+        </mc:Fallback>
+      </mc:AlternateContent>
+      <p:pic>
+        <p:nvPicPr>
+          <p:cNvPr id="6" name="Picture 5" descr="A computer screen shot of a program&#10;&#10;AI-generated content may be incorrect.">
+            <a:extLst>
+              <a:ext uri="{FF2B5EF4-FFF2-40B4-BE49-F238E27FC236}">
+                <a16:creationId xmlns:a16="http://schemas.microsoft.com/office/drawing/2014/main" id="{3670246A-3238-048F-F0CA-292C9B7A0A49}"/>
+              </a:ext>
+            </a:extLst>
+          </p:cNvPr>
+          <p:cNvPicPr>
+            <a:picLocks noChangeAspect="1"/>
+          </p:cNvPicPr>
+          <p:nvPr/>
+        </p:nvPicPr>
+        <p:blipFill>
+          <a:blip r:embed="rId4"/>
+          <a:stretch>
+            <a:fillRect/>
+          </a:stretch>
+        </p:blipFill>
+        <p:spPr>
+          <a:xfrm>
+            <a:off x="4645135" y="2122657"/>
+            <a:ext cx="6057494" cy="3456600"/>
+          </a:xfrm>
+          <a:prstGeom prst="rect">
+            <a:avLst/>
+          </a:prstGeom>
+          <a:ln>
+            <a:noFill/>
+          </a:ln>
+          <a:effectLst>
+            <a:outerShdw blurRad="292100" dist="139700" dir="2700000" algn="tl" rotWithShape="0">
+              <a:srgbClr val="333333">
+                <a:alpha val="65000"/>
+              </a:srgbClr>
+            </a:outerShdw>
+          </a:effectLst>
+        </p:spPr>
+      </p:pic>
+    </p:spTree>
+    <p:extLst>
+      <p:ext uri="{BB962C8B-B14F-4D97-AF65-F5344CB8AC3E}">
+        <p14:creationId xmlns:p14="http://schemas.microsoft.com/office/powerpoint/2010/main" val="1071640773"/>
+      </p:ext>
+    </p:extLst>
+  </p:cSld>
+  <p:clrMapOvr>
+    <a:masterClrMapping/>
+  </p:clrMapOvr>
+</p:sld>
+</file>
+
+<file path=ppt/slides/slide3.xml><?xml version="1.0" encoding="utf-8"?>
+<p:sld xmlns:a="http://schemas.openxmlformats.org/drawingml/2006/main" xmlns:r="http://schemas.openxmlformats.org/officeDocument/2006/relationships" xmlns:p="http://schemas.openxmlformats.org/presentationml/2006/main">
+  <p:cSld>
+    <p:spTree>
+      <p:nvGrpSpPr>
+        <p:cNvPr id="1" name=""/>
+        <p:cNvGrpSpPr/>
+        <p:nvPr/>
+      </p:nvGrpSpPr>
+      <p:grpSpPr>
+        <a:xfrm>
+          <a:off x="0" y="0"/>
+          <a:ext cx="0" cy="0"/>
+          <a:chOff x="0" y="0"/>
+          <a:chExt cx="0" cy="0"/>
+        </a:xfrm>
+      </p:grpSpPr>
+      <p:sp>
+        <p:nvSpPr>
+          <p:cNvPr id="2" name="Title 1">
+            <a:extLst>
+              <a:ext uri="{FF2B5EF4-FFF2-40B4-BE49-F238E27FC236}">
+                <a16:creationId xmlns:a16="http://schemas.microsoft.com/office/drawing/2014/main" id="{1106E9E6-1F67-36AA-96C8-1306EA9B6CA3}"/>
+              </a:ext>
+            </a:extLst>
+          </p:cNvPr>
+          <p:cNvSpPr>
+            <a:spLocks noGrp="1"/>
+          </p:cNvSpPr>
+          <p:nvPr>
+            <p:ph type="title"/>
+          </p:nvPr>
+        </p:nvSpPr>
+        <p:spPr/>
+        <p:txBody>
+          <a:bodyPr/>
+          <a:lstStyle/>
+          <a:p>
+            <a:r>
+              <a:rPr lang="en-DK" dirty="0"/>
+              <a:t>Recap: Electric field from scalar potential </a:t>
+            </a:r>
+          </a:p>
+        </p:txBody>
+      </p:sp>
+      <p:pic>
+        <p:nvPicPr>
+          <p:cNvPr id="12" name="Picture 11" descr="A black and white image of a circular pattern&#10;&#10;AI-generated content may be incorrect.">
+            <a:extLst>
+              <a:ext uri="{FF2B5EF4-FFF2-40B4-BE49-F238E27FC236}">
+                <a16:creationId xmlns:a16="http://schemas.microsoft.com/office/drawing/2014/main" id="{B2436261-B57D-7EED-7314-F630D39FC9A5}"/>
+              </a:ext>
+            </a:extLst>
+          </p:cNvPr>
+          <p:cNvPicPr>
+            <a:picLocks noChangeAspect="1"/>
+          </p:cNvPicPr>
+          <p:nvPr/>
+        </p:nvPicPr>
+        <p:blipFill>
+          <a:blip r:embed="rId2"/>
+          <a:stretch>
+            <a:fillRect/>
+          </a:stretch>
+        </p:blipFill>
+        <p:spPr>
+          <a:xfrm>
+            <a:off x="5731423" y="1817851"/>
+            <a:ext cx="4533900" cy="4546600"/>
+          </a:xfrm>
+          <a:prstGeom prst="rect">
+            <a:avLst/>
+          </a:prstGeom>
+        </p:spPr>
+      </p:pic>
+    </p:spTree>
+    <p:extLst>
+      <p:ext uri="{BB962C8B-B14F-4D97-AF65-F5344CB8AC3E}">
+        <p14:creationId xmlns:p14="http://schemas.microsoft.com/office/powerpoint/2010/main" val="3241376535"/>
+      </p:ext>
+    </p:extLst>
+  </p:cSld>
+  <p:clrMapOvr>
+    <a:masterClrMapping/>
+  </p:clrMapOvr>
+</p:sld>
+</file>
+
+<file path=ppt/slides/slide4.xml><?xml version="1.0" encoding="utf-8"?>
+<p:sld xmlns:a="http://schemas.openxmlformats.org/drawingml/2006/main" xmlns:r="http://schemas.openxmlformats.org/officeDocument/2006/relationships" xmlns:p="http://schemas.openxmlformats.org/presentationml/2006/main">
+  <p:cSld>
+    <p:spTree>
+      <p:nvGrpSpPr>
+        <p:cNvPr id="1" name=""/>
+        <p:cNvGrpSpPr/>
+        <p:nvPr/>
+      </p:nvGrpSpPr>
+      <p:grpSpPr>
+        <a:xfrm>
+          <a:off x="0" y="0"/>
+          <a:ext cx="0" cy="0"/>
+          <a:chOff x="0" y="0"/>
+          <a:chExt cx="0" cy="0"/>
+        </a:xfrm>
+      </p:grpSpPr>
+      <p:sp>
+        <p:nvSpPr>
+          <p:cNvPr id="4" name="Title 1">
+            <a:extLst>
+              <a:ext uri="{FF2B5EF4-FFF2-40B4-BE49-F238E27FC236}">
+                <a16:creationId xmlns:a16="http://schemas.microsoft.com/office/drawing/2014/main" id="{135E567E-CD6D-59C7-BD05-C7EB00DB02E1}"/>
+              </a:ext>
+            </a:extLst>
+          </p:cNvPr>
+          <p:cNvSpPr>
+            <a:spLocks noGrp="1"/>
+          </p:cNvSpPr>
+          <p:nvPr>
+            <p:ph type="title"/>
+          </p:nvPr>
+        </p:nvSpPr>
+        <p:spPr>
+          <a:xfrm>
+            <a:off x="838200" y="365125"/>
+            <a:ext cx="10515600" cy="1325563"/>
+          </a:xfrm>
+        </p:spPr>
+        <p:txBody>
+          <a:bodyPr/>
+          <a:lstStyle/>
+          <a:p>
+            <a:r>
+              <a:rPr lang="en-DK" dirty="0"/>
+              <a:t>Recap: Gradient Descent</a:t>
+            </a:r>
+          </a:p>
+        </p:txBody>
+      </p:sp>
+      <p:pic>
+        <p:nvPicPr>
+          <p:cNvPr id="5" name="Picture 4" descr="A number of mathematical symbols&#10;&#10;AI-generated content may be incorrect.">
+            <a:extLst>
+              <a:ext uri="{FF2B5EF4-FFF2-40B4-BE49-F238E27FC236}">
+                <a16:creationId xmlns:a16="http://schemas.microsoft.com/office/drawing/2014/main" id="{57412152-D2EF-CE07-57D4-F50BC24BB58E}"/>
+              </a:ext>
+            </a:extLst>
+          </p:cNvPr>
+          <p:cNvPicPr>
+            <a:picLocks noChangeAspect="1"/>
+          </p:cNvPicPr>
+          <p:nvPr/>
+        </p:nvPicPr>
+        <p:blipFill>
+          <a:blip r:embed="rId2"/>
+          <a:stretch>
+            <a:fillRect/>
+          </a:stretch>
+        </p:blipFill>
+        <p:spPr>
+          <a:xfrm>
+            <a:off x="985535" y="2376460"/>
+            <a:ext cx="4318000" cy="1257300"/>
+          </a:xfrm>
+          <a:prstGeom prst="rect">
+            <a:avLst/>
+          </a:prstGeom>
+        </p:spPr>
+      </p:pic>
+      <p:pic>
+        <p:nvPicPr>
+          <p:cNvPr id="6" name="Picture 5" descr="A black text on a white background&#10;&#10;AI-generated content may be incorrect.">
+            <a:extLst>
+              <a:ext uri="{FF2B5EF4-FFF2-40B4-BE49-F238E27FC236}">
+                <a16:creationId xmlns:a16="http://schemas.microsoft.com/office/drawing/2014/main" id="{C1FC63B0-9451-E2D3-233C-0F7987B6D980}"/>
+              </a:ext>
+            </a:extLst>
+          </p:cNvPr>
+          <p:cNvPicPr>
+            <a:picLocks noChangeAspect="1"/>
+          </p:cNvPicPr>
+          <p:nvPr/>
+        </p:nvPicPr>
+        <p:blipFill>
+          <a:blip r:embed="rId3"/>
+          <a:stretch>
+            <a:fillRect/>
+          </a:stretch>
+        </p:blipFill>
+        <p:spPr>
+          <a:xfrm>
+            <a:off x="1253452" y="4124198"/>
+            <a:ext cx="3009900" cy="723900"/>
+          </a:xfrm>
+          <a:prstGeom prst="rect">
+            <a:avLst/>
+          </a:prstGeom>
+        </p:spPr>
+      </p:pic>
+      <p:sp>
+        <p:nvSpPr>
+          <p:cNvPr id="7" name="TextBox 6">
+            <a:extLst>
+              <a:ext uri="{FF2B5EF4-FFF2-40B4-BE49-F238E27FC236}">
+                <a16:creationId xmlns:a16="http://schemas.microsoft.com/office/drawing/2014/main" id="{286144A2-1480-CA20-76FC-148F06403031}"/>
+              </a:ext>
+            </a:extLst>
+          </p:cNvPr>
+          <p:cNvSpPr txBox="1"/>
+          <p:nvPr/>
+        </p:nvSpPr>
+        <p:spPr>
+          <a:xfrm>
+            <a:off x="1135119" y="2102068"/>
+            <a:ext cx="4445876" cy="369332"/>
+          </a:xfrm>
+          <a:prstGeom prst="rect">
+            <a:avLst/>
+          </a:prstGeom>
+          <a:noFill/>
+        </p:spPr>
+        <p:txBody>
+          <a:bodyPr wrap="square" rtlCol="0">
+            <a:spAutoFit/>
+          </a:bodyPr>
+          <a:lstStyle/>
+          <a:p>
+            <a:r>
+              <a:rPr lang="en-DK" dirty="0"/>
+              <a:t>Loss function </a:t>
+            </a:r>
+          </a:p>
+        </p:txBody>
+      </p:sp>
+      <mc:AlternateContent xmlns:mc="http://schemas.openxmlformats.org/markup-compatibility/2006">
+        <mc:Choice xmlns:a14="http://schemas.microsoft.com/office/drawing/2010/main" Requires="a14">
+          <p:sp>
+            <p:nvSpPr>
+              <p:cNvPr id="8" name="TextBox 7">
+                <a:extLst>
+                  <a:ext uri="{FF2B5EF4-FFF2-40B4-BE49-F238E27FC236}">
+                    <a16:creationId xmlns:a16="http://schemas.microsoft.com/office/drawing/2014/main" id="{3A783FCF-5600-1DFF-CF27-916D4B7D0020}"/>
+                  </a:ext>
+                </a:extLst>
+              </p:cNvPr>
+              <p:cNvSpPr txBox="1"/>
+              <p:nvPr/>
+            </p:nvSpPr>
+            <p:spPr>
+              <a:xfrm>
+                <a:off x="1184571" y="5089690"/>
+                <a:ext cx="4445876" cy="923330"/>
+              </a:xfrm>
+              <a:prstGeom prst="rect">
+                <a:avLst/>
+              </a:prstGeom>
+              <a:noFill/>
+            </p:spPr>
+            <p:txBody>
+              <a:bodyPr wrap="square" rtlCol="0">
+                <a:spAutoFit/>
+              </a:bodyPr>
+              <a:lstStyle/>
+              <a:p>
+                <a:r>
+                  <a:rPr lang="en-DK" dirty="0"/>
+                  <a:t>Because of automatic differentiation, getting </a:t>
+                </a:r>
+                <a14:m>
+                  <m:oMath xmlns:m="http://schemas.openxmlformats.org/officeDocument/2006/math">
+                    <m:sSub>
+                      <m:sSubPr>
+                        <m:ctrlPr>
+                          <a:rPr lang="da-DK" b="0" i="1" smtClean="0">
+                            <a:latin typeface="Cambria Math" panose="02040503050406030204" pitchFamily="18" charset="0"/>
+                          </a:rPr>
+                        </m:ctrlPr>
+                      </m:sSubPr>
+                      <m:e>
+                        <m:r>
+                          <m:rPr>
+                            <m:sty m:val="p"/>
+                          </m:rPr>
+                          <a:rPr lang="da-DK" b="0" i="0" smtClean="0">
+                            <a:latin typeface="Cambria Math" panose="02040503050406030204" pitchFamily="18" charset="0"/>
+                          </a:rPr>
+                          <m:t>∇</m:t>
+                        </m:r>
+                      </m:e>
+                      <m:sub>
+                        <m:r>
+                          <a:rPr lang="da-DK" b="0" i="1" smtClean="0">
+                            <a:latin typeface="Cambria Math" panose="02040503050406030204" pitchFamily="18" charset="0"/>
+                          </a:rPr>
+                          <m:t>𝜃</m:t>
+                        </m:r>
+                      </m:sub>
+                    </m:sSub>
+                    <m:r>
+                      <a:rPr lang="da-DK" b="0" i="1" smtClean="0">
+                        <a:latin typeface="Cambria Math" panose="02040503050406030204" pitchFamily="18" charset="0"/>
+                      </a:rPr>
+                      <m:t>𝐿</m:t>
+                    </m:r>
+                  </m:oMath>
+                </a14:m>
+                <a:r>
+                  <a:rPr lang="en-DK" dirty="0"/>
+                  <a:t> is easy even for very complicated models.</a:t>
+                </a:r>
+              </a:p>
+            </p:txBody>
+          </p:sp>
+        </mc:Choice>
+        <mc:Fallback>
+          <p:sp>
+            <p:nvSpPr>
+              <p:cNvPr id="8" name="TextBox 7">
+                <a:extLst>
+                  <a:ext uri="{FF2B5EF4-FFF2-40B4-BE49-F238E27FC236}">
+                    <a16:creationId xmlns:a16="http://schemas.microsoft.com/office/drawing/2014/main" id="{3A783FCF-5600-1DFF-CF27-916D4B7D0020}"/>
+                  </a:ext>
+                </a:extLst>
+              </p:cNvPr>
+              <p:cNvSpPr txBox="1">
+                <a:spLocks noRot="1" noChangeAspect="1" noMove="1" noResize="1" noEditPoints="1" noAdjustHandles="1" noChangeArrowheads="1" noChangeShapeType="1" noTextEdit="1"/>
+              </p:cNvSpPr>
+              <p:nvPr/>
+            </p:nvSpPr>
+            <p:spPr>
+              <a:xfrm>
+                <a:off x="1184571" y="5089690"/>
+                <a:ext cx="4445876" cy="923330"/>
+              </a:xfrm>
+              <a:prstGeom prst="rect">
+                <a:avLst/>
+              </a:prstGeom>
+              <a:blipFill>
+                <a:blip r:embed="rId4"/>
+                <a:stretch>
+                  <a:fillRect l="-1140" t="-2703" b="-9459"/>
+                </a:stretch>
+              </a:blipFill>
+            </p:spPr>
+            <p:txBody>
+              <a:bodyPr/>
+              <a:lstStyle/>
+              <a:p>
+                <a:r>
+                  <a:rPr lang="en-DK">
+                    <a:noFill/>
+                  </a:rPr>
+                  <a:t> </a:t>
+                </a:r>
+              </a:p>
+            </p:txBody>
+          </p:sp>
+        </mc:Fallback>
+      </mc:AlternateContent>
+      <p:sp>
+        <p:nvSpPr>
+          <p:cNvPr id="9" name="TextBox 8">
+            <a:extLst>
+              <a:ext uri="{FF2B5EF4-FFF2-40B4-BE49-F238E27FC236}">
+                <a16:creationId xmlns:a16="http://schemas.microsoft.com/office/drawing/2014/main" id="{EC707E67-AD74-0931-1FA0-5DB808825DC3}"/>
+              </a:ext>
+            </a:extLst>
+          </p:cNvPr>
+          <p:cNvSpPr txBox="1"/>
+          <p:nvPr/>
+        </p:nvSpPr>
+        <p:spPr>
+          <a:xfrm>
+            <a:off x="1287519" y="3875886"/>
+            <a:ext cx="4445876" cy="369332"/>
+          </a:xfrm>
+          <a:prstGeom prst="rect">
+            <a:avLst/>
+          </a:prstGeom>
+          <a:noFill/>
+        </p:spPr>
+        <p:txBody>
+          <a:bodyPr wrap="square" rtlCol="0">
+            <a:spAutoFit/>
+          </a:bodyPr>
+          <a:lstStyle/>
+          <a:p>
+            <a:r>
+              <a:rPr lang="en-DK" dirty="0"/>
+              <a:t>Parameter update</a:t>
+            </a:r>
+          </a:p>
+        </p:txBody>
+      </p:sp>
+      <p:pic>
+        <p:nvPicPr>
+          <p:cNvPr id="10" name="Picture 2" descr="undefined">
+            <a:extLst>
+              <a:ext uri="{FF2B5EF4-FFF2-40B4-BE49-F238E27FC236}">
+                <a16:creationId xmlns:a16="http://schemas.microsoft.com/office/drawing/2014/main" id="{CF5079DF-00D4-3D4F-3C2E-77A778B54F88}"/>
+              </a:ext>
+            </a:extLst>
+          </p:cNvPr>
+          <p:cNvPicPr>
+            <a:picLocks noChangeAspect="1" noChangeArrowheads="1"/>
+          </p:cNvPicPr>
+          <p:nvPr/>
+        </p:nvPicPr>
+        <p:blipFill>
+          <a:blip r:embed="rId5">
+            <a:extLst>
+              <a:ext uri="{28A0092B-C50C-407E-A947-70E740481C1C}">
+                <a14:useLocalDpi xmlns:a14="http://schemas.microsoft.com/office/drawing/2010/main" val="0"/>
+              </a:ext>
+            </a:extLst>
+          </a:blip>
+          <a:srcRect/>
+          <a:stretch>
+            <a:fillRect/>
+          </a:stretch>
+        </p:blipFill>
+        <p:spPr bwMode="auto">
+          <a:xfrm>
+            <a:off x="5883074" y="719366"/>
+            <a:ext cx="5055474" cy="5419267"/>
+          </a:xfrm>
+          <a:prstGeom prst="rect">
+            <a:avLst/>
+          </a:prstGeom>
+          <a:noFill/>
+          <a:extLst>
+            <a:ext uri="{909E8E84-426E-40DD-AFC4-6F175D3DCCD1}">
+              <a14:hiddenFill xmlns:a14="http://schemas.microsoft.com/office/drawing/2010/main">
+                <a:solidFill>
+                  <a:srgbClr val="FFFFFF"/>
+                </a:solidFill>
+              </a14:hiddenFill>
+            </a:ext>
+          </a:extLst>
+        </p:spPr>
+      </p:pic>
+    </p:spTree>
+    <p:extLst>
+      <p:ext uri="{BB962C8B-B14F-4D97-AF65-F5344CB8AC3E}">
+        <p14:creationId xmlns:p14="http://schemas.microsoft.com/office/powerpoint/2010/main" val="3868100944"/>
+      </p:ext>
+    </p:extLst>
+  </p:cSld>
+  <p:clrMapOvr>
+    <a:masterClrMapping/>
+  </p:clrMapOvr>
+</p:sld>
+</file>
+
+<file path=ppt/slides/slide5.xml><?xml version="1.0" encoding="utf-8"?>
+<p:sld xmlns:a="http://schemas.openxmlformats.org/drawingml/2006/main" xmlns:r="http://schemas.openxmlformats.org/officeDocument/2006/relationships" xmlns:p="http://schemas.openxmlformats.org/presentationml/2006/main">
+  <p:cSld>
+    <p:spTree>
+      <p:nvGrpSpPr>
+        <p:cNvPr id="1" name="">
+          <a:extLst>
+            <a:ext uri="{FF2B5EF4-FFF2-40B4-BE49-F238E27FC236}">
+              <a16:creationId xmlns:a16="http://schemas.microsoft.com/office/drawing/2014/main" id="{7661D54D-F786-AFE4-3409-EDD522F9DF85}"/>
+            </a:ext>
+          </a:extLst>
+        </p:cNvPr>
+        <p:cNvGrpSpPr/>
+        <p:nvPr/>
+      </p:nvGrpSpPr>
+      <p:grpSpPr>
+        <a:xfrm>
+          <a:off x="0" y="0"/>
+          <a:ext cx="0" cy="0"/>
+          <a:chOff x="0" y="0"/>
+          <a:chExt cx="0" cy="0"/>
+        </a:xfrm>
+      </p:grpSpPr>
+      <p:sp>
+        <p:nvSpPr>
+          <p:cNvPr id="3" name="Title 2">
+            <a:extLst>
+              <a:ext uri="{FF2B5EF4-FFF2-40B4-BE49-F238E27FC236}">
+                <a16:creationId xmlns:a16="http://schemas.microsoft.com/office/drawing/2014/main" id="{A65E43B0-5A9E-6801-7FBC-EC4A3F98A2DE}"/>
+              </a:ext>
+            </a:extLst>
+          </p:cNvPr>
+          <p:cNvSpPr>
+            <a:spLocks noGrp="1"/>
+          </p:cNvSpPr>
+          <p:nvPr>
+            <p:ph type="title"/>
+          </p:nvPr>
+        </p:nvSpPr>
+        <p:spPr/>
+        <p:txBody>
+          <a:bodyPr/>
+          <a:lstStyle/>
+          <a:p>
+            <a:r>
+              <a:rPr lang="en-DK" dirty="0"/>
+              <a:t>Recap: Training models using AD.</a:t>
+            </a:r>
+          </a:p>
+        </p:txBody>
+      </p:sp>
+      <p:pic>
+        <p:nvPicPr>
+          <p:cNvPr id="12" name="Picture 11" descr="A graph with blue and orange dots&#10;&#10;AI-generated content may be incorrect.">
+            <a:extLst>
+              <a:ext uri="{FF2B5EF4-FFF2-40B4-BE49-F238E27FC236}">
+                <a16:creationId xmlns:a16="http://schemas.microsoft.com/office/drawing/2014/main" id="{5742ECFF-E683-7BA5-0736-2BE81AAA3773}"/>
+              </a:ext>
+            </a:extLst>
+          </p:cNvPr>
+          <p:cNvPicPr>
+            <a:picLocks noChangeAspect="1"/>
+          </p:cNvPicPr>
+          <p:nvPr/>
+        </p:nvPicPr>
+        <p:blipFill>
+          <a:blip r:embed="rId2"/>
+          <a:stretch>
+            <a:fillRect/>
+          </a:stretch>
+        </p:blipFill>
+        <p:spPr>
+          <a:xfrm>
+            <a:off x="6170010" y="1857375"/>
+            <a:ext cx="4749800" cy="4635500"/>
+          </a:xfrm>
+          <a:prstGeom prst="rect">
+            <a:avLst/>
+          </a:prstGeom>
+        </p:spPr>
+      </p:pic>
+      <p:pic>
+        <p:nvPicPr>
+          <p:cNvPr id="22" name="Picture 21" descr="A screenshot of a computer code&#10;&#10;AI-generated content may be incorrect.">
+            <a:extLst>
+              <a:ext uri="{FF2B5EF4-FFF2-40B4-BE49-F238E27FC236}">
+                <a16:creationId xmlns:a16="http://schemas.microsoft.com/office/drawing/2014/main" id="{75384ED8-85F7-6455-F844-F512B49FD461}"/>
+              </a:ext>
+            </a:extLst>
+          </p:cNvPr>
+          <p:cNvPicPr>
+            <a:picLocks noChangeAspect="1"/>
+          </p:cNvPicPr>
+          <p:nvPr/>
+        </p:nvPicPr>
+        <p:blipFill>
+          <a:blip r:embed="rId3"/>
+          <a:stretch>
+            <a:fillRect/>
+          </a:stretch>
+        </p:blipFill>
+        <p:spPr>
+          <a:xfrm>
+            <a:off x="437712" y="2396358"/>
+            <a:ext cx="5467864" cy="2971034"/>
+          </a:xfrm>
+          <a:prstGeom prst="rect">
+            <a:avLst/>
+          </a:prstGeom>
+        </p:spPr>
+      </p:pic>
+    </p:spTree>
+    <p:extLst>
+      <p:ext uri="{BB962C8B-B14F-4D97-AF65-F5344CB8AC3E}">
+        <p14:creationId xmlns:p14="http://schemas.microsoft.com/office/powerpoint/2010/main" val="901874843"/>
+      </p:ext>
+    </p:extLst>
+  </p:cSld>
+  <p:clrMapOvr>
+    <a:masterClrMapping/>
+  </p:clrMapOvr>
+</p:sld>
+</file>
+
+<file path=ppt/slides/slide6.xml><?xml version="1.0" encoding="utf-8"?>
+<p:sld xmlns:a="http://schemas.openxmlformats.org/drawingml/2006/main" xmlns:r="http://schemas.openxmlformats.org/officeDocument/2006/relationships" xmlns:p="http://schemas.openxmlformats.org/presentationml/2006/main">
+  <p:cSld>
+    <p:spTree>
+      <p:nvGrpSpPr>
+        <p:cNvPr id="1" name=""/>
+        <p:cNvGrpSpPr/>
+        <p:nvPr/>
+      </p:nvGrpSpPr>
+      <p:grpSpPr>
+        <a:xfrm>
+          <a:off x="0" y="0"/>
+          <a:ext cx="0" cy="0"/>
+          <a:chOff x="0" y="0"/>
+          <a:chExt cx="0" cy="0"/>
+        </a:xfrm>
+      </p:grpSpPr>
+      <p:sp>
+        <p:nvSpPr>
+          <p:cNvPr id="2" name="Title 1">
+            <a:extLst>
+              <a:ext uri="{FF2B5EF4-FFF2-40B4-BE49-F238E27FC236}">
+                <a16:creationId xmlns:a16="http://schemas.microsoft.com/office/drawing/2014/main" id="{D08F0514-0097-53D1-AAFA-5EBDDA4B68B3}"/>
+              </a:ext>
+            </a:extLst>
+          </p:cNvPr>
+          <p:cNvSpPr>
+            <a:spLocks noGrp="1"/>
+          </p:cNvSpPr>
+          <p:nvPr>
+            <p:ph type="title"/>
+          </p:nvPr>
+        </p:nvSpPr>
+        <p:spPr/>
+        <p:txBody>
+          <a:bodyPr/>
+          <a:lstStyle/>
+          <a:p>
+            <a:r>
+              <a:rPr lang="en-DK" dirty="0"/>
+              <a:t>Recap: ASE </a:t>
+            </a:r>
+          </a:p>
+        </p:txBody>
+      </p:sp>
+      <p:pic>
+        <p:nvPicPr>
+          <p:cNvPr id="7" name="Picture 6" descr="A cube with many spheres&#10;&#10;AI-generated content may be incorrect.">
+            <a:extLst>
+              <a:ext uri="{FF2B5EF4-FFF2-40B4-BE49-F238E27FC236}">
+                <a16:creationId xmlns:a16="http://schemas.microsoft.com/office/drawing/2014/main" id="{9863BB21-3455-FC50-67CD-D92323C6E070}"/>
+              </a:ext>
+            </a:extLst>
+          </p:cNvPr>
+          <p:cNvPicPr>
+            <a:picLocks noChangeAspect="1"/>
+          </p:cNvPicPr>
+          <p:nvPr/>
+        </p:nvPicPr>
+        <p:blipFill>
+          <a:blip r:embed="rId2"/>
+          <a:stretch>
+            <a:fillRect/>
+          </a:stretch>
+        </p:blipFill>
+        <p:spPr>
+          <a:xfrm>
+            <a:off x="617483" y="2204545"/>
+            <a:ext cx="4826000" cy="3352800"/>
+          </a:xfrm>
+          <a:prstGeom prst="rect">
+            <a:avLst/>
+          </a:prstGeom>
+        </p:spPr>
+      </p:pic>
+      <p:sp>
+        <p:nvSpPr>
+          <p:cNvPr id="8" name="TextBox 7">
+            <a:extLst>
+              <a:ext uri="{FF2B5EF4-FFF2-40B4-BE49-F238E27FC236}">
+                <a16:creationId xmlns:a16="http://schemas.microsoft.com/office/drawing/2014/main" id="{F35FA685-1AA6-D731-9830-4C8FAF8D825F}"/>
+              </a:ext>
+            </a:extLst>
+          </p:cNvPr>
+          <p:cNvSpPr txBox="1"/>
+          <p:nvPr/>
+        </p:nvSpPr>
+        <p:spPr>
+          <a:xfrm>
+            <a:off x="1132052" y="1594784"/>
+            <a:ext cx="4112172" cy="923330"/>
+          </a:xfrm>
+          <a:prstGeom prst="rect">
+            <a:avLst/>
+          </a:prstGeom>
+          <a:noFill/>
+        </p:spPr>
+        <p:txBody>
+          <a:bodyPr wrap="square" rtlCol="0">
+            <a:spAutoFit/>
+          </a:bodyPr>
+          <a:lstStyle/>
+          <a:p>
+            <a:r>
+              <a:rPr lang="en-DK" dirty="0"/>
+              <a:t>Can build various systems</a:t>
+            </a:r>
+          </a:p>
+          <a:p>
+            <a:endParaRPr lang="en-DK" dirty="0"/>
+          </a:p>
+          <a:p>
+            <a:r>
+              <a:rPr lang="en-DK" dirty="0"/>
+              <a:t>Here we see a bulk silver crystal </a:t>
+            </a:r>
+          </a:p>
+        </p:txBody>
+      </p:sp>
+      <p:pic>
+        <p:nvPicPr>
+          <p:cNvPr id="10" name="Picture 9" descr="A graph of a function&#10;&#10;AI-generated content may be incorrect.">
+            <a:extLst>
+              <a:ext uri="{FF2B5EF4-FFF2-40B4-BE49-F238E27FC236}">
+                <a16:creationId xmlns:a16="http://schemas.microsoft.com/office/drawing/2014/main" id="{BDD12F7A-32A2-56E7-2D95-368612337517}"/>
+              </a:ext>
+            </a:extLst>
+          </p:cNvPr>
+          <p:cNvPicPr>
+            <a:picLocks noChangeAspect="1"/>
+          </p:cNvPicPr>
+          <p:nvPr/>
+        </p:nvPicPr>
+        <p:blipFill>
+          <a:blip r:embed="rId3"/>
+          <a:stretch>
+            <a:fillRect/>
+          </a:stretch>
+        </p:blipFill>
+        <p:spPr>
+          <a:xfrm>
+            <a:off x="6702332" y="2139948"/>
+            <a:ext cx="4357616" cy="3352801"/>
+          </a:xfrm>
+          <a:prstGeom prst="rect">
+            <a:avLst/>
+          </a:prstGeom>
+        </p:spPr>
+      </p:pic>
+      <p:sp>
+        <p:nvSpPr>
+          <p:cNvPr id="11" name="TextBox 10">
+            <a:extLst>
+              <a:ext uri="{FF2B5EF4-FFF2-40B4-BE49-F238E27FC236}">
+                <a16:creationId xmlns:a16="http://schemas.microsoft.com/office/drawing/2014/main" id="{B0F59DCD-31B8-22BF-11A5-4184B9681B79}"/>
+              </a:ext>
+            </a:extLst>
+          </p:cNvPr>
+          <p:cNvSpPr txBox="1"/>
+          <p:nvPr/>
+        </p:nvSpPr>
+        <p:spPr>
+          <a:xfrm>
+            <a:off x="7287291" y="1268987"/>
+            <a:ext cx="3629134" cy="646331"/>
+          </a:xfrm>
+          <a:prstGeom prst="rect">
+            <a:avLst/>
+          </a:prstGeom>
+          <a:noFill/>
+        </p:spPr>
+        <p:txBody>
+          <a:bodyPr wrap="square" rtlCol="0">
+            <a:spAutoFit/>
+          </a:bodyPr>
+          <a:lstStyle/>
+          <a:p>
+            <a:r>
+              <a:rPr lang="en-DK" dirty="0"/>
+              <a:t>Calculating the energy of as a function of the lattice constant</a:t>
+            </a:r>
+          </a:p>
+        </p:txBody>
+      </p:sp>
+    </p:spTree>
+    <p:extLst>
+      <p:ext uri="{BB962C8B-B14F-4D97-AF65-F5344CB8AC3E}">
+        <p14:creationId xmlns:p14="http://schemas.microsoft.com/office/powerpoint/2010/main" val="3709892301"/>
+      </p:ext>
+    </p:extLst>
+  </p:cSld>
+  <p:clrMapOvr>
+    <a:masterClrMapping/>
+  </p:clrMapOvr>
+</p:sld>
+</file>
+
+<file path=ppt/slides/slide7.xml><?xml version="1.0" encoding="utf-8"?>
+<p:sld xmlns:a="http://schemas.openxmlformats.org/drawingml/2006/main" xmlns:r="http://schemas.openxmlformats.org/officeDocument/2006/relationships" xmlns:p="http://schemas.openxmlformats.org/presentationml/2006/main">
+  <p:cSld>
+    <p:spTree>
+      <p:nvGrpSpPr>
+        <p:cNvPr id="1" name=""/>
+        <p:cNvGrpSpPr/>
+        <p:nvPr/>
+      </p:nvGrpSpPr>
+      <p:grpSpPr>
+        <a:xfrm>
+          <a:off x="0" y="0"/>
+          <a:ext cx="0" cy="0"/>
+          <a:chOff x="0" y="0"/>
+          <a:chExt cx="0" cy="0"/>
+        </a:xfrm>
+      </p:grpSpPr>
+      <p:sp>
+        <p:nvSpPr>
+          <p:cNvPr id="2" name="Title 1">
+            <a:extLst>
+              <a:ext uri="{FF2B5EF4-FFF2-40B4-BE49-F238E27FC236}">
+                <a16:creationId xmlns:a16="http://schemas.microsoft.com/office/drawing/2014/main" id="{719A0A6B-98C5-9B76-1A37-C58AD87FEEC5}"/>
+              </a:ext>
+            </a:extLst>
+          </p:cNvPr>
+          <p:cNvSpPr>
+            <a:spLocks noGrp="1"/>
+          </p:cNvSpPr>
+          <p:nvPr>
+            <p:ph type="title"/>
+          </p:nvPr>
+        </p:nvSpPr>
+        <p:spPr/>
+        <p:txBody>
+          <a:bodyPr/>
+          <a:lstStyle/>
+          <a:p>
+            <a:r>
+              <a:rPr lang="en-DK" dirty="0"/>
+              <a:t>Recap: ASE</a:t>
+            </a:r>
+          </a:p>
+        </p:txBody>
+      </p:sp>
+      <p:pic>
+        <p:nvPicPr>
+          <p:cNvPr id="5" name="Content Placeholder 4" descr="A group of white balls&#10;&#10;AI-generated content may be incorrect.">
+            <a:extLst>
+              <a:ext uri="{FF2B5EF4-FFF2-40B4-BE49-F238E27FC236}">
+                <a16:creationId xmlns:a16="http://schemas.microsoft.com/office/drawing/2014/main" id="{B31800FA-36BB-831E-63B4-84945730CE38}"/>
+              </a:ext>
+            </a:extLst>
+          </p:cNvPr>
+          <p:cNvPicPr>
+            <a:picLocks noGrp="1" noChangeAspect="1"/>
+          </p:cNvPicPr>
+          <p:nvPr>
+            <p:ph idx="1"/>
+          </p:nvPr>
+        </p:nvPicPr>
+        <p:blipFill>
+          <a:blip r:embed="rId2"/>
+          <a:stretch>
+            <a:fillRect/>
+          </a:stretch>
+        </p:blipFill>
+        <p:spPr>
+          <a:xfrm>
+            <a:off x="9134619" y="3989688"/>
+            <a:ext cx="2184400" cy="2146300"/>
+          </a:xfrm>
+        </p:spPr>
+      </p:pic>
+      <p:pic>
+        <p:nvPicPr>
+          <p:cNvPr id="9" name="Picture 8" descr="A group of white balls with a red ball in the middle&#10;&#10;AI-generated content may be incorrect.">
+            <a:extLst>
+              <a:ext uri="{FF2B5EF4-FFF2-40B4-BE49-F238E27FC236}">
+                <a16:creationId xmlns:a16="http://schemas.microsoft.com/office/drawing/2014/main" id="{DC2409A4-8187-63E7-273C-A3895E4207EF}"/>
+              </a:ext>
+            </a:extLst>
+          </p:cNvPr>
+          <p:cNvPicPr>
+            <a:picLocks noChangeAspect="1"/>
+          </p:cNvPicPr>
+          <p:nvPr/>
+        </p:nvPicPr>
+        <p:blipFill>
+          <a:blip r:embed="rId3"/>
+          <a:stretch>
+            <a:fillRect/>
+          </a:stretch>
+        </p:blipFill>
+        <p:spPr>
+          <a:xfrm>
+            <a:off x="581676" y="1767037"/>
+            <a:ext cx="2177183" cy="2146301"/>
+          </a:xfrm>
+          <a:prstGeom prst="rect">
+            <a:avLst/>
+          </a:prstGeom>
+        </p:spPr>
+      </p:pic>
+      <p:pic>
+        <p:nvPicPr>
+          <p:cNvPr id="11" name="Picture 10" descr="A graph of energy vs. oxygen adsorption&#10;&#10;AI-generated content may be incorrect.">
+            <a:extLst>
+              <a:ext uri="{FF2B5EF4-FFF2-40B4-BE49-F238E27FC236}">
+                <a16:creationId xmlns:a16="http://schemas.microsoft.com/office/drawing/2014/main" id="{71B36E94-7591-3C75-1360-F8851152D3BF}"/>
+              </a:ext>
+            </a:extLst>
+          </p:cNvPr>
+          <p:cNvPicPr>
+            <a:picLocks noChangeAspect="1"/>
+          </p:cNvPicPr>
+          <p:nvPr/>
+        </p:nvPicPr>
+        <p:blipFill>
+          <a:blip r:embed="rId4"/>
+          <a:stretch>
+            <a:fillRect/>
+          </a:stretch>
+        </p:blipFill>
+        <p:spPr>
+          <a:xfrm>
+            <a:off x="2921371" y="2116722"/>
+            <a:ext cx="5875788" cy="3745931"/>
+          </a:xfrm>
+          <a:prstGeom prst="rect">
+            <a:avLst/>
+          </a:prstGeom>
+        </p:spPr>
+      </p:pic>
+      <p:pic>
+        <p:nvPicPr>
+          <p:cNvPr id="7" name="Picture 6" descr="A group of white balls with a red center&#10;&#10;AI-generated content may be incorrect.">
+            <a:extLst>
+              <a:ext uri="{FF2B5EF4-FFF2-40B4-BE49-F238E27FC236}">
+                <a16:creationId xmlns:a16="http://schemas.microsoft.com/office/drawing/2014/main" id="{D680973F-E389-8853-C70F-7D34AFD1934A}"/>
+              </a:ext>
+            </a:extLst>
+          </p:cNvPr>
+          <p:cNvPicPr>
+            <a:picLocks noChangeAspect="1"/>
+          </p:cNvPicPr>
+          <p:nvPr/>
+        </p:nvPicPr>
+        <p:blipFill>
+          <a:blip r:embed="rId5"/>
+          <a:stretch>
+            <a:fillRect/>
+          </a:stretch>
+        </p:blipFill>
+        <p:spPr>
+          <a:xfrm>
+            <a:off x="8400832" y="263719"/>
+            <a:ext cx="2120900" cy="2044700"/>
+          </a:xfrm>
+          <a:prstGeom prst="rect">
+            <a:avLst/>
+          </a:prstGeom>
+        </p:spPr>
+      </p:pic>
+      <p:cxnSp>
+        <p:nvCxnSpPr>
+          <p:cNvPr id="13" name="Straight Arrow Connector 12">
+            <a:extLst>
+              <a:ext uri="{FF2B5EF4-FFF2-40B4-BE49-F238E27FC236}">
+                <a16:creationId xmlns:a16="http://schemas.microsoft.com/office/drawing/2014/main" id="{5BA8E841-C88A-4B66-B896-30F7B4BFF949}"/>
+              </a:ext>
+            </a:extLst>
+          </p:cNvPr>
+          <p:cNvCxnSpPr>
+            <a:cxnSpLocks/>
+            <a:stCxn id="7" idx="1"/>
+          </p:cNvCxnSpPr>
+          <p:nvPr/>
+        </p:nvCxnSpPr>
+        <p:spPr>
+          <a:xfrm flipH="1">
+            <a:off x="5213131" y="1286069"/>
+            <a:ext cx="3187701" cy="1993159"/>
+          </a:xfrm>
+          <a:prstGeom prst="straightConnector1">
+            <a:avLst/>
+          </a:prstGeom>
+          <a:ln>
+            <a:solidFill>
+              <a:srgbClr val="2179B5"/>
+            </a:solidFill>
+            <a:tailEnd type="triangle"/>
+          </a:ln>
+        </p:spPr>
+        <p:style>
+          <a:lnRef idx="2">
+            <a:schemeClr val="accent1"/>
+          </a:lnRef>
+          <a:fillRef idx="0">
+            <a:schemeClr val="accent1"/>
+          </a:fillRef>
+          <a:effectRef idx="1">
+            <a:schemeClr val="accent1"/>
+          </a:effectRef>
+          <a:fontRef idx="minor">
+            <a:schemeClr val="tx1"/>
+          </a:fontRef>
+        </p:style>
+      </p:cxnSp>
+      <p:cxnSp>
+        <p:nvCxnSpPr>
+          <p:cNvPr id="15" name="Straight Arrow Connector 14">
+            <a:extLst>
+              <a:ext uri="{FF2B5EF4-FFF2-40B4-BE49-F238E27FC236}">
+                <a16:creationId xmlns:a16="http://schemas.microsoft.com/office/drawing/2014/main" id="{767A2394-9689-1329-21DB-8F7DEDAD2025}"/>
+              </a:ext>
+            </a:extLst>
+          </p:cNvPr>
+          <p:cNvCxnSpPr>
+            <a:cxnSpLocks/>
+          </p:cNvCxnSpPr>
+          <p:nvPr/>
+        </p:nvCxnSpPr>
+        <p:spPr>
+          <a:xfrm flipH="1">
+            <a:off x="5002924" y="4864841"/>
+            <a:ext cx="4131695" cy="95656"/>
+          </a:xfrm>
+          <a:prstGeom prst="straightConnector1">
+            <a:avLst/>
+          </a:prstGeom>
+          <a:ln>
+            <a:solidFill>
+              <a:srgbClr val="4EAE4E"/>
+            </a:solidFill>
+            <a:tailEnd type="triangle"/>
+          </a:ln>
+        </p:spPr>
+        <p:style>
+          <a:lnRef idx="2">
+            <a:schemeClr val="accent1"/>
+          </a:lnRef>
+          <a:fillRef idx="0">
+            <a:schemeClr val="accent1"/>
+          </a:fillRef>
+          <a:effectRef idx="1">
+            <a:schemeClr val="accent1"/>
+          </a:effectRef>
+          <a:fontRef idx="minor">
+            <a:schemeClr val="tx1"/>
+          </a:fontRef>
+        </p:style>
+      </p:cxnSp>
+      <p:cxnSp>
+        <p:nvCxnSpPr>
+          <p:cNvPr id="19" name="Straight Arrow Connector 18">
+            <a:extLst>
+              <a:ext uri="{FF2B5EF4-FFF2-40B4-BE49-F238E27FC236}">
+                <a16:creationId xmlns:a16="http://schemas.microsoft.com/office/drawing/2014/main" id="{40877A14-B4EB-99CB-4D03-910EB696F8CD}"/>
+              </a:ext>
+            </a:extLst>
+          </p:cNvPr>
+          <p:cNvCxnSpPr>
+            <a:stCxn id="9" idx="3"/>
+          </p:cNvCxnSpPr>
+          <p:nvPr/>
+        </p:nvCxnSpPr>
+        <p:spPr>
+          <a:xfrm>
+            <a:off x="2758859" y="2840188"/>
+            <a:ext cx="1476810" cy="270874"/>
+          </a:xfrm>
+          <a:prstGeom prst="straightConnector1">
+            <a:avLst/>
+          </a:prstGeom>
+          <a:ln>
+            <a:solidFill>
+              <a:srgbClr val="FF8621"/>
+            </a:solidFill>
+            <a:tailEnd type="triangle"/>
+          </a:ln>
+        </p:spPr>
+        <p:style>
+          <a:lnRef idx="2">
+            <a:schemeClr val="accent1"/>
+          </a:lnRef>
+          <a:fillRef idx="0">
+            <a:schemeClr val="accent1"/>
+          </a:fillRef>
+          <a:effectRef idx="1">
+            <a:schemeClr val="accent1"/>
+          </a:effectRef>
+          <a:fontRef idx="minor">
+            <a:schemeClr val="tx1"/>
+          </a:fontRef>
+        </p:style>
+      </p:cxnSp>
+    </p:spTree>
+    <p:extLst>
+      <p:ext uri="{BB962C8B-B14F-4D97-AF65-F5344CB8AC3E}">
+        <p14:creationId xmlns:p14="http://schemas.microsoft.com/office/powerpoint/2010/main" val="1571310537"/>
+      </p:ext>
+    </p:extLst>
+  </p:cSld>
+  <p:clrMapOvr>
+    <a:masterClrMapping/>
+  </p:clrMapOvr>
+</p:sld>
+</file>
+
+<file path=ppt/slides/slide8.xml><?xml version="1.0" encoding="utf-8"?>
+<p:sld xmlns:a="http://schemas.openxmlformats.org/drawingml/2006/main" xmlns:r="http://schemas.openxmlformats.org/officeDocument/2006/relationships" xmlns:p="http://schemas.openxmlformats.org/presentationml/2006/main">
+  <p:cSld>
+    <p:spTree>
+      <p:nvGrpSpPr>
+        <p:cNvPr id="1" name=""/>
+        <p:cNvGrpSpPr/>
+        <p:nvPr/>
+      </p:nvGrpSpPr>
+      <p:grpSpPr>
+        <a:xfrm>
+          <a:off x="0" y="0"/>
+          <a:ext cx="0" cy="0"/>
+          <a:chOff x="0" y="0"/>
+          <a:chExt cx="0" cy="0"/>
+        </a:xfrm>
+      </p:grpSpPr>
+      <p:sp>
+        <p:nvSpPr>
+          <p:cNvPr id="4" name="Title 3">
+            <a:extLst>
+              <a:ext uri="{FF2B5EF4-FFF2-40B4-BE49-F238E27FC236}">
+                <a16:creationId xmlns:a16="http://schemas.microsoft.com/office/drawing/2014/main" id="{7263F022-918D-A58E-460D-0BD63E513C0A}"/>
+              </a:ext>
+            </a:extLst>
+          </p:cNvPr>
+          <p:cNvSpPr>
+            <a:spLocks noGrp="1"/>
+          </p:cNvSpPr>
+          <p:nvPr>
+            <p:ph type="title"/>
+          </p:nvPr>
+        </p:nvSpPr>
+        <p:spPr/>
+        <p:txBody>
+          <a:bodyPr/>
+          <a:lstStyle/>
+          <a:p>
+            <a:r>
+              <a:rPr lang="en-DK" dirty="0"/>
+              <a:t>Potentials</a:t>
+            </a:r>
+          </a:p>
+        </p:txBody>
+      </p:sp>
+    </p:spTree>
+    <p:extLst>
+      <p:ext uri="{BB962C8B-B14F-4D97-AF65-F5344CB8AC3E}">
+        <p14:creationId xmlns:p14="http://schemas.microsoft.com/office/powerpoint/2010/main" val="308949626"/>
       </p:ext>
     </p:extLst>
   </p:cSld>
@@ -14014,10 +14929,685 @@
       </p:grpSpPr>
       <p:sp>
         <p:nvSpPr>
-          <p:cNvPr id="7" name="Title 6">
-            <a:extLst>
-              <a:ext uri="{FF2B5EF4-FFF2-40B4-BE49-F238E27FC236}">
-                <a16:creationId xmlns:a16="http://schemas.microsoft.com/office/drawing/2014/main" id="{F9A813DD-BEB6-B3D7-C855-D5519AE9DEBA}"/>
+          <p:cNvPr id="17" name="Freeform 16">
+            <a:extLst>
+              <a:ext uri="{FF2B5EF4-FFF2-40B4-BE49-F238E27FC236}">
+                <a16:creationId xmlns:a16="http://schemas.microsoft.com/office/drawing/2014/main" id="{869D8654-EF2B-304E-F6C3-BDABA7A092FD}"/>
+              </a:ext>
+            </a:extLst>
+          </p:cNvPr>
+          <p:cNvSpPr/>
+          <p:nvPr/>
+        </p:nvSpPr>
+        <p:spPr>
+          <a:xfrm rot="2663660">
+            <a:off x="3986831" y="5309064"/>
+            <a:ext cx="1392701" cy="408050"/>
+          </a:xfrm>
+          <a:custGeom>
+            <a:avLst/>
+            <a:gdLst>
+              <a:gd name="connsiteX0" fmla="*/ 0 w 1392701"/>
+              <a:gd name="connsiteY0" fmla="*/ 323557 h 408050"/>
+              <a:gd name="connsiteX1" fmla="*/ 196947 w 1392701"/>
+              <a:gd name="connsiteY1" fmla="*/ 42203 h 408050"/>
+              <a:gd name="connsiteX2" fmla="*/ 548640 w 1392701"/>
+              <a:gd name="connsiteY2" fmla="*/ 379828 h 408050"/>
+              <a:gd name="connsiteX3" fmla="*/ 759655 w 1392701"/>
+              <a:gd name="connsiteY3" fmla="*/ 0 h 408050"/>
+              <a:gd name="connsiteX4" fmla="*/ 928467 w 1392701"/>
+              <a:gd name="connsiteY4" fmla="*/ 379828 h 408050"/>
+              <a:gd name="connsiteX5" fmla="*/ 1097280 w 1392701"/>
+              <a:gd name="connsiteY5" fmla="*/ 14068 h 408050"/>
+              <a:gd name="connsiteX6" fmla="*/ 1266092 w 1392701"/>
+              <a:gd name="connsiteY6" fmla="*/ 407963 h 408050"/>
+              <a:gd name="connsiteX7" fmla="*/ 1392701 w 1392701"/>
+              <a:gd name="connsiteY7" fmla="*/ 42203 h 408050"/>
+            </a:gdLst>
+            <a:ahLst/>
+            <a:cxnLst>
+              <a:cxn ang="0">
+                <a:pos x="connsiteX0" y="connsiteY0"/>
+              </a:cxn>
+              <a:cxn ang="0">
+                <a:pos x="connsiteX1" y="connsiteY1"/>
+              </a:cxn>
+              <a:cxn ang="0">
+                <a:pos x="connsiteX2" y="connsiteY2"/>
+              </a:cxn>
+              <a:cxn ang="0">
+                <a:pos x="connsiteX3" y="connsiteY3"/>
+              </a:cxn>
+              <a:cxn ang="0">
+                <a:pos x="connsiteX4" y="connsiteY4"/>
+              </a:cxn>
+              <a:cxn ang="0">
+                <a:pos x="connsiteX5" y="connsiteY5"/>
+              </a:cxn>
+              <a:cxn ang="0">
+                <a:pos x="connsiteX6" y="connsiteY6"/>
+              </a:cxn>
+              <a:cxn ang="0">
+                <a:pos x="connsiteX7" y="connsiteY7"/>
+              </a:cxn>
+            </a:cxnLst>
+            <a:rect l="l" t="t" r="r" b="b"/>
+            <a:pathLst>
+              <a:path w="1392701" h="408050">
+                <a:moveTo>
+                  <a:pt x="0" y="323557"/>
+                </a:moveTo>
+                <a:cubicBezTo>
+                  <a:pt x="52753" y="178191"/>
+                  <a:pt x="105507" y="32825"/>
+                  <a:pt x="196947" y="42203"/>
+                </a:cubicBezTo>
+                <a:cubicBezTo>
+                  <a:pt x="288387" y="51581"/>
+                  <a:pt x="454855" y="386862"/>
+                  <a:pt x="548640" y="379828"/>
+                </a:cubicBezTo>
+                <a:cubicBezTo>
+                  <a:pt x="642425" y="372794"/>
+                  <a:pt x="696351" y="0"/>
+                  <a:pt x="759655" y="0"/>
+                </a:cubicBezTo>
+                <a:cubicBezTo>
+                  <a:pt x="822959" y="0"/>
+                  <a:pt x="872196" y="377483"/>
+                  <a:pt x="928467" y="379828"/>
+                </a:cubicBezTo>
+                <a:cubicBezTo>
+                  <a:pt x="984738" y="382173"/>
+                  <a:pt x="1041009" y="9379"/>
+                  <a:pt x="1097280" y="14068"/>
+                </a:cubicBezTo>
+                <a:cubicBezTo>
+                  <a:pt x="1153551" y="18757"/>
+                  <a:pt x="1216855" y="403274"/>
+                  <a:pt x="1266092" y="407963"/>
+                </a:cubicBezTo>
+                <a:cubicBezTo>
+                  <a:pt x="1315329" y="412652"/>
+                  <a:pt x="1354015" y="227427"/>
+                  <a:pt x="1392701" y="42203"/>
+                </a:cubicBezTo>
+              </a:path>
+            </a:pathLst>
+          </a:custGeom>
+          <a:noFill/>
+        </p:spPr>
+        <p:style>
+          <a:lnRef idx="2">
+            <a:schemeClr val="accent1">
+              <a:shade val="15000"/>
+            </a:schemeClr>
+          </a:lnRef>
+          <a:fillRef idx="1">
+            <a:schemeClr val="accent1"/>
+          </a:fillRef>
+          <a:effectRef idx="0">
+            <a:schemeClr val="accent1"/>
+          </a:effectRef>
+          <a:fontRef idx="minor">
+            <a:schemeClr val="lt1"/>
+          </a:fontRef>
+        </p:style>
+        <p:txBody>
+          <a:bodyPr rtlCol="0" anchor="ctr"/>
+          <a:lstStyle/>
+          <a:p>
+            <a:pPr algn="ctr"/>
+            <a:endParaRPr lang="en-DK"/>
+          </a:p>
+        </p:txBody>
+      </p:sp>
+      <p:sp>
+        <p:nvSpPr>
+          <p:cNvPr id="18" name="Freeform 17">
+            <a:extLst>
+              <a:ext uri="{FF2B5EF4-FFF2-40B4-BE49-F238E27FC236}">
+                <a16:creationId xmlns:a16="http://schemas.microsoft.com/office/drawing/2014/main" id="{1160A6B1-774E-31BA-962C-2CCEAB8592C5}"/>
+              </a:ext>
+            </a:extLst>
+          </p:cNvPr>
+          <p:cNvSpPr/>
+          <p:nvPr/>
+        </p:nvSpPr>
+        <p:spPr>
+          <a:xfrm rot="20801415">
+            <a:off x="6276665" y="4676116"/>
+            <a:ext cx="1392701" cy="408050"/>
+          </a:xfrm>
+          <a:custGeom>
+            <a:avLst/>
+            <a:gdLst>
+              <a:gd name="connsiteX0" fmla="*/ 0 w 1392701"/>
+              <a:gd name="connsiteY0" fmla="*/ 323557 h 408050"/>
+              <a:gd name="connsiteX1" fmla="*/ 196947 w 1392701"/>
+              <a:gd name="connsiteY1" fmla="*/ 42203 h 408050"/>
+              <a:gd name="connsiteX2" fmla="*/ 548640 w 1392701"/>
+              <a:gd name="connsiteY2" fmla="*/ 379828 h 408050"/>
+              <a:gd name="connsiteX3" fmla="*/ 759655 w 1392701"/>
+              <a:gd name="connsiteY3" fmla="*/ 0 h 408050"/>
+              <a:gd name="connsiteX4" fmla="*/ 928467 w 1392701"/>
+              <a:gd name="connsiteY4" fmla="*/ 379828 h 408050"/>
+              <a:gd name="connsiteX5" fmla="*/ 1097280 w 1392701"/>
+              <a:gd name="connsiteY5" fmla="*/ 14068 h 408050"/>
+              <a:gd name="connsiteX6" fmla="*/ 1266092 w 1392701"/>
+              <a:gd name="connsiteY6" fmla="*/ 407963 h 408050"/>
+              <a:gd name="connsiteX7" fmla="*/ 1392701 w 1392701"/>
+              <a:gd name="connsiteY7" fmla="*/ 42203 h 408050"/>
+            </a:gdLst>
+            <a:ahLst/>
+            <a:cxnLst>
+              <a:cxn ang="0">
+                <a:pos x="connsiteX0" y="connsiteY0"/>
+              </a:cxn>
+              <a:cxn ang="0">
+                <a:pos x="connsiteX1" y="connsiteY1"/>
+              </a:cxn>
+              <a:cxn ang="0">
+                <a:pos x="connsiteX2" y="connsiteY2"/>
+              </a:cxn>
+              <a:cxn ang="0">
+                <a:pos x="connsiteX3" y="connsiteY3"/>
+              </a:cxn>
+              <a:cxn ang="0">
+                <a:pos x="connsiteX4" y="connsiteY4"/>
+              </a:cxn>
+              <a:cxn ang="0">
+                <a:pos x="connsiteX5" y="connsiteY5"/>
+              </a:cxn>
+              <a:cxn ang="0">
+                <a:pos x="connsiteX6" y="connsiteY6"/>
+              </a:cxn>
+              <a:cxn ang="0">
+                <a:pos x="connsiteX7" y="connsiteY7"/>
+              </a:cxn>
+            </a:cxnLst>
+            <a:rect l="l" t="t" r="r" b="b"/>
+            <a:pathLst>
+              <a:path w="1392701" h="408050">
+                <a:moveTo>
+                  <a:pt x="0" y="323557"/>
+                </a:moveTo>
+                <a:cubicBezTo>
+                  <a:pt x="52753" y="178191"/>
+                  <a:pt x="105507" y="32825"/>
+                  <a:pt x="196947" y="42203"/>
+                </a:cubicBezTo>
+                <a:cubicBezTo>
+                  <a:pt x="288387" y="51581"/>
+                  <a:pt x="454855" y="386862"/>
+                  <a:pt x="548640" y="379828"/>
+                </a:cubicBezTo>
+                <a:cubicBezTo>
+                  <a:pt x="642425" y="372794"/>
+                  <a:pt x="696351" y="0"/>
+                  <a:pt x="759655" y="0"/>
+                </a:cubicBezTo>
+                <a:cubicBezTo>
+                  <a:pt x="822959" y="0"/>
+                  <a:pt x="872196" y="377483"/>
+                  <a:pt x="928467" y="379828"/>
+                </a:cubicBezTo>
+                <a:cubicBezTo>
+                  <a:pt x="984738" y="382173"/>
+                  <a:pt x="1041009" y="9379"/>
+                  <a:pt x="1097280" y="14068"/>
+                </a:cubicBezTo>
+                <a:cubicBezTo>
+                  <a:pt x="1153551" y="18757"/>
+                  <a:pt x="1216855" y="403274"/>
+                  <a:pt x="1266092" y="407963"/>
+                </a:cubicBezTo>
+                <a:cubicBezTo>
+                  <a:pt x="1315329" y="412652"/>
+                  <a:pt x="1354015" y="227427"/>
+                  <a:pt x="1392701" y="42203"/>
+                </a:cubicBezTo>
+              </a:path>
+            </a:pathLst>
+          </a:custGeom>
+          <a:noFill/>
+        </p:spPr>
+        <p:style>
+          <a:lnRef idx="2">
+            <a:schemeClr val="accent1">
+              <a:shade val="15000"/>
+            </a:schemeClr>
+          </a:lnRef>
+          <a:fillRef idx="1">
+            <a:schemeClr val="accent1"/>
+          </a:fillRef>
+          <a:effectRef idx="0">
+            <a:schemeClr val="accent1"/>
+          </a:effectRef>
+          <a:fontRef idx="minor">
+            <a:schemeClr val="lt1"/>
+          </a:fontRef>
+        </p:style>
+        <p:txBody>
+          <a:bodyPr rtlCol="0" anchor="ctr"/>
+          <a:lstStyle/>
+          <a:p>
+            <a:pPr algn="ctr"/>
+            <a:endParaRPr lang="en-DK"/>
+          </a:p>
+        </p:txBody>
+      </p:sp>
+      <p:sp>
+        <p:nvSpPr>
+          <p:cNvPr id="19" name="Freeform 18">
+            <a:extLst>
+              <a:ext uri="{FF2B5EF4-FFF2-40B4-BE49-F238E27FC236}">
+                <a16:creationId xmlns:a16="http://schemas.microsoft.com/office/drawing/2014/main" id="{967890E8-10D8-29D0-A9DE-70C3F2EF3763}"/>
+              </a:ext>
+            </a:extLst>
+          </p:cNvPr>
+          <p:cNvSpPr/>
+          <p:nvPr/>
+        </p:nvSpPr>
+        <p:spPr>
+          <a:xfrm rot="8183107">
+            <a:off x="5063319" y="5388903"/>
+            <a:ext cx="1392701" cy="408050"/>
+          </a:xfrm>
+          <a:custGeom>
+            <a:avLst/>
+            <a:gdLst>
+              <a:gd name="connsiteX0" fmla="*/ 0 w 1392701"/>
+              <a:gd name="connsiteY0" fmla="*/ 323557 h 408050"/>
+              <a:gd name="connsiteX1" fmla="*/ 196947 w 1392701"/>
+              <a:gd name="connsiteY1" fmla="*/ 42203 h 408050"/>
+              <a:gd name="connsiteX2" fmla="*/ 548640 w 1392701"/>
+              <a:gd name="connsiteY2" fmla="*/ 379828 h 408050"/>
+              <a:gd name="connsiteX3" fmla="*/ 759655 w 1392701"/>
+              <a:gd name="connsiteY3" fmla="*/ 0 h 408050"/>
+              <a:gd name="connsiteX4" fmla="*/ 928467 w 1392701"/>
+              <a:gd name="connsiteY4" fmla="*/ 379828 h 408050"/>
+              <a:gd name="connsiteX5" fmla="*/ 1097280 w 1392701"/>
+              <a:gd name="connsiteY5" fmla="*/ 14068 h 408050"/>
+              <a:gd name="connsiteX6" fmla="*/ 1266092 w 1392701"/>
+              <a:gd name="connsiteY6" fmla="*/ 407963 h 408050"/>
+              <a:gd name="connsiteX7" fmla="*/ 1392701 w 1392701"/>
+              <a:gd name="connsiteY7" fmla="*/ 42203 h 408050"/>
+            </a:gdLst>
+            <a:ahLst/>
+            <a:cxnLst>
+              <a:cxn ang="0">
+                <a:pos x="connsiteX0" y="connsiteY0"/>
+              </a:cxn>
+              <a:cxn ang="0">
+                <a:pos x="connsiteX1" y="connsiteY1"/>
+              </a:cxn>
+              <a:cxn ang="0">
+                <a:pos x="connsiteX2" y="connsiteY2"/>
+              </a:cxn>
+              <a:cxn ang="0">
+                <a:pos x="connsiteX3" y="connsiteY3"/>
+              </a:cxn>
+              <a:cxn ang="0">
+                <a:pos x="connsiteX4" y="connsiteY4"/>
+              </a:cxn>
+              <a:cxn ang="0">
+                <a:pos x="connsiteX5" y="connsiteY5"/>
+              </a:cxn>
+              <a:cxn ang="0">
+                <a:pos x="connsiteX6" y="connsiteY6"/>
+              </a:cxn>
+              <a:cxn ang="0">
+                <a:pos x="connsiteX7" y="connsiteY7"/>
+              </a:cxn>
+            </a:cxnLst>
+            <a:rect l="l" t="t" r="r" b="b"/>
+            <a:pathLst>
+              <a:path w="1392701" h="408050">
+                <a:moveTo>
+                  <a:pt x="0" y="323557"/>
+                </a:moveTo>
+                <a:cubicBezTo>
+                  <a:pt x="52753" y="178191"/>
+                  <a:pt x="105507" y="32825"/>
+                  <a:pt x="196947" y="42203"/>
+                </a:cubicBezTo>
+                <a:cubicBezTo>
+                  <a:pt x="288387" y="51581"/>
+                  <a:pt x="454855" y="386862"/>
+                  <a:pt x="548640" y="379828"/>
+                </a:cubicBezTo>
+                <a:cubicBezTo>
+                  <a:pt x="642425" y="372794"/>
+                  <a:pt x="696351" y="0"/>
+                  <a:pt x="759655" y="0"/>
+                </a:cubicBezTo>
+                <a:cubicBezTo>
+                  <a:pt x="822959" y="0"/>
+                  <a:pt x="872196" y="377483"/>
+                  <a:pt x="928467" y="379828"/>
+                </a:cubicBezTo>
+                <a:cubicBezTo>
+                  <a:pt x="984738" y="382173"/>
+                  <a:pt x="1041009" y="9379"/>
+                  <a:pt x="1097280" y="14068"/>
+                </a:cubicBezTo>
+                <a:cubicBezTo>
+                  <a:pt x="1153551" y="18757"/>
+                  <a:pt x="1216855" y="403274"/>
+                  <a:pt x="1266092" y="407963"/>
+                </a:cubicBezTo>
+                <a:cubicBezTo>
+                  <a:pt x="1315329" y="412652"/>
+                  <a:pt x="1354015" y="227427"/>
+                  <a:pt x="1392701" y="42203"/>
+                </a:cubicBezTo>
+              </a:path>
+            </a:pathLst>
+          </a:custGeom>
+          <a:noFill/>
+        </p:spPr>
+        <p:style>
+          <a:lnRef idx="2">
+            <a:schemeClr val="accent1">
+              <a:shade val="15000"/>
+            </a:schemeClr>
+          </a:lnRef>
+          <a:fillRef idx="1">
+            <a:schemeClr val="accent1"/>
+          </a:fillRef>
+          <a:effectRef idx="0">
+            <a:schemeClr val="accent1"/>
+          </a:effectRef>
+          <a:fontRef idx="minor">
+            <a:schemeClr val="lt1"/>
+          </a:fontRef>
+        </p:style>
+        <p:txBody>
+          <a:bodyPr rtlCol="0" anchor="ctr"/>
+          <a:lstStyle/>
+          <a:p>
+            <a:pPr algn="ctr"/>
+            <a:endParaRPr lang="en-DK"/>
+          </a:p>
+        </p:txBody>
+      </p:sp>
+      <p:sp>
+        <p:nvSpPr>
+          <p:cNvPr id="20" name="Freeform 19">
+            <a:extLst>
+              <a:ext uri="{FF2B5EF4-FFF2-40B4-BE49-F238E27FC236}">
+                <a16:creationId xmlns:a16="http://schemas.microsoft.com/office/drawing/2014/main" id="{E10044C1-9FB8-ECA4-1B9C-86E99E2DEE04}"/>
+              </a:ext>
+            </a:extLst>
+          </p:cNvPr>
+          <p:cNvSpPr/>
+          <p:nvPr/>
+        </p:nvSpPr>
+        <p:spPr>
+          <a:xfrm>
+            <a:off x="4529878" y="4718234"/>
+            <a:ext cx="1548862" cy="408050"/>
+          </a:xfrm>
+          <a:custGeom>
+            <a:avLst/>
+            <a:gdLst>
+              <a:gd name="connsiteX0" fmla="*/ 0 w 1392701"/>
+              <a:gd name="connsiteY0" fmla="*/ 323557 h 408050"/>
+              <a:gd name="connsiteX1" fmla="*/ 196947 w 1392701"/>
+              <a:gd name="connsiteY1" fmla="*/ 42203 h 408050"/>
+              <a:gd name="connsiteX2" fmla="*/ 548640 w 1392701"/>
+              <a:gd name="connsiteY2" fmla="*/ 379828 h 408050"/>
+              <a:gd name="connsiteX3" fmla="*/ 759655 w 1392701"/>
+              <a:gd name="connsiteY3" fmla="*/ 0 h 408050"/>
+              <a:gd name="connsiteX4" fmla="*/ 928467 w 1392701"/>
+              <a:gd name="connsiteY4" fmla="*/ 379828 h 408050"/>
+              <a:gd name="connsiteX5" fmla="*/ 1097280 w 1392701"/>
+              <a:gd name="connsiteY5" fmla="*/ 14068 h 408050"/>
+              <a:gd name="connsiteX6" fmla="*/ 1266092 w 1392701"/>
+              <a:gd name="connsiteY6" fmla="*/ 407963 h 408050"/>
+              <a:gd name="connsiteX7" fmla="*/ 1392701 w 1392701"/>
+              <a:gd name="connsiteY7" fmla="*/ 42203 h 408050"/>
+            </a:gdLst>
+            <a:ahLst/>
+            <a:cxnLst>
+              <a:cxn ang="0">
+                <a:pos x="connsiteX0" y="connsiteY0"/>
+              </a:cxn>
+              <a:cxn ang="0">
+                <a:pos x="connsiteX1" y="connsiteY1"/>
+              </a:cxn>
+              <a:cxn ang="0">
+                <a:pos x="connsiteX2" y="connsiteY2"/>
+              </a:cxn>
+              <a:cxn ang="0">
+                <a:pos x="connsiteX3" y="connsiteY3"/>
+              </a:cxn>
+              <a:cxn ang="0">
+                <a:pos x="connsiteX4" y="connsiteY4"/>
+              </a:cxn>
+              <a:cxn ang="0">
+                <a:pos x="connsiteX5" y="connsiteY5"/>
+              </a:cxn>
+              <a:cxn ang="0">
+                <a:pos x="connsiteX6" y="connsiteY6"/>
+              </a:cxn>
+              <a:cxn ang="0">
+                <a:pos x="connsiteX7" y="connsiteY7"/>
+              </a:cxn>
+            </a:cxnLst>
+            <a:rect l="l" t="t" r="r" b="b"/>
+            <a:pathLst>
+              <a:path w="1392701" h="408050">
+                <a:moveTo>
+                  <a:pt x="0" y="323557"/>
+                </a:moveTo>
+                <a:cubicBezTo>
+                  <a:pt x="52753" y="178191"/>
+                  <a:pt x="105507" y="32825"/>
+                  <a:pt x="196947" y="42203"/>
+                </a:cubicBezTo>
+                <a:cubicBezTo>
+                  <a:pt x="288387" y="51581"/>
+                  <a:pt x="454855" y="386862"/>
+                  <a:pt x="548640" y="379828"/>
+                </a:cubicBezTo>
+                <a:cubicBezTo>
+                  <a:pt x="642425" y="372794"/>
+                  <a:pt x="696351" y="0"/>
+                  <a:pt x="759655" y="0"/>
+                </a:cubicBezTo>
+                <a:cubicBezTo>
+                  <a:pt x="822959" y="0"/>
+                  <a:pt x="872196" y="377483"/>
+                  <a:pt x="928467" y="379828"/>
+                </a:cubicBezTo>
+                <a:cubicBezTo>
+                  <a:pt x="984738" y="382173"/>
+                  <a:pt x="1041009" y="9379"/>
+                  <a:pt x="1097280" y="14068"/>
+                </a:cubicBezTo>
+                <a:cubicBezTo>
+                  <a:pt x="1153551" y="18757"/>
+                  <a:pt x="1216855" y="403274"/>
+                  <a:pt x="1266092" y="407963"/>
+                </a:cubicBezTo>
+                <a:cubicBezTo>
+                  <a:pt x="1315329" y="412652"/>
+                  <a:pt x="1354015" y="227427"/>
+                  <a:pt x="1392701" y="42203"/>
+                </a:cubicBezTo>
+              </a:path>
+            </a:pathLst>
+          </a:custGeom>
+          <a:noFill/>
+        </p:spPr>
+        <p:style>
+          <a:lnRef idx="2">
+            <a:schemeClr val="accent1">
+              <a:shade val="15000"/>
+            </a:schemeClr>
+          </a:lnRef>
+          <a:fillRef idx="1">
+            <a:schemeClr val="accent1"/>
+          </a:fillRef>
+          <a:effectRef idx="0">
+            <a:schemeClr val="accent1"/>
+          </a:effectRef>
+          <a:fontRef idx="minor">
+            <a:schemeClr val="lt1"/>
+          </a:fontRef>
+        </p:style>
+        <p:txBody>
+          <a:bodyPr rtlCol="0" anchor="ctr"/>
+          <a:lstStyle/>
+          <a:p>
+            <a:pPr algn="ctr"/>
+            <a:endParaRPr lang="en-DK"/>
+          </a:p>
+        </p:txBody>
+      </p:sp>
+      <p:sp>
+        <p:nvSpPr>
+          <p:cNvPr id="16" name="Freeform 15">
+            <a:extLst>
+              <a:ext uri="{FF2B5EF4-FFF2-40B4-BE49-F238E27FC236}">
+                <a16:creationId xmlns:a16="http://schemas.microsoft.com/office/drawing/2014/main" id="{3BE06854-4500-E091-F1C3-97C29C7F161E}"/>
+              </a:ext>
+            </a:extLst>
+          </p:cNvPr>
+          <p:cNvSpPr/>
+          <p:nvPr/>
+        </p:nvSpPr>
+        <p:spPr>
+          <a:xfrm rot="3866295">
+            <a:off x="3314930" y="4267020"/>
+            <a:ext cx="1392701" cy="408050"/>
+          </a:xfrm>
+          <a:custGeom>
+            <a:avLst/>
+            <a:gdLst>
+              <a:gd name="connsiteX0" fmla="*/ 0 w 1392701"/>
+              <a:gd name="connsiteY0" fmla="*/ 323557 h 408050"/>
+              <a:gd name="connsiteX1" fmla="*/ 196947 w 1392701"/>
+              <a:gd name="connsiteY1" fmla="*/ 42203 h 408050"/>
+              <a:gd name="connsiteX2" fmla="*/ 548640 w 1392701"/>
+              <a:gd name="connsiteY2" fmla="*/ 379828 h 408050"/>
+              <a:gd name="connsiteX3" fmla="*/ 759655 w 1392701"/>
+              <a:gd name="connsiteY3" fmla="*/ 0 h 408050"/>
+              <a:gd name="connsiteX4" fmla="*/ 928467 w 1392701"/>
+              <a:gd name="connsiteY4" fmla="*/ 379828 h 408050"/>
+              <a:gd name="connsiteX5" fmla="*/ 1097280 w 1392701"/>
+              <a:gd name="connsiteY5" fmla="*/ 14068 h 408050"/>
+              <a:gd name="connsiteX6" fmla="*/ 1266092 w 1392701"/>
+              <a:gd name="connsiteY6" fmla="*/ 407963 h 408050"/>
+              <a:gd name="connsiteX7" fmla="*/ 1392701 w 1392701"/>
+              <a:gd name="connsiteY7" fmla="*/ 42203 h 408050"/>
+            </a:gdLst>
+            <a:ahLst/>
+            <a:cxnLst>
+              <a:cxn ang="0">
+                <a:pos x="connsiteX0" y="connsiteY0"/>
+              </a:cxn>
+              <a:cxn ang="0">
+                <a:pos x="connsiteX1" y="connsiteY1"/>
+              </a:cxn>
+              <a:cxn ang="0">
+                <a:pos x="connsiteX2" y="connsiteY2"/>
+              </a:cxn>
+              <a:cxn ang="0">
+                <a:pos x="connsiteX3" y="connsiteY3"/>
+              </a:cxn>
+              <a:cxn ang="0">
+                <a:pos x="connsiteX4" y="connsiteY4"/>
+              </a:cxn>
+              <a:cxn ang="0">
+                <a:pos x="connsiteX5" y="connsiteY5"/>
+              </a:cxn>
+              <a:cxn ang="0">
+                <a:pos x="connsiteX6" y="connsiteY6"/>
+              </a:cxn>
+              <a:cxn ang="0">
+                <a:pos x="connsiteX7" y="connsiteY7"/>
+              </a:cxn>
+            </a:cxnLst>
+            <a:rect l="l" t="t" r="r" b="b"/>
+            <a:pathLst>
+              <a:path w="1392701" h="408050">
+                <a:moveTo>
+                  <a:pt x="0" y="323557"/>
+                </a:moveTo>
+                <a:cubicBezTo>
+                  <a:pt x="52753" y="178191"/>
+                  <a:pt x="105507" y="32825"/>
+                  <a:pt x="196947" y="42203"/>
+                </a:cubicBezTo>
+                <a:cubicBezTo>
+                  <a:pt x="288387" y="51581"/>
+                  <a:pt x="454855" y="386862"/>
+                  <a:pt x="548640" y="379828"/>
+                </a:cubicBezTo>
+                <a:cubicBezTo>
+                  <a:pt x="642425" y="372794"/>
+                  <a:pt x="696351" y="0"/>
+                  <a:pt x="759655" y="0"/>
+                </a:cubicBezTo>
+                <a:cubicBezTo>
+                  <a:pt x="822959" y="0"/>
+                  <a:pt x="872196" y="377483"/>
+                  <a:pt x="928467" y="379828"/>
+                </a:cubicBezTo>
+                <a:cubicBezTo>
+                  <a:pt x="984738" y="382173"/>
+                  <a:pt x="1041009" y="9379"/>
+                  <a:pt x="1097280" y="14068"/>
+                </a:cubicBezTo>
+                <a:cubicBezTo>
+                  <a:pt x="1153551" y="18757"/>
+                  <a:pt x="1216855" y="403274"/>
+                  <a:pt x="1266092" y="407963"/>
+                </a:cubicBezTo>
+                <a:cubicBezTo>
+                  <a:pt x="1315329" y="412652"/>
+                  <a:pt x="1354015" y="227427"/>
+                  <a:pt x="1392701" y="42203"/>
+                </a:cubicBezTo>
+              </a:path>
+            </a:pathLst>
+          </a:custGeom>
+          <a:noFill/>
+        </p:spPr>
+        <p:style>
+          <a:lnRef idx="2">
+            <a:schemeClr val="accent1">
+              <a:shade val="15000"/>
+            </a:schemeClr>
+          </a:lnRef>
+          <a:fillRef idx="1">
+            <a:schemeClr val="accent1"/>
+          </a:fillRef>
+          <a:effectRef idx="0">
+            <a:schemeClr val="accent1"/>
+          </a:effectRef>
+          <a:fontRef idx="minor">
+            <a:schemeClr val="lt1"/>
+          </a:fontRef>
+        </p:style>
+        <p:txBody>
+          <a:bodyPr rtlCol="0" anchor="ctr"/>
+          <a:lstStyle/>
+          <a:p>
+            <a:pPr algn="ctr"/>
+            <a:endParaRPr lang="en-DK"/>
+          </a:p>
+        </p:txBody>
+      </p:sp>
+      <p:sp>
+        <p:nvSpPr>
+          <p:cNvPr id="2" name="Title 1">
+            <a:extLst>
+              <a:ext uri="{FF2B5EF4-FFF2-40B4-BE49-F238E27FC236}">
+                <a16:creationId xmlns:a16="http://schemas.microsoft.com/office/drawing/2014/main" id="{6B52E423-340D-4BD0-2517-C524FDADEAB6}"/>
               </a:ext>
             </a:extLst>
           </p:cNvPr>
@@ -14035,144 +15625,526 @@
           <a:p>
             <a:r>
               <a:rPr lang="en-DK" dirty="0"/>
-              <a:t>Learning the potential energy</a:t>
+              <a:t>Springs</a:t>
             </a:r>
           </a:p>
         </p:txBody>
       </p:sp>
-      <p:pic>
-        <p:nvPicPr>
-          <p:cNvPr id="11" name="Picture 10" descr="A graph of a graph with orange dots&#10;&#10;AI-generated content may be incorrect.">
-            <a:extLst>
-              <a:ext uri="{FF2B5EF4-FFF2-40B4-BE49-F238E27FC236}">
-                <a16:creationId xmlns:a16="http://schemas.microsoft.com/office/drawing/2014/main" id="{0266B273-463C-BA2A-D1FE-08C37870DC80}"/>
-              </a:ext>
-            </a:extLst>
-          </p:cNvPr>
-          <p:cNvPicPr>
-            <a:picLocks noChangeAspect="1"/>
-          </p:cNvPicPr>
-          <p:nvPr/>
-        </p:nvPicPr>
-        <p:blipFill>
-          <a:blip r:embed="rId2"/>
-          <a:srcRect b="3167"/>
-          <a:stretch/>
-        </p:blipFill>
-        <p:spPr>
-          <a:xfrm>
-            <a:off x="5903091" y="1690688"/>
-            <a:ext cx="4127500" cy="4132043"/>
-          </a:xfrm>
-          <a:prstGeom prst="rect">
-            <a:avLst/>
-          </a:prstGeom>
-        </p:spPr>
-      </p:pic>
-      <p:pic>
-        <p:nvPicPr>
-          <p:cNvPr id="13" name="Picture 12" descr="A math equation with a square and a number&#10;&#10;AI-generated content may be incorrect.">
-            <a:extLst>
-              <a:ext uri="{FF2B5EF4-FFF2-40B4-BE49-F238E27FC236}">
-                <a16:creationId xmlns:a16="http://schemas.microsoft.com/office/drawing/2014/main" id="{E219753C-1BE2-A6C5-BDAF-FE9F4529C60E}"/>
-              </a:ext>
-            </a:extLst>
-          </p:cNvPr>
-          <p:cNvPicPr>
-            <a:picLocks noChangeAspect="1"/>
-          </p:cNvPicPr>
-          <p:nvPr/>
-        </p:nvPicPr>
-        <p:blipFill>
-          <a:blip r:embed="rId3"/>
-          <a:stretch>
-            <a:fillRect/>
-          </a:stretch>
-        </p:blipFill>
-        <p:spPr>
-          <a:xfrm>
-            <a:off x="1698953" y="3481826"/>
-            <a:ext cx="4127500" cy="1003300"/>
-          </a:xfrm>
-          <a:prstGeom prst="rect">
-            <a:avLst/>
-          </a:prstGeom>
-        </p:spPr>
-      </p:pic>
       <p:sp>
         <p:nvSpPr>
-          <p:cNvPr id="14" name="TextBox 13">
-            <a:extLst>
-              <a:ext uri="{FF2B5EF4-FFF2-40B4-BE49-F238E27FC236}">
-                <a16:creationId xmlns:a16="http://schemas.microsoft.com/office/drawing/2014/main" id="{C7063C6A-4C6D-7716-3B76-E7D7ED949EFB}"/>
-              </a:ext>
-            </a:extLst>
-          </p:cNvPr>
-          <p:cNvSpPr txBox="1"/>
+          <p:cNvPr id="4" name="Oval 3">
+            <a:extLst>
+              <a:ext uri="{FF2B5EF4-FFF2-40B4-BE49-F238E27FC236}">
+                <a16:creationId xmlns:a16="http://schemas.microsoft.com/office/drawing/2014/main" id="{9CD49B71-0FBE-0E28-7102-8390E8789B48}"/>
+              </a:ext>
+            </a:extLst>
+          </p:cNvPr>
+          <p:cNvSpPr/>
           <p:nvPr/>
         </p:nvSpPr>
         <p:spPr>
           <a:xfrm>
-            <a:off x="1996965" y="2782669"/>
-            <a:ext cx="3829488" cy="646331"/>
+            <a:off x="3888827" y="4667332"/>
+            <a:ext cx="651641" cy="651641"/>
           </a:xfrm>
-          <a:prstGeom prst="rect">
+          <a:prstGeom prst="ellipse">
             <a:avLst/>
           </a:prstGeom>
-          <a:noFill/>
+          <a:solidFill>
+            <a:srgbClr val="7030A0"/>
+          </a:solidFill>
+          <a:ln>
+            <a:solidFill>
+              <a:schemeClr val="tx1"/>
+            </a:solidFill>
+          </a:ln>
         </p:spPr>
+        <p:style>
+          <a:lnRef idx="2">
+            <a:schemeClr val="accent1">
+              <a:shade val="15000"/>
+            </a:schemeClr>
+          </a:lnRef>
+          <a:fillRef idx="1">
+            <a:schemeClr val="accent1"/>
+          </a:fillRef>
+          <a:effectRef idx="0">
+            <a:schemeClr val="accent1"/>
+          </a:effectRef>
+          <a:fontRef idx="minor">
+            <a:schemeClr val="lt1"/>
+          </a:fontRef>
+        </p:style>
         <p:txBody>
-          <a:bodyPr wrap="square" rtlCol="0">
-            <a:spAutoFit/>
-          </a:bodyPr>
+          <a:bodyPr rtlCol="0" anchor="ctr"/>
           <a:lstStyle/>
           <a:p>
-            <a:r>
-              <a:rPr lang="en-DK" dirty="0"/>
-              <a:t>We will fit the parameters of the Lennard Jones potential</a:t>
-            </a:r>
+            <a:pPr algn="ctr"/>
+            <a:endParaRPr lang="en-DK"/>
           </a:p>
         </p:txBody>
       </p:sp>
       <p:sp>
         <p:nvSpPr>
-          <p:cNvPr id="15" name="TextBox 14">
-            <a:extLst>
-              <a:ext uri="{FF2B5EF4-FFF2-40B4-BE49-F238E27FC236}">
-                <a16:creationId xmlns:a16="http://schemas.microsoft.com/office/drawing/2014/main" id="{546F5798-FC51-2C17-2478-56B21348ED03}"/>
-              </a:ext>
-            </a:extLst>
-          </p:cNvPr>
-          <p:cNvSpPr txBox="1"/>
+          <p:cNvPr id="5" name="Oval 4">
+            <a:extLst>
+              <a:ext uri="{FF2B5EF4-FFF2-40B4-BE49-F238E27FC236}">
+                <a16:creationId xmlns:a16="http://schemas.microsoft.com/office/drawing/2014/main" id="{B9C1525F-2598-A32B-9878-47E48DF299A4}"/>
+              </a:ext>
+            </a:extLst>
+          </p:cNvPr>
+          <p:cNvSpPr/>
           <p:nvPr/>
         </p:nvSpPr>
         <p:spPr>
           <a:xfrm>
-            <a:off x="8751394" y="767358"/>
-            <a:ext cx="2711669" cy="923330"/>
+            <a:off x="4997668" y="5734132"/>
+            <a:ext cx="651641" cy="651641"/>
           </a:xfrm>
-          <a:prstGeom prst="rect">
+          <a:prstGeom prst="ellipse">
             <a:avLst/>
           </a:prstGeom>
-          <a:noFill/>
+          <a:solidFill>
+            <a:srgbClr val="7030A0"/>
+          </a:solidFill>
+          <a:ln>
+            <a:solidFill>
+              <a:schemeClr val="tx1"/>
+            </a:solidFill>
+          </a:ln>
         </p:spPr>
+        <p:style>
+          <a:lnRef idx="2">
+            <a:schemeClr val="accent1">
+              <a:shade val="15000"/>
+            </a:schemeClr>
+          </a:lnRef>
+          <a:fillRef idx="1">
+            <a:schemeClr val="accent1"/>
+          </a:fillRef>
+          <a:effectRef idx="0">
+            <a:schemeClr val="accent1"/>
+          </a:effectRef>
+          <a:fontRef idx="minor">
+            <a:schemeClr val="lt1"/>
+          </a:fontRef>
+        </p:style>
         <p:txBody>
-          <a:bodyPr wrap="square" rtlCol="0">
-            <a:spAutoFit/>
-          </a:bodyPr>
+          <a:bodyPr rtlCol="0" anchor="ctr"/>
           <a:lstStyle/>
           <a:p>
-            <a:r>
-              <a:rPr lang="en-DK" dirty="0"/>
-              <a:t>Training data is dimers, really just a pretty simple regression</a:t>
-            </a:r>
+            <a:pPr algn="ctr"/>
+            <a:endParaRPr lang="en-DK"/>
           </a:p>
         </p:txBody>
       </p:sp>
+      <p:sp>
+        <p:nvSpPr>
+          <p:cNvPr id="6" name="Oval 5">
+            <a:extLst>
+              <a:ext uri="{FF2B5EF4-FFF2-40B4-BE49-F238E27FC236}">
+                <a16:creationId xmlns:a16="http://schemas.microsoft.com/office/drawing/2014/main" id="{2CFAE17C-2706-B3EA-AAAA-66038750CC47}"/>
+              </a:ext>
+            </a:extLst>
+          </p:cNvPr>
+          <p:cNvSpPr/>
+          <p:nvPr/>
+        </p:nvSpPr>
+        <p:spPr>
+          <a:xfrm>
+            <a:off x="3316014" y="3429000"/>
+            <a:ext cx="651641" cy="651641"/>
+          </a:xfrm>
+          <a:prstGeom prst="ellipse">
+            <a:avLst/>
+          </a:prstGeom>
+          <a:solidFill>
+            <a:srgbClr val="7030A0"/>
+          </a:solidFill>
+          <a:ln>
+            <a:solidFill>
+              <a:schemeClr val="tx1"/>
+            </a:solidFill>
+          </a:ln>
+        </p:spPr>
+        <p:style>
+          <a:lnRef idx="2">
+            <a:schemeClr val="accent1">
+              <a:shade val="15000"/>
+            </a:schemeClr>
+          </a:lnRef>
+          <a:fillRef idx="1">
+            <a:schemeClr val="accent1"/>
+          </a:fillRef>
+          <a:effectRef idx="0">
+            <a:schemeClr val="accent1"/>
+          </a:effectRef>
+          <a:fontRef idx="minor">
+            <a:schemeClr val="lt1"/>
+          </a:fontRef>
+        </p:style>
+        <p:txBody>
+          <a:bodyPr rtlCol="0" anchor="ctr"/>
+          <a:lstStyle/>
+          <a:p>
+            <a:pPr algn="ctr"/>
+            <a:endParaRPr lang="en-DK"/>
+          </a:p>
+        </p:txBody>
+      </p:sp>
+      <p:sp>
+        <p:nvSpPr>
+          <p:cNvPr id="7" name="Oval 6">
+            <a:extLst>
+              <a:ext uri="{FF2B5EF4-FFF2-40B4-BE49-F238E27FC236}">
+                <a16:creationId xmlns:a16="http://schemas.microsoft.com/office/drawing/2014/main" id="{A5E6ACC5-909E-99D9-198A-0E3603060FD6}"/>
+              </a:ext>
+            </a:extLst>
+          </p:cNvPr>
+          <p:cNvSpPr/>
+          <p:nvPr/>
+        </p:nvSpPr>
+        <p:spPr>
+          <a:xfrm>
+            <a:off x="5922579" y="4667331"/>
+            <a:ext cx="651641" cy="651641"/>
+          </a:xfrm>
+          <a:prstGeom prst="ellipse">
+            <a:avLst/>
+          </a:prstGeom>
+          <a:solidFill>
+            <a:srgbClr val="7030A0"/>
+          </a:solidFill>
+          <a:ln>
+            <a:solidFill>
+              <a:schemeClr val="tx1"/>
+            </a:solidFill>
+          </a:ln>
+        </p:spPr>
+        <p:style>
+          <a:lnRef idx="2">
+            <a:schemeClr val="accent1">
+              <a:shade val="15000"/>
+            </a:schemeClr>
+          </a:lnRef>
+          <a:fillRef idx="1">
+            <a:schemeClr val="accent1"/>
+          </a:fillRef>
+          <a:effectRef idx="0">
+            <a:schemeClr val="accent1"/>
+          </a:effectRef>
+          <a:fontRef idx="minor">
+            <a:schemeClr val="lt1"/>
+          </a:fontRef>
+        </p:style>
+        <p:txBody>
+          <a:bodyPr rtlCol="0" anchor="ctr"/>
+          <a:lstStyle/>
+          <a:p>
+            <a:pPr algn="ctr"/>
+            <a:endParaRPr lang="en-DK"/>
+          </a:p>
+        </p:txBody>
+      </p:sp>
+      <p:sp>
+        <p:nvSpPr>
+          <p:cNvPr id="8" name="Oval 7">
+            <a:extLst>
+              <a:ext uri="{FF2B5EF4-FFF2-40B4-BE49-F238E27FC236}">
+                <a16:creationId xmlns:a16="http://schemas.microsoft.com/office/drawing/2014/main" id="{7242F1B1-612E-7DE8-C8C0-3246D76B7DD1}"/>
+              </a:ext>
+            </a:extLst>
+          </p:cNvPr>
+          <p:cNvSpPr/>
+          <p:nvPr/>
+        </p:nvSpPr>
+        <p:spPr>
+          <a:xfrm>
+            <a:off x="7615390" y="4195464"/>
+            <a:ext cx="651641" cy="651641"/>
+          </a:xfrm>
+          <a:prstGeom prst="ellipse">
+            <a:avLst/>
+          </a:prstGeom>
+          <a:solidFill>
+            <a:srgbClr val="7030A0"/>
+          </a:solidFill>
+          <a:ln>
+            <a:solidFill>
+              <a:schemeClr val="tx1"/>
+            </a:solidFill>
+          </a:ln>
+        </p:spPr>
+        <p:style>
+          <a:lnRef idx="2">
+            <a:schemeClr val="accent1">
+              <a:shade val="15000"/>
+            </a:schemeClr>
+          </a:lnRef>
+          <a:fillRef idx="1">
+            <a:schemeClr val="accent1"/>
+          </a:fillRef>
+          <a:effectRef idx="0">
+            <a:schemeClr val="accent1"/>
+          </a:effectRef>
+          <a:fontRef idx="minor">
+            <a:schemeClr val="lt1"/>
+          </a:fontRef>
+        </p:style>
+        <p:txBody>
+          <a:bodyPr rtlCol="0" anchor="ctr"/>
+          <a:lstStyle/>
+          <a:p>
+            <a:pPr algn="ctr"/>
+            <a:endParaRPr lang="en-DK"/>
+          </a:p>
+        </p:txBody>
+      </p:sp>
+      <mc:AlternateContent xmlns:mc="http://schemas.openxmlformats.org/markup-compatibility/2006">
+        <mc:Choice xmlns:a14="http://schemas.microsoft.com/office/drawing/2010/main" Requires="a14">
+          <p:sp>
+            <p:nvSpPr>
+              <p:cNvPr id="21" name="TextBox 20">
+                <a:extLst>
+                  <a:ext uri="{FF2B5EF4-FFF2-40B4-BE49-F238E27FC236}">
+                    <a16:creationId xmlns:a16="http://schemas.microsoft.com/office/drawing/2014/main" id="{F1314775-AAA8-573E-BA16-C7DEE8B08E60}"/>
+                  </a:ext>
+                </a:extLst>
+              </p:cNvPr>
+              <p:cNvSpPr txBox="1"/>
+              <p:nvPr/>
+            </p:nvSpPr>
+            <p:spPr>
+              <a:xfrm>
+                <a:off x="3645595" y="1924476"/>
+                <a:ext cx="4660368" cy="2096536"/>
+              </a:xfrm>
+              <a:prstGeom prst="rect">
+                <a:avLst/>
+              </a:prstGeom>
+              <a:noFill/>
+            </p:spPr>
+            <p:txBody>
+              <a:bodyPr wrap="square" rtlCol="0">
+                <a:spAutoFit/>
+              </a:bodyPr>
+              <a:lstStyle/>
+              <a:p>
+                <a:r>
+                  <a:rPr lang="en-DK" sz="2400" dirty="0"/>
+                  <a:t>Weights connected by springs, the potential energy is </a:t>
+                </a:r>
+              </a:p>
+              <a:p>
+                <a:endParaRPr lang="en-DK" sz="2400" dirty="0"/>
+              </a:p>
+              <a:p>
+                <a14:m>
+                  <m:oMathPara xmlns:m="http://schemas.openxmlformats.org/officeDocument/2006/math">
+                    <m:oMathParaPr>
+                      <m:jc m:val="centerGroup"/>
+                    </m:oMathParaPr>
+                    <m:oMath xmlns:m="http://schemas.openxmlformats.org/officeDocument/2006/math">
+                      <m:r>
+                        <a:rPr lang="da-DK" sz="2400" b="0" i="1" smtClean="0">
+                          <a:latin typeface="Cambria Math" panose="02040503050406030204" pitchFamily="18" charset="0"/>
+                        </a:rPr>
+                        <m:t>𝐸</m:t>
+                      </m:r>
+                      <m:d>
+                        <m:dPr>
+                          <m:ctrlPr>
+                            <a:rPr lang="da-DK" sz="2400" b="0" i="1" smtClean="0">
+                              <a:latin typeface="Cambria Math" panose="02040503050406030204" pitchFamily="18" charset="0"/>
+                            </a:rPr>
+                          </m:ctrlPr>
+                        </m:dPr>
+                        <m:e>
+                          <m:r>
+                            <a:rPr lang="da-DK" sz="2400" b="1" i="1" smtClean="0">
+                              <a:latin typeface="Cambria Math" panose="02040503050406030204" pitchFamily="18" charset="0"/>
+                            </a:rPr>
+                            <m:t>𝑹</m:t>
+                          </m:r>
+                        </m:e>
+                      </m:d>
+                      <m:r>
+                        <a:rPr lang="da-DK" sz="2400" b="0" i="1" smtClean="0">
+                          <a:latin typeface="Cambria Math" panose="02040503050406030204" pitchFamily="18" charset="0"/>
+                        </a:rPr>
+                        <m:t>=</m:t>
+                      </m:r>
+                      <m:nary>
+                        <m:naryPr>
+                          <m:chr m:val="∑"/>
+                          <m:supHide m:val="on"/>
+                          <m:ctrlPr>
+                            <a:rPr lang="da-DK" sz="2400" b="0" i="1" smtClean="0">
+                              <a:latin typeface="Cambria Math" panose="02040503050406030204" pitchFamily="18" charset="0"/>
+                            </a:rPr>
+                          </m:ctrlPr>
+                        </m:naryPr>
+                        <m:sub>
+                          <m:r>
+                            <a:rPr lang="da-DK" sz="2400" b="0" i="1" smtClean="0">
+                              <a:latin typeface="Cambria Math" panose="02040503050406030204" pitchFamily="18" charset="0"/>
+                            </a:rPr>
+                            <m:t>𝑖</m:t>
+                          </m:r>
+                        </m:sub>
+                        <m:sup/>
+                        <m:e>
+                          <m:f>
+                            <m:fPr>
+                              <m:ctrlPr>
+                                <a:rPr lang="da-DK" sz="2400" b="0" i="1" smtClean="0">
+                                  <a:latin typeface="Cambria Math" panose="02040503050406030204" pitchFamily="18" charset="0"/>
+                                </a:rPr>
+                              </m:ctrlPr>
+                            </m:fPr>
+                            <m:num>
+                              <m:r>
+                                <a:rPr lang="da-DK" sz="2400" b="0" i="1" smtClean="0">
+                                  <a:latin typeface="Cambria Math" panose="02040503050406030204" pitchFamily="18" charset="0"/>
+                                </a:rPr>
+                                <m:t>1</m:t>
+                              </m:r>
+                            </m:num>
+                            <m:den>
+                              <m:r>
+                                <a:rPr lang="da-DK" sz="2400" b="0" i="1" smtClean="0">
+                                  <a:latin typeface="Cambria Math" panose="02040503050406030204" pitchFamily="18" charset="0"/>
+                                </a:rPr>
+                                <m:t>2</m:t>
+                              </m:r>
+                            </m:den>
+                          </m:f>
+                          <m:sSub>
+                            <m:sSubPr>
+                              <m:ctrlPr>
+                                <a:rPr lang="da-DK" sz="2400" b="0" i="1" smtClean="0">
+                                  <a:latin typeface="Cambria Math" panose="02040503050406030204" pitchFamily="18" charset="0"/>
+                                </a:rPr>
+                              </m:ctrlPr>
+                            </m:sSubPr>
+                            <m:e>
+                              <m:r>
+                                <a:rPr lang="da-DK" sz="2400" b="0" i="1" smtClean="0">
+                                  <a:latin typeface="Cambria Math" panose="02040503050406030204" pitchFamily="18" charset="0"/>
+                                </a:rPr>
+                                <m:t>𝑘</m:t>
+                              </m:r>
+                            </m:e>
+                            <m:sub>
+                              <m:r>
+                                <a:rPr lang="da-DK" sz="2400" b="0" i="1" smtClean="0">
+                                  <a:latin typeface="Cambria Math" panose="02040503050406030204" pitchFamily="18" charset="0"/>
+                                </a:rPr>
+                                <m:t>𝑖</m:t>
+                              </m:r>
+                            </m:sub>
+                          </m:sSub>
+                          <m:r>
+                            <a:rPr lang="da-DK" sz="2400" b="0" i="1" smtClean="0">
+                              <a:latin typeface="Cambria Math" panose="02040503050406030204" pitchFamily="18" charset="0"/>
+                            </a:rPr>
+                            <m:t>𝑑</m:t>
+                          </m:r>
+                          <m:sSup>
+                            <m:sSupPr>
+                              <m:ctrlPr>
+                                <a:rPr lang="da-DK" sz="2400" b="0" i="1" smtClean="0">
+                                  <a:latin typeface="Cambria Math" panose="02040503050406030204" pitchFamily="18" charset="0"/>
+                                </a:rPr>
+                              </m:ctrlPr>
+                            </m:sSupPr>
+                            <m:e>
+                              <m:d>
+                                <m:dPr>
+                                  <m:ctrlPr>
+                                    <a:rPr lang="da-DK" sz="2400" b="0" i="1" smtClean="0">
+                                      <a:latin typeface="Cambria Math" panose="02040503050406030204" pitchFamily="18" charset="0"/>
+                                    </a:rPr>
+                                  </m:ctrlPr>
+                                </m:dPr>
+                                <m:e>
+                                  <m:r>
+                                    <a:rPr lang="da-DK" sz="2400" b="1" i="1" smtClean="0">
+                                      <a:latin typeface="Cambria Math" panose="02040503050406030204" pitchFamily="18" charset="0"/>
+                                    </a:rPr>
+                                    <m:t>𝑹</m:t>
+                                  </m:r>
+                                </m:e>
+                              </m:d>
+                            </m:e>
+                            <m:sup>
+                              <m:r>
+                                <a:rPr lang="da-DK" sz="2400" b="0" i="1" smtClean="0">
+                                  <a:latin typeface="Cambria Math" panose="02040503050406030204" pitchFamily="18" charset="0"/>
+                                </a:rPr>
+                                <m:t>2</m:t>
+                              </m:r>
+                            </m:sup>
+                          </m:sSup>
+                        </m:e>
+                      </m:nary>
+                    </m:oMath>
+                  </m:oMathPara>
+                </a14:m>
+                <a:endParaRPr lang="en-DK" sz="2400" dirty="0"/>
+              </a:p>
+            </p:txBody>
+          </p:sp>
+        </mc:Choice>
+        <mc:Fallback>
+          <p:sp>
+            <p:nvSpPr>
+              <p:cNvPr id="21" name="TextBox 20">
+                <a:extLst>
+                  <a:ext uri="{FF2B5EF4-FFF2-40B4-BE49-F238E27FC236}">
+                    <a16:creationId xmlns:a16="http://schemas.microsoft.com/office/drawing/2014/main" id="{F1314775-AAA8-573E-BA16-C7DEE8B08E60}"/>
+                  </a:ext>
+                </a:extLst>
+              </p:cNvPr>
+              <p:cNvSpPr txBox="1">
+                <a:spLocks noRot="1" noChangeAspect="1" noMove="1" noResize="1" noEditPoints="1" noAdjustHandles="1" noChangeArrowheads="1" noChangeShapeType="1" noTextEdit="1"/>
+              </p:cNvSpPr>
+              <p:nvPr/>
+            </p:nvSpPr>
+            <p:spPr>
+              <a:xfrm>
+                <a:off x="3645595" y="1924476"/>
+                <a:ext cx="4660368" cy="2096536"/>
+              </a:xfrm>
+              <a:prstGeom prst="rect">
+                <a:avLst/>
+              </a:prstGeom>
+              <a:blipFill>
+                <a:blip r:embed="rId2"/>
+                <a:stretch>
+                  <a:fillRect l="-2174" t="-9639" b="-85542"/>
+                </a:stretch>
+              </a:blipFill>
+            </p:spPr>
+            <p:txBody>
+              <a:bodyPr/>
+              <a:lstStyle/>
+              <a:p>
+                <a:r>
+                  <a:rPr lang="en-DK">
+                    <a:noFill/>
+                  </a:rPr>
+                  <a:t> </a:t>
+                </a:r>
+              </a:p>
+            </p:txBody>
+          </p:sp>
+        </mc:Fallback>
+      </mc:AlternateContent>
     </p:spTree>
     <p:extLst>
       <p:ext uri="{BB962C8B-B14F-4D97-AF65-F5344CB8AC3E}">
-        <p14:creationId xmlns:p14="http://schemas.microsoft.com/office/powerpoint/2010/main" val="2196429559"/>
+        <p14:creationId xmlns:p14="http://schemas.microsoft.com/office/powerpoint/2010/main" val="2583328572"/>
       </p:ext>
     </p:extLst>
   </p:cSld>

--- a/lessons/lesson_3/lecture3.pptx
+++ b/lessons/lesson_3/lecture3.pptx
@@ -5,25 +5,24 @@
     <p:sldMasterId id="2147483648" r:id="rId1"/>
   </p:sldMasterIdLst>
   <p:sldIdLst>
-    <p:sldId id="256" r:id="rId2"/>
-    <p:sldId id="267" r:id="rId3"/>
-    <p:sldId id="269" r:id="rId4"/>
-    <p:sldId id="268" r:id="rId5"/>
-    <p:sldId id="270" r:id="rId6"/>
-    <p:sldId id="271" r:id="rId7"/>
-    <p:sldId id="272" r:id="rId8"/>
-    <p:sldId id="273" r:id="rId9"/>
-    <p:sldId id="259" r:id="rId10"/>
-    <p:sldId id="257" r:id="rId11"/>
-    <p:sldId id="258" r:id="rId12"/>
-    <p:sldId id="260" r:id="rId13"/>
-    <p:sldId id="261" r:id="rId14"/>
-    <p:sldId id="262" r:id="rId15"/>
-    <p:sldId id="263" r:id="rId16"/>
-    <p:sldId id="264" r:id="rId17"/>
-    <p:sldId id="265" r:id="rId18"/>
-    <p:sldId id="266" r:id="rId19"/>
-    <p:sldId id="274" r:id="rId20"/>
+    <p:sldId id="267" r:id="rId2"/>
+    <p:sldId id="269" r:id="rId3"/>
+    <p:sldId id="268" r:id="rId4"/>
+    <p:sldId id="270" r:id="rId5"/>
+    <p:sldId id="271" r:id="rId6"/>
+    <p:sldId id="272" r:id="rId7"/>
+    <p:sldId id="273" r:id="rId8"/>
+    <p:sldId id="259" r:id="rId9"/>
+    <p:sldId id="257" r:id="rId10"/>
+    <p:sldId id="258" r:id="rId11"/>
+    <p:sldId id="260" r:id="rId12"/>
+    <p:sldId id="261" r:id="rId13"/>
+    <p:sldId id="262" r:id="rId14"/>
+    <p:sldId id="263" r:id="rId15"/>
+    <p:sldId id="264" r:id="rId16"/>
+    <p:sldId id="265" r:id="rId17"/>
+    <p:sldId id="266" r:id="rId18"/>
+    <p:sldId id="274" r:id="rId19"/>
   </p:sldIdLst>
   <p:sldSz cx="12192000" cy="6858000"/>
   <p:notesSz cx="6858000" cy="9144000"/>
@@ -122,6 +121,11 @@
       </a:defRPr>
     </a:lvl9pPr>
   </p:defaultTextStyle>
+  <p:extLst>
+    <p:ext uri="{EFAFB233-063F-42B5-8137-9DF3F51BA10A}">
+      <p15:sldGuideLst xmlns:p15="http://schemas.microsoft.com/office/powerpoint/2012/main"/>
+    </p:ext>
+  </p:extLst>
 </p:presentation>
 </file>
 
@@ -274,7 +278,7 @@
           <a:p>
             <a:fld id="{B92A3AC5-2351-EB4B-9B00-5519DF162E9D}" type="datetimeFigureOut">
               <a:rPr lang="en-DK" smtClean="0"/>
-              <a:t>21/01/2025</a:t>
+              <a:t>22/01/2025</a:t>
             </a:fld>
             <a:endParaRPr lang="en-DK"/>
           </a:p>
@@ -474,7 +478,7 @@
           <a:p>
             <a:fld id="{B92A3AC5-2351-EB4B-9B00-5519DF162E9D}" type="datetimeFigureOut">
               <a:rPr lang="en-DK" smtClean="0"/>
-              <a:t>21/01/2025</a:t>
+              <a:t>22/01/2025</a:t>
             </a:fld>
             <a:endParaRPr lang="en-DK"/>
           </a:p>
@@ -684,7 +688,7 @@
           <a:p>
             <a:fld id="{B92A3AC5-2351-EB4B-9B00-5519DF162E9D}" type="datetimeFigureOut">
               <a:rPr lang="en-DK" smtClean="0"/>
-              <a:t>21/01/2025</a:t>
+              <a:t>22/01/2025</a:t>
             </a:fld>
             <a:endParaRPr lang="en-DK"/>
           </a:p>
@@ -884,7 +888,7 @@
           <a:p>
             <a:fld id="{B92A3AC5-2351-EB4B-9B00-5519DF162E9D}" type="datetimeFigureOut">
               <a:rPr lang="en-DK" smtClean="0"/>
-              <a:t>21/01/2025</a:t>
+              <a:t>22/01/2025</a:t>
             </a:fld>
             <a:endParaRPr lang="en-DK"/>
           </a:p>
@@ -1160,7 +1164,7 @@
           <a:p>
             <a:fld id="{B92A3AC5-2351-EB4B-9B00-5519DF162E9D}" type="datetimeFigureOut">
               <a:rPr lang="en-DK" smtClean="0"/>
-              <a:t>21/01/2025</a:t>
+              <a:t>22/01/2025</a:t>
             </a:fld>
             <a:endParaRPr lang="en-DK"/>
           </a:p>
@@ -1428,7 +1432,7 @@
           <a:p>
             <a:fld id="{B92A3AC5-2351-EB4B-9B00-5519DF162E9D}" type="datetimeFigureOut">
               <a:rPr lang="en-DK" smtClean="0"/>
-              <a:t>21/01/2025</a:t>
+              <a:t>22/01/2025</a:t>
             </a:fld>
             <a:endParaRPr lang="en-DK"/>
           </a:p>
@@ -1843,7 +1847,7 @@
           <a:p>
             <a:fld id="{B92A3AC5-2351-EB4B-9B00-5519DF162E9D}" type="datetimeFigureOut">
               <a:rPr lang="en-DK" smtClean="0"/>
-              <a:t>21/01/2025</a:t>
+              <a:t>22/01/2025</a:t>
             </a:fld>
             <a:endParaRPr lang="en-DK"/>
           </a:p>
@@ -1985,7 +1989,7 @@
           <a:p>
             <a:fld id="{B92A3AC5-2351-EB4B-9B00-5519DF162E9D}" type="datetimeFigureOut">
               <a:rPr lang="en-DK" smtClean="0"/>
-              <a:t>21/01/2025</a:t>
+              <a:t>22/01/2025</a:t>
             </a:fld>
             <a:endParaRPr lang="en-DK"/>
           </a:p>
@@ -2098,7 +2102,7 @@
           <a:p>
             <a:fld id="{B92A3AC5-2351-EB4B-9B00-5519DF162E9D}" type="datetimeFigureOut">
               <a:rPr lang="en-DK" smtClean="0"/>
-              <a:t>21/01/2025</a:t>
+              <a:t>22/01/2025</a:t>
             </a:fld>
             <a:endParaRPr lang="en-DK"/>
           </a:p>
@@ -2411,7 +2415,7 @@
           <a:p>
             <a:fld id="{B92A3AC5-2351-EB4B-9B00-5519DF162E9D}" type="datetimeFigureOut">
               <a:rPr lang="en-DK" smtClean="0"/>
-              <a:t>21/01/2025</a:t>
+              <a:t>22/01/2025</a:t>
             </a:fld>
             <a:endParaRPr lang="en-DK"/>
           </a:p>
@@ -2700,7 +2704,7 @@
           <a:p>
             <a:fld id="{B92A3AC5-2351-EB4B-9B00-5519DF162E9D}" type="datetimeFigureOut">
               <a:rPr lang="en-DK" smtClean="0"/>
-              <a:t>21/01/2025</a:t>
+              <a:t>22/01/2025</a:t>
             </a:fld>
             <a:endParaRPr lang="en-DK"/>
           </a:p>
@@ -2943,7 +2947,7 @@
           <a:p>
             <a:fld id="{B92A3AC5-2351-EB4B-9B00-5519DF162E9D}" type="datetimeFigureOut">
               <a:rPr lang="en-DK" smtClean="0"/>
-              <a:t>21/01/2025</a:t>
+              <a:t>22/01/2025</a:t>
             </a:fld>
             <a:endParaRPr lang="en-DK"/>
           </a:p>
@@ -3365,65 +3369,7 @@
           <p:cNvPr id="2" name="Title 1">
             <a:extLst>
               <a:ext uri="{FF2B5EF4-FFF2-40B4-BE49-F238E27FC236}">
-                <a16:creationId xmlns:a16="http://schemas.microsoft.com/office/drawing/2014/main" id="{17AEB823-B2B9-A283-3C9E-78B47C0997F3}"/>
-              </a:ext>
-            </a:extLst>
-          </p:cNvPr>
-          <p:cNvSpPr>
-            <a:spLocks noGrp="1"/>
-          </p:cNvSpPr>
-          <p:nvPr>
-            <p:ph type="ctrTitle"/>
-          </p:nvPr>
-        </p:nvSpPr>
-        <p:spPr/>
-        <p:txBody>
-          <a:bodyPr/>
-          <a:lstStyle/>
-          <a:p>
-            <a:r>
-              <a:rPr lang="en-DK" dirty="0"/>
-              <a:t>Potentials</a:t>
-            </a:r>
-          </a:p>
-        </p:txBody>
-      </p:sp>
-    </p:spTree>
-    <p:extLst>
-      <p:ext uri="{BB962C8B-B14F-4D97-AF65-F5344CB8AC3E}">
-        <p14:creationId xmlns:p14="http://schemas.microsoft.com/office/powerpoint/2010/main" val="1739215066"/>
-      </p:ext>
-    </p:extLst>
-  </p:cSld>
-  <p:clrMapOvr>
-    <a:masterClrMapping/>
-  </p:clrMapOvr>
-</p:sld>
-</file>
-
-<file path=ppt/slides/slide10.xml><?xml version="1.0" encoding="utf-8"?>
-<p:sld xmlns:a="http://schemas.openxmlformats.org/drawingml/2006/main" xmlns:r="http://schemas.openxmlformats.org/officeDocument/2006/relationships" xmlns:p="http://schemas.openxmlformats.org/presentationml/2006/main">
-  <p:cSld>
-    <p:spTree>
-      <p:nvGrpSpPr>
-        <p:cNvPr id="1" name=""/>
-        <p:cNvGrpSpPr/>
-        <p:nvPr/>
-      </p:nvGrpSpPr>
-      <p:grpSpPr>
-        <a:xfrm>
-          <a:off x="0" y="0"/>
-          <a:ext cx="0" cy="0"/>
-          <a:chOff x="0" y="0"/>
-          <a:chExt cx="0" cy="0"/>
-        </a:xfrm>
-      </p:grpSpPr>
-      <p:sp>
-        <p:nvSpPr>
-          <p:cNvPr id="2" name="Title 1">
-            <a:extLst>
-              <a:ext uri="{FF2B5EF4-FFF2-40B4-BE49-F238E27FC236}">
-                <a16:creationId xmlns:a16="http://schemas.microsoft.com/office/drawing/2014/main" id="{B82B09A3-D92F-D949-C118-7C1BABF0174C}"/>
+                <a16:creationId xmlns:a16="http://schemas.microsoft.com/office/drawing/2014/main" id="{88AFB721-957D-BEE9-9587-64D7185C6BE4}"/>
               </a:ext>
             </a:extLst>
           </p:cNvPr>
@@ -3441,17 +3387,292 @@
           <a:p>
             <a:r>
               <a:rPr lang="en-DK" dirty="0"/>
-              <a:t>Atoms</a:t>
+              <a:t>Recap: Derivatives using torch</a:t>
             </a:r>
           </a:p>
         </p:txBody>
       </p:sp>
+      <mc:AlternateContent xmlns:mc="http://schemas.openxmlformats.org/markup-compatibility/2006" xmlns:a14="http://schemas.microsoft.com/office/drawing/2010/main">
+        <mc:Choice Requires="a14">
+          <p:sp>
+            <p:nvSpPr>
+              <p:cNvPr id="4" name="TextBox 3">
+                <a:extLst>
+                  <a:ext uri="{FF2B5EF4-FFF2-40B4-BE49-F238E27FC236}">
+                    <a16:creationId xmlns:a16="http://schemas.microsoft.com/office/drawing/2014/main" id="{1AD5FA00-C094-226A-D142-D5B12BFA17A3}"/>
+                  </a:ext>
+                </a:extLst>
+              </p:cNvPr>
+              <p:cNvSpPr txBox="1"/>
+              <p:nvPr/>
+            </p:nvSpPr>
+            <p:spPr>
+              <a:xfrm>
+                <a:off x="1699889" y="3046522"/>
+                <a:ext cx="1857303" cy="492443"/>
+              </a:xfrm>
+              <a:prstGeom prst="rect">
+                <a:avLst/>
+              </a:prstGeom>
+              <a:noFill/>
+            </p:spPr>
+            <p:txBody>
+              <a:bodyPr wrap="none" lIns="0" tIns="0" rIns="0" bIns="0" rtlCol="0">
+                <a:spAutoFit/>
+              </a:bodyPr>
+              <a:lstStyle/>
+              <a:p>
+                <a:pPr/>
+                <a14:m>
+                  <m:oMathPara xmlns:m="http://schemas.openxmlformats.org/officeDocument/2006/math">
+                    <m:oMathParaPr>
+                      <m:jc m:val="centerGroup"/>
+                    </m:oMathParaPr>
+                    <m:oMath xmlns:m="http://schemas.openxmlformats.org/officeDocument/2006/math">
+                      <m:r>
+                        <a:rPr lang="da-DK" sz="3200" b="0" i="1" smtClean="0">
+                          <a:latin typeface="Cambria Math" panose="02040503050406030204" pitchFamily="18" charset="0"/>
+                        </a:rPr>
+                        <m:t>𝑓</m:t>
+                      </m:r>
+                      <m:d>
+                        <m:dPr>
+                          <m:ctrlPr>
+                            <a:rPr lang="da-DK" sz="3200" b="0" i="1" smtClean="0">
+                              <a:latin typeface="Cambria Math" panose="02040503050406030204" pitchFamily="18" charset="0"/>
+                            </a:rPr>
+                          </m:ctrlPr>
+                        </m:dPr>
+                        <m:e>
+                          <m:r>
+                            <a:rPr lang="da-DK" sz="3200" b="0" i="1" smtClean="0">
+                              <a:latin typeface="Cambria Math" panose="02040503050406030204" pitchFamily="18" charset="0"/>
+                            </a:rPr>
+                            <m:t>𝑥</m:t>
+                          </m:r>
+                        </m:e>
+                      </m:d>
+                      <m:r>
+                        <a:rPr lang="da-DK" sz="3200" b="0" i="1" smtClean="0">
+                          <a:latin typeface="Cambria Math" panose="02040503050406030204" pitchFamily="18" charset="0"/>
+                        </a:rPr>
+                        <m:t>=</m:t>
+                      </m:r>
+                      <m:sSup>
+                        <m:sSupPr>
+                          <m:ctrlPr>
+                            <a:rPr lang="da-DK" sz="3200" b="0" i="1" smtClean="0">
+                              <a:latin typeface="Cambria Math" panose="02040503050406030204" pitchFamily="18" charset="0"/>
+                            </a:rPr>
+                          </m:ctrlPr>
+                        </m:sSupPr>
+                        <m:e>
+                          <m:r>
+                            <a:rPr lang="da-DK" sz="3200" b="0" i="1" smtClean="0">
+                              <a:latin typeface="Cambria Math" panose="02040503050406030204" pitchFamily="18" charset="0"/>
+                            </a:rPr>
+                            <m:t>𝑥</m:t>
+                          </m:r>
+                        </m:e>
+                        <m:sup>
+                          <m:r>
+                            <a:rPr lang="da-DK" sz="3200" b="0" i="1" smtClean="0">
+                              <a:latin typeface="Cambria Math" panose="02040503050406030204" pitchFamily="18" charset="0"/>
+                            </a:rPr>
+                            <m:t>2</m:t>
+                          </m:r>
+                        </m:sup>
+                      </m:sSup>
+                    </m:oMath>
+                  </m:oMathPara>
+                </a14:m>
+                <a:endParaRPr lang="en-DK" sz="3200" dirty="0"/>
+              </a:p>
+            </p:txBody>
+          </p:sp>
+        </mc:Choice>
+        <mc:Fallback xmlns="">
+          <p:sp>
+            <p:nvSpPr>
+              <p:cNvPr id="4" name="TextBox 3">
+                <a:extLst>
+                  <a:ext uri="{FF2B5EF4-FFF2-40B4-BE49-F238E27FC236}">
+                    <a16:creationId xmlns:a16="http://schemas.microsoft.com/office/drawing/2014/main" id="{1AD5FA00-C094-226A-D142-D5B12BFA17A3}"/>
+                  </a:ext>
+                </a:extLst>
+              </p:cNvPr>
+              <p:cNvSpPr txBox="1">
+                <a:spLocks noRot="1" noChangeAspect="1" noMove="1" noResize="1" noEditPoints="1" noAdjustHandles="1" noChangeArrowheads="1" noChangeShapeType="1" noTextEdit="1"/>
+              </p:cNvSpPr>
+              <p:nvPr/>
+            </p:nvSpPr>
+            <p:spPr>
+              <a:xfrm>
+                <a:off x="1699889" y="3046522"/>
+                <a:ext cx="1857303" cy="492443"/>
+              </a:xfrm>
+              <a:prstGeom prst="rect">
+                <a:avLst/>
+              </a:prstGeom>
+              <a:blipFill>
+                <a:blip r:embed="rId2"/>
+                <a:stretch>
+                  <a:fillRect l="-7432" t="-2564" r="-1351" b="-33333"/>
+                </a:stretch>
+              </a:blipFill>
+            </p:spPr>
+            <p:txBody>
+              <a:bodyPr/>
+              <a:lstStyle/>
+              <a:p>
+                <a:r>
+                  <a:rPr lang="en-DK">
+                    <a:noFill/>
+                  </a:rPr>
+                  <a:t> </a:t>
+                </a:r>
+              </a:p>
+            </p:txBody>
+          </p:sp>
+        </mc:Fallback>
+      </mc:AlternateContent>
+      <mc:AlternateContent xmlns:mc="http://schemas.openxmlformats.org/markup-compatibility/2006" xmlns:a14="http://schemas.microsoft.com/office/drawing/2010/main">
+        <mc:Choice Requires="a14">
+          <p:sp>
+            <p:nvSpPr>
+              <p:cNvPr id="5" name="TextBox 4">
+                <a:extLst>
+                  <a:ext uri="{FF2B5EF4-FFF2-40B4-BE49-F238E27FC236}">
+                    <a16:creationId xmlns:a16="http://schemas.microsoft.com/office/drawing/2014/main" id="{27C2E11E-4B04-09DE-986A-9C3D894FEA23}"/>
+                  </a:ext>
+                </a:extLst>
+              </p:cNvPr>
+              <p:cNvSpPr txBox="1"/>
+              <p:nvPr/>
+            </p:nvSpPr>
+            <p:spPr>
+              <a:xfrm>
+                <a:off x="1639296" y="3850957"/>
+                <a:ext cx="1978490" cy="492443"/>
+              </a:xfrm>
+              <a:prstGeom prst="rect">
+                <a:avLst/>
+              </a:prstGeom>
+              <a:noFill/>
+            </p:spPr>
+            <p:txBody>
+              <a:bodyPr wrap="none" lIns="0" tIns="0" rIns="0" bIns="0" rtlCol="0">
+                <a:spAutoFit/>
+              </a:bodyPr>
+              <a:lstStyle/>
+              <a:p>
+                <a:pPr/>
+                <a14:m>
+                  <m:oMathPara xmlns:m="http://schemas.openxmlformats.org/officeDocument/2006/math">
+                    <m:oMathParaPr>
+                      <m:jc m:val="centerGroup"/>
+                    </m:oMathParaPr>
+                    <m:oMath xmlns:m="http://schemas.openxmlformats.org/officeDocument/2006/math">
+                      <m:r>
+                        <a:rPr lang="da-DK" sz="3200" b="0" i="1" smtClean="0">
+                          <a:latin typeface="Cambria Math" panose="02040503050406030204" pitchFamily="18" charset="0"/>
+                        </a:rPr>
+                        <m:t>𝑓</m:t>
+                      </m:r>
+                      <m:r>
+                        <a:rPr lang="da-DK" sz="3200" b="0" i="1" smtClean="0">
+                          <a:latin typeface="Cambria Math" panose="02040503050406030204" pitchFamily="18" charset="0"/>
+                        </a:rPr>
+                        <m:t>′</m:t>
+                      </m:r>
+                      <m:d>
+                        <m:dPr>
+                          <m:ctrlPr>
+                            <a:rPr lang="da-DK" sz="3200" b="0" i="1" smtClean="0">
+                              <a:latin typeface="Cambria Math" panose="02040503050406030204" pitchFamily="18" charset="0"/>
+                            </a:rPr>
+                          </m:ctrlPr>
+                        </m:dPr>
+                        <m:e>
+                          <m:r>
+                            <a:rPr lang="da-DK" sz="3200" b="0" i="1" smtClean="0">
+                              <a:latin typeface="Cambria Math" panose="02040503050406030204" pitchFamily="18" charset="0"/>
+                            </a:rPr>
+                            <m:t>𝑥</m:t>
+                          </m:r>
+                        </m:e>
+                      </m:d>
+                      <m:r>
+                        <a:rPr lang="da-DK" sz="3200" b="0" i="1" smtClean="0">
+                          <a:latin typeface="Cambria Math" panose="02040503050406030204" pitchFamily="18" charset="0"/>
+                        </a:rPr>
+                        <m:t>=2</m:t>
+                      </m:r>
+                      <m:r>
+                        <a:rPr lang="da-DK" sz="3200" b="0" i="1" smtClean="0">
+                          <a:latin typeface="Cambria Math" panose="02040503050406030204" pitchFamily="18" charset="0"/>
+                        </a:rPr>
+                        <m:t>𝑥</m:t>
+                      </m:r>
+                    </m:oMath>
+                  </m:oMathPara>
+                </a14:m>
+                <a:endParaRPr lang="en-DK" sz="3200" dirty="0"/>
+              </a:p>
+            </p:txBody>
+          </p:sp>
+        </mc:Choice>
+        <mc:Fallback xmlns="">
+          <p:sp>
+            <p:nvSpPr>
+              <p:cNvPr id="5" name="TextBox 4">
+                <a:extLst>
+                  <a:ext uri="{FF2B5EF4-FFF2-40B4-BE49-F238E27FC236}">
+                    <a16:creationId xmlns:a16="http://schemas.microsoft.com/office/drawing/2014/main" id="{27C2E11E-4B04-09DE-986A-9C3D894FEA23}"/>
+                  </a:ext>
+                </a:extLst>
+              </p:cNvPr>
+              <p:cNvSpPr txBox="1">
+                <a:spLocks noRot="1" noChangeAspect="1" noMove="1" noResize="1" noEditPoints="1" noAdjustHandles="1" noChangeArrowheads="1" noChangeShapeType="1" noTextEdit="1"/>
+              </p:cNvSpPr>
+              <p:nvPr/>
+            </p:nvSpPr>
+            <p:spPr>
+              <a:xfrm>
+                <a:off x="1639296" y="3850957"/>
+                <a:ext cx="1978490" cy="492443"/>
+              </a:xfrm>
+              <a:prstGeom prst="rect">
+                <a:avLst/>
+              </a:prstGeom>
+              <a:blipFill>
+                <a:blip r:embed="rId3"/>
+                <a:stretch>
+                  <a:fillRect l="-8333" t="-7500" r="-3846" b="-35000"/>
+                </a:stretch>
+              </a:blipFill>
+            </p:spPr>
+            <p:txBody>
+              <a:bodyPr/>
+              <a:lstStyle/>
+              <a:p>
+                <a:r>
+                  <a:rPr lang="en-DK">
+                    <a:noFill/>
+                  </a:rPr>
+                  <a:t> </a:t>
+                </a:r>
+              </a:p>
+            </p:txBody>
+          </p:sp>
+        </mc:Fallback>
+      </mc:AlternateContent>
       <p:pic>
         <p:nvPicPr>
-          <p:cNvPr id="6" name="Picture 5">
-            <a:extLst>
-              <a:ext uri="{FF2B5EF4-FFF2-40B4-BE49-F238E27FC236}">
-                <a16:creationId xmlns:a16="http://schemas.microsoft.com/office/drawing/2014/main" id="{2841D1F3-6D21-DF55-D686-AEDEE6A17CE1}"/>
+          <p:cNvPr id="6" name="Picture 5" descr="A computer screen shot of a program&#10;&#10;AI-generated content may be incorrect.">
+            <a:extLst>
+              <a:ext uri="{FF2B5EF4-FFF2-40B4-BE49-F238E27FC236}">
+                <a16:creationId xmlns:a16="http://schemas.microsoft.com/office/drawing/2014/main" id="{3670246A-3238-048F-F0CA-292C9B7A0A49}"/>
               </a:ext>
             </a:extLst>
           </p:cNvPr>
@@ -3461,102 +3682,35 @@
           <p:nvPr/>
         </p:nvPicPr>
         <p:blipFill>
-          <a:blip r:embed="rId2"/>
+          <a:blip r:embed="rId4"/>
           <a:stretch>
             <a:fillRect/>
           </a:stretch>
         </p:blipFill>
         <p:spPr>
           <a:xfrm>
-            <a:off x="739237" y="2816192"/>
-            <a:ext cx="10614563" cy="1110525"/>
+            <a:off x="4645135" y="2122657"/>
+            <a:ext cx="6057494" cy="3456600"/>
           </a:xfrm>
           <a:prstGeom prst="rect">
             <a:avLst/>
           </a:prstGeom>
+          <a:ln>
+            <a:noFill/>
+          </a:ln>
+          <a:effectLst>
+            <a:outerShdw blurRad="292100" dist="139700" dir="2700000" algn="tl" rotWithShape="0">
+              <a:srgbClr val="333333">
+                <a:alpha val="65000"/>
+              </a:srgbClr>
+            </a:outerShdw>
+          </a:effectLst>
         </p:spPr>
       </p:pic>
-      <p:sp>
-        <p:nvSpPr>
-          <p:cNvPr id="7" name="TextBox 6">
-            <a:extLst>
-              <a:ext uri="{FF2B5EF4-FFF2-40B4-BE49-F238E27FC236}">
-                <a16:creationId xmlns:a16="http://schemas.microsoft.com/office/drawing/2014/main" id="{898CFF2D-BA6B-8134-2C5E-C09B4A3D877F}"/>
-              </a:ext>
-            </a:extLst>
-          </p:cNvPr>
-          <p:cNvSpPr txBox="1"/>
-          <p:nvPr/>
-        </p:nvSpPr>
-        <p:spPr>
-          <a:xfrm>
-            <a:off x="1206504" y="2436350"/>
-            <a:ext cx="9680027" cy="369332"/>
-          </a:xfrm>
-          <a:prstGeom prst="rect">
-            <a:avLst/>
-          </a:prstGeom>
-          <a:noFill/>
-        </p:spPr>
-        <p:txBody>
-          <a:bodyPr wrap="square" rtlCol="0">
-            <a:spAutoFit/>
-          </a:bodyPr>
-          <a:lstStyle/>
-          <a:p>
-            <a:r>
-              <a:rPr lang="en-GB" dirty="0"/>
-              <a:t>The many-electron time-independent Schrödinger equation is what governs at the atomic scale </a:t>
-            </a:r>
-            <a:endParaRPr lang="en-DK" dirty="0"/>
-          </a:p>
-        </p:txBody>
-      </p:sp>
-      <p:sp>
-        <p:nvSpPr>
-          <p:cNvPr id="8" name="TextBox 7">
-            <a:extLst>
-              <a:ext uri="{FF2B5EF4-FFF2-40B4-BE49-F238E27FC236}">
-                <a16:creationId xmlns:a16="http://schemas.microsoft.com/office/drawing/2014/main" id="{E6DE4961-3E1B-1453-0C86-6A6F161C6C75}"/>
-              </a:ext>
-            </a:extLst>
-          </p:cNvPr>
-          <p:cNvSpPr txBox="1"/>
-          <p:nvPr/>
-        </p:nvSpPr>
-        <p:spPr>
-          <a:xfrm>
-            <a:off x="1206503" y="4060199"/>
-            <a:ext cx="9680027" cy="646331"/>
-          </a:xfrm>
-          <a:prstGeom prst="rect">
-            <a:avLst/>
-          </a:prstGeom>
-          <a:noFill/>
-        </p:spPr>
-        <p:txBody>
-          <a:bodyPr wrap="square" rtlCol="0">
-            <a:spAutoFit/>
-          </a:bodyPr>
-          <a:lstStyle/>
-          <a:p>
-            <a:r>
-              <a:rPr lang="en-DK" dirty="0"/>
-              <a:t>Generally unsolvable – so that’s a nice starting point. However, plenty of approximations exists, </a:t>
-            </a:r>
-          </a:p>
-          <a:p>
-            <a:r>
-              <a:rPr lang="en-DK" dirty="0"/>
-              <a:t>specifically computational approximations. </a:t>
-            </a:r>
-          </a:p>
-        </p:txBody>
-      </p:sp>
     </p:spTree>
     <p:extLst>
       <p:ext uri="{BB962C8B-B14F-4D97-AF65-F5344CB8AC3E}">
-        <p14:creationId xmlns:p14="http://schemas.microsoft.com/office/powerpoint/2010/main" val="682773001"/>
+        <p14:creationId xmlns:p14="http://schemas.microsoft.com/office/powerpoint/2010/main" val="1071640773"/>
       </p:ext>
     </p:extLst>
   </p:cSld>
@@ -3566,7 +3720,7 @@
 </p:sld>
 </file>
 
-<file path=ppt/slides/slide11.xml><?xml version="1.0" encoding="utf-8"?>
+<file path=ppt/slides/slide10.xml><?xml version="1.0" encoding="utf-8"?>
 <p:sld xmlns:a="http://schemas.openxmlformats.org/drawingml/2006/main" xmlns:r="http://schemas.openxmlformats.org/officeDocument/2006/relationships" xmlns:p="http://schemas.openxmlformats.org/presentationml/2006/main">
   <p:cSld>
     <p:spTree>
@@ -3683,8 +3837,8 @@
           </a:fontRef>
         </p:style>
       </p:cxnSp>
-      <mc:AlternateContent xmlns:mc="http://schemas.openxmlformats.org/markup-compatibility/2006">
-        <mc:Choice xmlns:a14="http://schemas.microsoft.com/office/drawing/2010/main" Requires="a14">
+      <mc:AlternateContent xmlns:mc="http://schemas.openxmlformats.org/markup-compatibility/2006" xmlns:a14="http://schemas.microsoft.com/office/drawing/2010/main">
+        <mc:Choice Requires="a14">
           <p:sp>
             <p:nvSpPr>
               <p:cNvPr id="9" name="TextBox 8">
@@ -3732,7 +3886,7 @@
             </p:txBody>
           </p:sp>
         </mc:Choice>
-        <mc:Fallback>
+        <mc:Fallback xmlns="">
           <p:sp>
             <p:nvSpPr>
               <p:cNvPr id="9" name="TextBox 8">
@@ -3821,8 +3975,8 @@
           </a:fontRef>
         </p:style>
       </p:cxnSp>
-      <mc:AlternateContent xmlns:mc="http://schemas.openxmlformats.org/markup-compatibility/2006">
-        <mc:Choice xmlns:a14="http://schemas.microsoft.com/office/drawing/2010/main" Requires="a14">
+      <mc:AlternateContent xmlns:mc="http://schemas.openxmlformats.org/markup-compatibility/2006" xmlns:a14="http://schemas.microsoft.com/office/drawing/2010/main">
+        <mc:Choice Requires="a14">
           <p:sp>
             <p:nvSpPr>
               <p:cNvPr id="11" name="TextBox 10">
@@ -3923,7 +4077,7 @@
             </p:txBody>
           </p:sp>
         </mc:Choice>
-        <mc:Fallback>
+        <mc:Fallback xmlns="">
           <p:sp>
             <p:nvSpPr>
               <p:cNvPr id="11" name="TextBox 10">
@@ -4139,7 +4293,7 @@
 </p:sld>
 </file>
 
-<file path=ppt/slides/slide12.xml><?xml version="1.0" encoding="utf-8"?>
+<file path=ppt/slides/slide11.xml><?xml version="1.0" encoding="utf-8"?>
 <p:sld xmlns:a="http://schemas.openxmlformats.org/drawingml/2006/main" xmlns:r="http://schemas.openxmlformats.org/officeDocument/2006/relationships" xmlns:p="http://schemas.openxmlformats.org/presentationml/2006/main">
   <p:cSld>
     <p:spTree>
@@ -5257,7 +5411,7 @@
 </p:sld>
 </file>
 
-<file path=ppt/slides/slide13.xml><?xml version="1.0" encoding="utf-8"?>
+<file path=ppt/slides/slide12.xml><?xml version="1.0" encoding="utf-8"?>
 <p:sld xmlns:a="http://schemas.openxmlformats.org/drawingml/2006/main" xmlns:r="http://schemas.openxmlformats.org/officeDocument/2006/relationships" xmlns:p="http://schemas.openxmlformats.org/presentationml/2006/main">
   <p:cSld>
     <p:spTree>
@@ -8275,7 +8429,7 @@
 </p:sld>
 </file>
 
-<file path=ppt/slides/slide14.xml><?xml version="1.0" encoding="utf-8"?>
+<file path=ppt/slides/slide13.xml><?xml version="1.0" encoding="utf-8"?>
 <p:sld xmlns:a="http://schemas.openxmlformats.org/drawingml/2006/main" xmlns:r="http://schemas.openxmlformats.org/officeDocument/2006/relationships" xmlns:p="http://schemas.openxmlformats.org/presentationml/2006/main">
   <p:cSld>
     <p:spTree>
@@ -12095,7 +12249,7 @@
 </p:sld>
 </file>
 
-<file path=ppt/slides/slide15.xml><?xml version="1.0" encoding="utf-8"?>
+<file path=ppt/slides/slide14.xml><?xml version="1.0" encoding="utf-8"?>
 <p:sld xmlns:a="http://schemas.openxmlformats.org/drawingml/2006/main" xmlns:r="http://schemas.openxmlformats.org/officeDocument/2006/relationships" xmlns:p="http://schemas.openxmlformats.org/presentationml/2006/main">
   <p:cSld>
     <p:spTree>
@@ -12184,6 +12338,193 @@
     <p:extLst>
       <p:ext uri="{BB962C8B-B14F-4D97-AF65-F5344CB8AC3E}">
         <p14:creationId xmlns:p14="http://schemas.microsoft.com/office/powerpoint/2010/main" val="459301213"/>
+      </p:ext>
+    </p:extLst>
+  </p:cSld>
+  <p:clrMapOvr>
+    <a:masterClrMapping/>
+  </p:clrMapOvr>
+</p:sld>
+</file>
+
+<file path=ppt/slides/slide15.xml><?xml version="1.0" encoding="utf-8"?>
+<p:sld xmlns:a="http://schemas.openxmlformats.org/drawingml/2006/main" xmlns:r="http://schemas.openxmlformats.org/officeDocument/2006/relationships" xmlns:p="http://schemas.openxmlformats.org/presentationml/2006/main">
+  <p:cSld>
+    <p:spTree>
+      <p:nvGrpSpPr>
+        <p:cNvPr id="1" name=""/>
+        <p:cNvGrpSpPr/>
+        <p:nvPr/>
+      </p:nvGrpSpPr>
+      <p:grpSpPr>
+        <a:xfrm>
+          <a:off x="0" y="0"/>
+          <a:ext cx="0" cy="0"/>
+          <a:chOff x="0" y="0"/>
+          <a:chExt cx="0" cy="0"/>
+        </a:xfrm>
+      </p:grpSpPr>
+      <p:sp>
+        <p:nvSpPr>
+          <p:cNvPr id="7" name="Title 6">
+            <a:extLst>
+              <a:ext uri="{FF2B5EF4-FFF2-40B4-BE49-F238E27FC236}">
+                <a16:creationId xmlns:a16="http://schemas.microsoft.com/office/drawing/2014/main" id="{F9A813DD-BEB6-B3D7-C855-D5519AE9DEBA}"/>
+              </a:ext>
+            </a:extLst>
+          </p:cNvPr>
+          <p:cNvSpPr>
+            <a:spLocks noGrp="1"/>
+          </p:cNvSpPr>
+          <p:nvPr>
+            <p:ph type="title"/>
+          </p:nvPr>
+        </p:nvSpPr>
+        <p:spPr/>
+        <p:txBody>
+          <a:bodyPr/>
+          <a:lstStyle/>
+          <a:p>
+            <a:r>
+              <a:rPr lang="en-DK" dirty="0"/>
+              <a:t>Learning the potential energy</a:t>
+            </a:r>
+          </a:p>
+        </p:txBody>
+      </p:sp>
+      <p:pic>
+        <p:nvPicPr>
+          <p:cNvPr id="11" name="Picture 10" descr="A graph of a graph with orange dots&#10;&#10;AI-generated content may be incorrect.">
+            <a:extLst>
+              <a:ext uri="{FF2B5EF4-FFF2-40B4-BE49-F238E27FC236}">
+                <a16:creationId xmlns:a16="http://schemas.microsoft.com/office/drawing/2014/main" id="{0266B273-463C-BA2A-D1FE-08C37870DC80}"/>
+              </a:ext>
+            </a:extLst>
+          </p:cNvPr>
+          <p:cNvPicPr>
+            <a:picLocks noChangeAspect="1"/>
+          </p:cNvPicPr>
+          <p:nvPr/>
+        </p:nvPicPr>
+        <p:blipFill>
+          <a:blip r:embed="rId2"/>
+          <a:srcRect b="3167"/>
+          <a:stretch/>
+        </p:blipFill>
+        <p:spPr>
+          <a:xfrm>
+            <a:off x="5903091" y="1690688"/>
+            <a:ext cx="4127500" cy="4132043"/>
+          </a:xfrm>
+          <a:prstGeom prst="rect">
+            <a:avLst/>
+          </a:prstGeom>
+        </p:spPr>
+      </p:pic>
+      <p:pic>
+        <p:nvPicPr>
+          <p:cNvPr id="13" name="Picture 12" descr="A math equation with a square and a number&#10;&#10;AI-generated content may be incorrect.">
+            <a:extLst>
+              <a:ext uri="{FF2B5EF4-FFF2-40B4-BE49-F238E27FC236}">
+                <a16:creationId xmlns:a16="http://schemas.microsoft.com/office/drawing/2014/main" id="{E219753C-1BE2-A6C5-BDAF-FE9F4529C60E}"/>
+              </a:ext>
+            </a:extLst>
+          </p:cNvPr>
+          <p:cNvPicPr>
+            <a:picLocks noChangeAspect="1"/>
+          </p:cNvPicPr>
+          <p:nvPr/>
+        </p:nvPicPr>
+        <p:blipFill>
+          <a:blip r:embed="rId3"/>
+          <a:stretch>
+            <a:fillRect/>
+          </a:stretch>
+        </p:blipFill>
+        <p:spPr>
+          <a:xfrm>
+            <a:off x="1698953" y="3481826"/>
+            <a:ext cx="4127500" cy="1003300"/>
+          </a:xfrm>
+          <a:prstGeom prst="rect">
+            <a:avLst/>
+          </a:prstGeom>
+        </p:spPr>
+      </p:pic>
+      <p:sp>
+        <p:nvSpPr>
+          <p:cNvPr id="14" name="TextBox 13">
+            <a:extLst>
+              <a:ext uri="{FF2B5EF4-FFF2-40B4-BE49-F238E27FC236}">
+                <a16:creationId xmlns:a16="http://schemas.microsoft.com/office/drawing/2014/main" id="{C7063C6A-4C6D-7716-3B76-E7D7ED949EFB}"/>
+              </a:ext>
+            </a:extLst>
+          </p:cNvPr>
+          <p:cNvSpPr txBox="1"/>
+          <p:nvPr/>
+        </p:nvSpPr>
+        <p:spPr>
+          <a:xfrm>
+            <a:off x="1996965" y="2782669"/>
+            <a:ext cx="3829488" cy="646331"/>
+          </a:xfrm>
+          <a:prstGeom prst="rect">
+            <a:avLst/>
+          </a:prstGeom>
+          <a:noFill/>
+        </p:spPr>
+        <p:txBody>
+          <a:bodyPr wrap="square" rtlCol="0">
+            <a:spAutoFit/>
+          </a:bodyPr>
+          <a:lstStyle/>
+          <a:p>
+            <a:r>
+              <a:rPr lang="en-DK" dirty="0"/>
+              <a:t>We will fit the parameters of the Lennard Jones potential</a:t>
+            </a:r>
+          </a:p>
+        </p:txBody>
+      </p:sp>
+      <p:sp>
+        <p:nvSpPr>
+          <p:cNvPr id="15" name="TextBox 14">
+            <a:extLst>
+              <a:ext uri="{FF2B5EF4-FFF2-40B4-BE49-F238E27FC236}">
+                <a16:creationId xmlns:a16="http://schemas.microsoft.com/office/drawing/2014/main" id="{546F5798-FC51-2C17-2478-56B21348ED03}"/>
+              </a:ext>
+            </a:extLst>
+          </p:cNvPr>
+          <p:cNvSpPr txBox="1"/>
+          <p:nvPr/>
+        </p:nvSpPr>
+        <p:spPr>
+          <a:xfrm>
+            <a:off x="8751394" y="767358"/>
+            <a:ext cx="2711669" cy="923330"/>
+          </a:xfrm>
+          <a:prstGeom prst="rect">
+            <a:avLst/>
+          </a:prstGeom>
+          <a:noFill/>
+        </p:spPr>
+        <p:txBody>
+          <a:bodyPr wrap="square" rtlCol="0">
+            <a:spAutoFit/>
+          </a:bodyPr>
+          <a:lstStyle/>
+          <a:p>
+            <a:r>
+              <a:rPr lang="en-DK" dirty="0"/>
+              <a:t>Training data is dimers, really just a pretty simple regression</a:t>
+            </a:r>
+          </a:p>
+        </p:txBody>
+      </p:sp>
+    </p:spTree>
+    <p:extLst>
+      <p:ext uri="{BB962C8B-B14F-4D97-AF65-F5344CB8AC3E}">
+        <p14:creationId xmlns:p14="http://schemas.microsoft.com/office/powerpoint/2010/main" val="2196429559"/>
       </p:ext>
     </p:extLst>
   </p:cSld>
@@ -12212,10 +12553,10 @@
       </p:grpSpPr>
       <p:sp>
         <p:nvSpPr>
-          <p:cNvPr id="7" name="Title 6">
-            <a:extLst>
-              <a:ext uri="{FF2B5EF4-FFF2-40B4-BE49-F238E27FC236}">
-                <a16:creationId xmlns:a16="http://schemas.microsoft.com/office/drawing/2014/main" id="{F9A813DD-BEB6-B3D7-C855-D5519AE9DEBA}"/>
+          <p:cNvPr id="2" name="Title 1">
+            <a:extLst>
+              <a:ext uri="{FF2B5EF4-FFF2-40B4-BE49-F238E27FC236}">
+                <a16:creationId xmlns:a16="http://schemas.microsoft.com/office/drawing/2014/main" id="{60D2C595-555A-9920-0EEC-FDFD9F66FFBC}"/>
               </a:ext>
             </a:extLst>
           </p:cNvPr>
@@ -12240,10 +12581,10 @@
       </p:sp>
       <p:pic>
         <p:nvPicPr>
-          <p:cNvPr id="11" name="Picture 10" descr="A graph of a graph with orange dots&#10;&#10;AI-generated content may be incorrect.">
-            <a:extLst>
-              <a:ext uri="{FF2B5EF4-FFF2-40B4-BE49-F238E27FC236}">
-                <a16:creationId xmlns:a16="http://schemas.microsoft.com/office/drawing/2014/main" id="{0266B273-463C-BA2A-D1FE-08C37870DC80}"/>
+          <p:cNvPr id="7" name="Picture 6" descr="A graph of energy and train&#10;&#10;AI-generated content may be incorrect.">
+            <a:extLst>
+              <a:ext uri="{FF2B5EF4-FFF2-40B4-BE49-F238E27FC236}">
+                <a16:creationId xmlns:a16="http://schemas.microsoft.com/office/drawing/2014/main" id="{DF83CB2B-2541-DBDA-742A-614E7C096F23}"/>
               </a:ext>
             </a:extLst>
           </p:cNvPr>
@@ -12254,25 +12595,60 @@
         </p:nvPicPr>
         <p:blipFill>
           <a:blip r:embed="rId2"/>
-          <a:srcRect b="3167"/>
+          <a:srcRect l="1" r="49191"/>
           <a:stretch/>
         </p:blipFill>
         <p:spPr>
           <a:xfrm>
-            <a:off x="5903091" y="1690688"/>
-            <a:ext cx="4127500" cy="4132043"/>
+            <a:off x="6739926" y="2254658"/>
+            <a:ext cx="3949094" cy="3873940"/>
           </a:xfrm>
           <a:prstGeom prst="rect">
             <a:avLst/>
           </a:prstGeom>
         </p:spPr>
       </p:pic>
+      <p:sp>
+        <p:nvSpPr>
+          <p:cNvPr id="8" name="TextBox 7">
+            <a:extLst>
+              <a:ext uri="{FF2B5EF4-FFF2-40B4-BE49-F238E27FC236}">
+                <a16:creationId xmlns:a16="http://schemas.microsoft.com/office/drawing/2014/main" id="{5CC0A5A4-D678-F3A0-FF42-71CC092A0094}"/>
+              </a:ext>
+            </a:extLst>
+          </p:cNvPr>
+          <p:cNvSpPr txBox="1"/>
+          <p:nvPr/>
+        </p:nvSpPr>
+        <p:spPr>
+          <a:xfrm>
+            <a:off x="838200" y="1933903"/>
+            <a:ext cx="5646683" cy="646331"/>
+          </a:xfrm>
+          <a:prstGeom prst="rect">
+            <a:avLst/>
+          </a:prstGeom>
+          <a:noFill/>
+        </p:spPr>
+        <p:txBody>
+          <a:bodyPr wrap="square" rtlCol="0">
+            <a:spAutoFit/>
+          </a:bodyPr>
+          <a:lstStyle/>
+          <a:p>
+            <a:r>
+              <a:rPr lang="en-DK" dirty="0"/>
+              <a:t>Training with cluster configurations, so now we have data with many dimensions (~60). </a:t>
+            </a:r>
+          </a:p>
+        </p:txBody>
+      </p:sp>
       <p:pic>
         <p:nvPicPr>
-          <p:cNvPr id="13" name="Picture 12" descr="A math equation with a square and a number&#10;&#10;AI-generated content may be incorrect.">
-            <a:extLst>
-              <a:ext uri="{FF2B5EF4-FFF2-40B4-BE49-F238E27FC236}">
-                <a16:creationId xmlns:a16="http://schemas.microsoft.com/office/drawing/2014/main" id="{E219753C-1BE2-A6C5-BDAF-FE9F4529C60E}"/>
+          <p:cNvPr id="11" name="Picture 10" descr="A grid with blue dots&#10;&#10;AI-generated content may be incorrect.">
+            <a:extLst>
+              <a:ext uri="{FF2B5EF4-FFF2-40B4-BE49-F238E27FC236}">
+                <a16:creationId xmlns:a16="http://schemas.microsoft.com/office/drawing/2014/main" id="{DA4421A5-A878-2B0E-6858-95CB63C0BA70}"/>
               </a:ext>
             </a:extLst>
           </p:cNvPr>
@@ -12289,8 +12665,8 @@
         </p:blipFill>
         <p:spPr>
           <a:xfrm>
-            <a:off x="1698953" y="3481826"/>
-            <a:ext cx="4127500" cy="1003300"/>
+            <a:off x="838200" y="3136861"/>
+            <a:ext cx="5765788" cy="2281812"/>
           </a:xfrm>
           <a:prstGeom prst="rect">
             <a:avLst/>
@@ -12299,10 +12675,10 @@
       </p:pic>
       <p:sp>
         <p:nvSpPr>
-          <p:cNvPr id="14" name="TextBox 13">
-            <a:extLst>
-              <a:ext uri="{FF2B5EF4-FFF2-40B4-BE49-F238E27FC236}">
-                <a16:creationId xmlns:a16="http://schemas.microsoft.com/office/drawing/2014/main" id="{C7063C6A-4C6D-7716-3B76-E7D7ED949EFB}"/>
+          <p:cNvPr id="12" name="TextBox 11">
+            <a:extLst>
+              <a:ext uri="{FF2B5EF4-FFF2-40B4-BE49-F238E27FC236}">
+                <a16:creationId xmlns:a16="http://schemas.microsoft.com/office/drawing/2014/main" id="{C2BF9FEA-8484-A73C-803D-E7D6B18CF659}"/>
               </a:ext>
             </a:extLst>
           </p:cNvPr>
@@ -12311,8 +12687,8 @@
         </p:nvSpPr>
         <p:spPr>
           <a:xfrm>
-            <a:off x="1996965" y="2782669"/>
-            <a:ext cx="3829488" cy="646331"/>
+            <a:off x="1671145" y="5507421"/>
+            <a:ext cx="4056993" cy="646331"/>
           </a:xfrm>
           <a:prstGeom prst="rect">
             <a:avLst/>
@@ -12327,17 +12703,17 @@
           <a:p>
             <a:r>
               <a:rPr lang="en-DK" dirty="0"/>
-              <a:t>We will fit the parameters of the Lennard Jones potential</a:t>
+              <a:t>Geometries of some small clusters shown here. </a:t>
             </a:r>
           </a:p>
         </p:txBody>
       </p:sp>
       <p:sp>
         <p:nvSpPr>
-          <p:cNvPr id="15" name="TextBox 14">
-            <a:extLst>
-              <a:ext uri="{FF2B5EF4-FFF2-40B4-BE49-F238E27FC236}">
-                <a16:creationId xmlns:a16="http://schemas.microsoft.com/office/drawing/2014/main" id="{546F5798-FC51-2C17-2478-56B21348ED03}"/>
+          <p:cNvPr id="13" name="TextBox 12">
+            <a:extLst>
+              <a:ext uri="{FF2B5EF4-FFF2-40B4-BE49-F238E27FC236}">
+                <a16:creationId xmlns:a16="http://schemas.microsoft.com/office/drawing/2014/main" id="{2A007CDA-F63A-D75C-5867-7C30B5278E21}"/>
               </a:ext>
             </a:extLst>
           </p:cNvPr>
@@ -12346,8 +12722,8 @@
         </p:nvSpPr>
         <p:spPr>
           <a:xfrm>
-            <a:off x="8751394" y="767358"/>
-            <a:ext cx="2711669" cy="923330"/>
+            <a:off x="7865762" y="1229023"/>
+            <a:ext cx="3615559" cy="923330"/>
           </a:xfrm>
           <a:prstGeom prst="rect">
             <a:avLst/>
@@ -12362,7 +12738,7 @@
           <a:p>
             <a:r>
               <a:rPr lang="en-DK" dirty="0"/>
-              <a:t>Training data is dimers, really just a pretty simple regression</a:t>
+              <a:t>Because the data does not come from the LJ-potential, we cannot get a perfect fit. </a:t>
             </a:r>
           </a:p>
         </p:txBody>
@@ -12370,7 +12746,7 @@
     </p:spTree>
     <p:extLst>
       <p:ext uri="{BB962C8B-B14F-4D97-AF65-F5344CB8AC3E}">
-        <p14:creationId xmlns:p14="http://schemas.microsoft.com/office/powerpoint/2010/main" val="2196429559"/>
+        <p14:creationId xmlns:p14="http://schemas.microsoft.com/office/powerpoint/2010/main" val="1902303785"/>
       </p:ext>
     </p:extLst>
   </p:cSld>
@@ -12402,228 +12778,6 @@
           <p:cNvPr id="2" name="Title 1">
             <a:extLst>
               <a:ext uri="{FF2B5EF4-FFF2-40B4-BE49-F238E27FC236}">
-                <a16:creationId xmlns:a16="http://schemas.microsoft.com/office/drawing/2014/main" id="{60D2C595-555A-9920-0EEC-FDFD9F66FFBC}"/>
-              </a:ext>
-            </a:extLst>
-          </p:cNvPr>
-          <p:cNvSpPr>
-            <a:spLocks noGrp="1"/>
-          </p:cNvSpPr>
-          <p:nvPr>
-            <p:ph type="title"/>
-          </p:nvPr>
-        </p:nvSpPr>
-        <p:spPr/>
-        <p:txBody>
-          <a:bodyPr/>
-          <a:lstStyle/>
-          <a:p>
-            <a:r>
-              <a:rPr lang="en-DK" dirty="0"/>
-              <a:t>Learning the potential energy</a:t>
-            </a:r>
-          </a:p>
-        </p:txBody>
-      </p:sp>
-      <p:pic>
-        <p:nvPicPr>
-          <p:cNvPr id="7" name="Picture 6" descr="A graph of energy and train&#10;&#10;AI-generated content may be incorrect.">
-            <a:extLst>
-              <a:ext uri="{FF2B5EF4-FFF2-40B4-BE49-F238E27FC236}">
-                <a16:creationId xmlns:a16="http://schemas.microsoft.com/office/drawing/2014/main" id="{DF83CB2B-2541-DBDA-742A-614E7C096F23}"/>
-              </a:ext>
-            </a:extLst>
-          </p:cNvPr>
-          <p:cNvPicPr>
-            <a:picLocks noChangeAspect="1"/>
-          </p:cNvPicPr>
-          <p:nvPr/>
-        </p:nvPicPr>
-        <p:blipFill>
-          <a:blip r:embed="rId2"/>
-          <a:srcRect l="1" r="49191"/>
-          <a:stretch/>
-        </p:blipFill>
-        <p:spPr>
-          <a:xfrm>
-            <a:off x="6739926" y="2254658"/>
-            <a:ext cx="3949094" cy="3873940"/>
-          </a:xfrm>
-          <a:prstGeom prst="rect">
-            <a:avLst/>
-          </a:prstGeom>
-        </p:spPr>
-      </p:pic>
-      <p:sp>
-        <p:nvSpPr>
-          <p:cNvPr id="8" name="TextBox 7">
-            <a:extLst>
-              <a:ext uri="{FF2B5EF4-FFF2-40B4-BE49-F238E27FC236}">
-                <a16:creationId xmlns:a16="http://schemas.microsoft.com/office/drawing/2014/main" id="{5CC0A5A4-D678-F3A0-FF42-71CC092A0094}"/>
-              </a:ext>
-            </a:extLst>
-          </p:cNvPr>
-          <p:cNvSpPr txBox="1"/>
-          <p:nvPr/>
-        </p:nvSpPr>
-        <p:spPr>
-          <a:xfrm>
-            <a:off x="838200" y="1933903"/>
-            <a:ext cx="5646683" cy="646331"/>
-          </a:xfrm>
-          <a:prstGeom prst="rect">
-            <a:avLst/>
-          </a:prstGeom>
-          <a:noFill/>
-        </p:spPr>
-        <p:txBody>
-          <a:bodyPr wrap="square" rtlCol="0">
-            <a:spAutoFit/>
-          </a:bodyPr>
-          <a:lstStyle/>
-          <a:p>
-            <a:r>
-              <a:rPr lang="en-DK" dirty="0"/>
-              <a:t>Training with cluster configurations, so now we have data with many dimensions (~60). </a:t>
-            </a:r>
-          </a:p>
-        </p:txBody>
-      </p:sp>
-      <p:pic>
-        <p:nvPicPr>
-          <p:cNvPr id="11" name="Picture 10" descr="A grid with blue dots&#10;&#10;AI-generated content may be incorrect.">
-            <a:extLst>
-              <a:ext uri="{FF2B5EF4-FFF2-40B4-BE49-F238E27FC236}">
-                <a16:creationId xmlns:a16="http://schemas.microsoft.com/office/drawing/2014/main" id="{DA4421A5-A878-2B0E-6858-95CB63C0BA70}"/>
-              </a:ext>
-            </a:extLst>
-          </p:cNvPr>
-          <p:cNvPicPr>
-            <a:picLocks noChangeAspect="1"/>
-          </p:cNvPicPr>
-          <p:nvPr/>
-        </p:nvPicPr>
-        <p:blipFill>
-          <a:blip r:embed="rId3"/>
-          <a:stretch>
-            <a:fillRect/>
-          </a:stretch>
-        </p:blipFill>
-        <p:spPr>
-          <a:xfrm>
-            <a:off x="838200" y="3136861"/>
-            <a:ext cx="5765788" cy="2281812"/>
-          </a:xfrm>
-          <a:prstGeom prst="rect">
-            <a:avLst/>
-          </a:prstGeom>
-        </p:spPr>
-      </p:pic>
-      <p:sp>
-        <p:nvSpPr>
-          <p:cNvPr id="12" name="TextBox 11">
-            <a:extLst>
-              <a:ext uri="{FF2B5EF4-FFF2-40B4-BE49-F238E27FC236}">
-                <a16:creationId xmlns:a16="http://schemas.microsoft.com/office/drawing/2014/main" id="{C2BF9FEA-8484-A73C-803D-E7D6B18CF659}"/>
-              </a:ext>
-            </a:extLst>
-          </p:cNvPr>
-          <p:cNvSpPr txBox="1"/>
-          <p:nvPr/>
-        </p:nvSpPr>
-        <p:spPr>
-          <a:xfrm>
-            <a:off x="1671145" y="5507421"/>
-            <a:ext cx="4056993" cy="646331"/>
-          </a:xfrm>
-          <a:prstGeom prst="rect">
-            <a:avLst/>
-          </a:prstGeom>
-          <a:noFill/>
-        </p:spPr>
-        <p:txBody>
-          <a:bodyPr wrap="square" rtlCol="0">
-            <a:spAutoFit/>
-          </a:bodyPr>
-          <a:lstStyle/>
-          <a:p>
-            <a:r>
-              <a:rPr lang="en-DK" dirty="0"/>
-              <a:t>Geometries of some small clusters shown here. </a:t>
-            </a:r>
-          </a:p>
-        </p:txBody>
-      </p:sp>
-      <p:sp>
-        <p:nvSpPr>
-          <p:cNvPr id="13" name="TextBox 12">
-            <a:extLst>
-              <a:ext uri="{FF2B5EF4-FFF2-40B4-BE49-F238E27FC236}">
-                <a16:creationId xmlns:a16="http://schemas.microsoft.com/office/drawing/2014/main" id="{2A007CDA-F63A-D75C-5867-7C30B5278E21}"/>
-              </a:ext>
-            </a:extLst>
-          </p:cNvPr>
-          <p:cNvSpPr txBox="1"/>
-          <p:nvPr/>
-        </p:nvSpPr>
-        <p:spPr>
-          <a:xfrm>
-            <a:off x="7865762" y="1229023"/>
-            <a:ext cx="3615559" cy="923330"/>
-          </a:xfrm>
-          <a:prstGeom prst="rect">
-            <a:avLst/>
-          </a:prstGeom>
-          <a:noFill/>
-        </p:spPr>
-        <p:txBody>
-          <a:bodyPr wrap="square" rtlCol="0">
-            <a:spAutoFit/>
-          </a:bodyPr>
-          <a:lstStyle/>
-          <a:p>
-            <a:r>
-              <a:rPr lang="en-DK" dirty="0"/>
-              <a:t>Because the data does not come from the LJ-potential, we cannot get a perfect fit. </a:t>
-            </a:r>
-          </a:p>
-        </p:txBody>
-      </p:sp>
-    </p:spTree>
-    <p:extLst>
-      <p:ext uri="{BB962C8B-B14F-4D97-AF65-F5344CB8AC3E}">
-        <p14:creationId xmlns:p14="http://schemas.microsoft.com/office/powerpoint/2010/main" val="1902303785"/>
-      </p:ext>
-    </p:extLst>
-  </p:cSld>
-  <p:clrMapOvr>
-    <a:masterClrMapping/>
-  </p:clrMapOvr>
-</p:sld>
-</file>
-
-<file path=ppt/slides/slide18.xml><?xml version="1.0" encoding="utf-8"?>
-<p:sld xmlns:a="http://schemas.openxmlformats.org/drawingml/2006/main" xmlns:r="http://schemas.openxmlformats.org/officeDocument/2006/relationships" xmlns:p="http://schemas.openxmlformats.org/presentationml/2006/main">
-  <p:cSld>
-    <p:spTree>
-      <p:nvGrpSpPr>
-        <p:cNvPr id="1" name=""/>
-        <p:cNvGrpSpPr/>
-        <p:nvPr/>
-      </p:nvGrpSpPr>
-      <p:grpSpPr>
-        <a:xfrm>
-          <a:off x="0" y="0"/>
-          <a:ext cx="0" cy="0"/>
-          <a:chOff x="0" y="0"/>
-          <a:chExt cx="0" cy="0"/>
-        </a:xfrm>
-      </p:grpSpPr>
-      <p:sp>
-        <p:nvSpPr>
-          <p:cNvPr id="2" name="Title 1">
-            <a:extLst>
-              <a:ext uri="{FF2B5EF4-FFF2-40B4-BE49-F238E27FC236}">
                 <a16:creationId xmlns:a16="http://schemas.microsoft.com/office/drawing/2014/main" id="{0F163DBA-EC5D-55D8-0AE2-526317896EB2}"/>
               </a:ext>
             </a:extLst>
@@ -12677,8 +12831,8 @@
           </a:prstGeom>
         </p:spPr>
       </p:pic>
-      <mc:AlternateContent xmlns:mc="http://schemas.openxmlformats.org/markup-compatibility/2006">
-        <mc:Choice xmlns:a14="http://schemas.microsoft.com/office/drawing/2010/main" Requires="a14">
+      <mc:AlternateContent xmlns:mc="http://schemas.openxmlformats.org/markup-compatibility/2006" xmlns:a14="http://schemas.microsoft.com/office/drawing/2010/main">
+        <mc:Choice Requires="a14">
           <p:sp>
             <p:nvSpPr>
               <p:cNvPr id="5" name="TextBox 4">
@@ -12707,6 +12861,7 @@
               </a:bodyPr>
               <a:lstStyle/>
               <a:p>
+                <a:pPr/>
                 <a14:m>
                   <m:oMathPara xmlns:m="http://schemas.openxmlformats.org/officeDocument/2006/math">
                     <m:oMathParaPr>
@@ -12770,7 +12925,7 @@
             </p:txBody>
           </p:sp>
         </mc:Choice>
-        <mc:Fallback>
+        <mc:Fallback xmlns="">
           <p:sp>
             <p:nvSpPr>
               <p:cNvPr id="5" name="TextBox 4">
@@ -12946,7 +13101,7 @@
 </p:sld>
 </file>
 
-<file path=ppt/slides/slide19.xml><?xml version="1.0" encoding="utf-8"?>
+<file path=ppt/slides/slide18.xml><?xml version="1.0" encoding="utf-8"?>
 <p:sld xmlns:a="http://schemas.openxmlformats.org/drawingml/2006/main" xmlns:r="http://schemas.openxmlformats.org/officeDocument/2006/relationships" xmlns:p="http://schemas.openxmlformats.org/presentationml/2006/main">
   <p:cSld>
     <p:spTree>
@@ -13260,8 +13415,8 @@
           </a:extLst>
         </p:spPr>
       </p:pic>
-      <mc:AlternateContent xmlns:mc="http://schemas.openxmlformats.org/markup-compatibility/2006">
-        <mc:Choice xmlns:a14="http://schemas.microsoft.com/office/drawing/2010/main" Requires="a14">
+      <mc:AlternateContent xmlns:mc="http://schemas.openxmlformats.org/markup-compatibility/2006" xmlns:a14="http://schemas.microsoft.com/office/drawing/2010/main">
+        <mc:Choice Requires="a14">
           <p:sp>
             <p:nvSpPr>
               <p:cNvPr id="7" name="TextBox 6">
@@ -13304,7 +13459,7 @@
                         <m:nor/>
                       </m:rPr>
                       <a:rPr lang="en-GB"/>
-                      <m:t>-</m:t>
+                      <m:t>−</m:t>
                     </m:r>
                     <m:r>
                       <m:rPr>
@@ -13337,7 +13492,7 @@
             </p:txBody>
           </p:sp>
         </mc:Choice>
-        <mc:Fallback>
+        <mc:Fallback xmlns="">
           <p:sp>
             <p:nvSpPr>
               <p:cNvPr id="7" name="TextBox 6">
@@ -13417,7 +13572,7 @@
           <p:cNvPr id="2" name="Title 1">
             <a:extLst>
               <a:ext uri="{FF2B5EF4-FFF2-40B4-BE49-F238E27FC236}">
-                <a16:creationId xmlns:a16="http://schemas.microsoft.com/office/drawing/2014/main" id="{88AFB721-957D-BEE9-9587-64D7185C6BE4}"/>
+                <a16:creationId xmlns:a16="http://schemas.microsoft.com/office/drawing/2014/main" id="{1106E9E6-1F67-36AA-96C8-1306EA9B6CA3}"/>
               </a:ext>
             </a:extLst>
           </p:cNvPr>
@@ -13435,292 +13590,17 @@
           <a:p>
             <a:r>
               <a:rPr lang="en-DK" dirty="0"/>
-              <a:t>Recap: Derivatives using torch</a:t>
+              <a:t>Recap: Electric field from scalar potential </a:t>
             </a:r>
           </a:p>
         </p:txBody>
       </p:sp>
-      <mc:AlternateContent xmlns:mc="http://schemas.openxmlformats.org/markup-compatibility/2006">
-        <mc:Choice xmlns:a14="http://schemas.microsoft.com/office/drawing/2010/main" Requires="a14">
-          <p:sp>
-            <p:nvSpPr>
-              <p:cNvPr id="4" name="TextBox 3">
-                <a:extLst>
-                  <a:ext uri="{FF2B5EF4-FFF2-40B4-BE49-F238E27FC236}">
-                    <a16:creationId xmlns:a16="http://schemas.microsoft.com/office/drawing/2014/main" id="{1AD5FA00-C094-226A-D142-D5B12BFA17A3}"/>
-                  </a:ext>
-                </a:extLst>
-              </p:cNvPr>
-              <p:cNvSpPr txBox="1"/>
-              <p:nvPr/>
-            </p:nvSpPr>
-            <p:spPr>
-              <a:xfrm>
-                <a:off x="1699889" y="3046522"/>
-                <a:ext cx="1857303" cy="492443"/>
-              </a:xfrm>
-              <a:prstGeom prst="rect">
-                <a:avLst/>
-              </a:prstGeom>
-              <a:noFill/>
-            </p:spPr>
-            <p:txBody>
-              <a:bodyPr wrap="none" lIns="0" tIns="0" rIns="0" bIns="0" rtlCol="0">
-                <a:spAutoFit/>
-              </a:bodyPr>
-              <a:lstStyle/>
-              <a:p>
-                <a:pPr/>
-                <a14:m>
-                  <m:oMathPara xmlns:m="http://schemas.openxmlformats.org/officeDocument/2006/math">
-                    <m:oMathParaPr>
-                      <m:jc m:val="centerGroup"/>
-                    </m:oMathParaPr>
-                    <m:oMath xmlns:m="http://schemas.openxmlformats.org/officeDocument/2006/math">
-                      <m:r>
-                        <a:rPr lang="da-DK" sz="3200" b="0" i="1" smtClean="0">
-                          <a:latin typeface="Cambria Math" panose="02040503050406030204" pitchFamily="18" charset="0"/>
-                        </a:rPr>
-                        <m:t>𝑓</m:t>
-                      </m:r>
-                      <m:d>
-                        <m:dPr>
-                          <m:ctrlPr>
-                            <a:rPr lang="da-DK" sz="3200" b="0" i="1" smtClean="0">
-                              <a:latin typeface="Cambria Math" panose="02040503050406030204" pitchFamily="18" charset="0"/>
-                            </a:rPr>
-                          </m:ctrlPr>
-                        </m:dPr>
-                        <m:e>
-                          <m:r>
-                            <a:rPr lang="da-DK" sz="3200" b="0" i="1" smtClean="0">
-                              <a:latin typeface="Cambria Math" panose="02040503050406030204" pitchFamily="18" charset="0"/>
-                            </a:rPr>
-                            <m:t>𝑥</m:t>
-                          </m:r>
-                        </m:e>
-                      </m:d>
-                      <m:r>
-                        <a:rPr lang="da-DK" sz="3200" b="0" i="1" smtClean="0">
-                          <a:latin typeface="Cambria Math" panose="02040503050406030204" pitchFamily="18" charset="0"/>
-                        </a:rPr>
-                        <m:t>=</m:t>
-                      </m:r>
-                      <m:sSup>
-                        <m:sSupPr>
-                          <m:ctrlPr>
-                            <a:rPr lang="da-DK" sz="3200" b="0" i="1" smtClean="0">
-                              <a:latin typeface="Cambria Math" panose="02040503050406030204" pitchFamily="18" charset="0"/>
-                            </a:rPr>
-                          </m:ctrlPr>
-                        </m:sSupPr>
-                        <m:e>
-                          <m:r>
-                            <a:rPr lang="da-DK" sz="3200" b="0" i="1" smtClean="0">
-                              <a:latin typeface="Cambria Math" panose="02040503050406030204" pitchFamily="18" charset="0"/>
-                            </a:rPr>
-                            <m:t>𝑥</m:t>
-                          </m:r>
-                        </m:e>
-                        <m:sup>
-                          <m:r>
-                            <a:rPr lang="da-DK" sz="3200" b="0" i="1" smtClean="0">
-                              <a:latin typeface="Cambria Math" panose="02040503050406030204" pitchFamily="18" charset="0"/>
-                            </a:rPr>
-                            <m:t>2</m:t>
-                          </m:r>
-                        </m:sup>
-                      </m:sSup>
-                    </m:oMath>
-                  </m:oMathPara>
-                </a14:m>
-                <a:endParaRPr lang="en-DK" sz="3200" dirty="0"/>
-              </a:p>
-            </p:txBody>
-          </p:sp>
-        </mc:Choice>
-        <mc:Fallback>
-          <p:sp>
-            <p:nvSpPr>
-              <p:cNvPr id="4" name="TextBox 3">
-                <a:extLst>
-                  <a:ext uri="{FF2B5EF4-FFF2-40B4-BE49-F238E27FC236}">
-                    <a16:creationId xmlns:a16="http://schemas.microsoft.com/office/drawing/2014/main" id="{1AD5FA00-C094-226A-D142-D5B12BFA17A3}"/>
-                  </a:ext>
-                </a:extLst>
-              </p:cNvPr>
-              <p:cNvSpPr txBox="1">
-                <a:spLocks noRot="1" noChangeAspect="1" noMove="1" noResize="1" noEditPoints="1" noAdjustHandles="1" noChangeArrowheads="1" noChangeShapeType="1" noTextEdit="1"/>
-              </p:cNvSpPr>
-              <p:nvPr/>
-            </p:nvSpPr>
-            <p:spPr>
-              <a:xfrm>
-                <a:off x="1699889" y="3046522"/>
-                <a:ext cx="1857303" cy="492443"/>
-              </a:xfrm>
-              <a:prstGeom prst="rect">
-                <a:avLst/>
-              </a:prstGeom>
-              <a:blipFill>
-                <a:blip r:embed="rId2"/>
-                <a:stretch>
-                  <a:fillRect l="-7432" t="-2564" r="-1351" b="-33333"/>
-                </a:stretch>
-              </a:blipFill>
-            </p:spPr>
-            <p:txBody>
-              <a:bodyPr/>
-              <a:lstStyle/>
-              <a:p>
-                <a:r>
-                  <a:rPr lang="en-DK">
-                    <a:noFill/>
-                  </a:rPr>
-                  <a:t> </a:t>
-                </a:r>
-              </a:p>
-            </p:txBody>
-          </p:sp>
-        </mc:Fallback>
-      </mc:AlternateContent>
-      <mc:AlternateContent xmlns:mc="http://schemas.openxmlformats.org/markup-compatibility/2006">
-        <mc:Choice xmlns:a14="http://schemas.microsoft.com/office/drawing/2010/main" Requires="a14">
-          <p:sp>
-            <p:nvSpPr>
-              <p:cNvPr id="5" name="TextBox 4">
-                <a:extLst>
-                  <a:ext uri="{FF2B5EF4-FFF2-40B4-BE49-F238E27FC236}">
-                    <a16:creationId xmlns:a16="http://schemas.microsoft.com/office/drawing/2014/main" id="{27C2E11E-4B04-09DE-986A-9C3D894FEA23}"/>
-                  </a:ext>
-                </a:extLst>
-              </p:cNvPr>
-              <p:cNvSpPr txBox="1"/>
-              <p:nvPr/>
-            </p:nvSpPr>
-            <p:spPr>
-              <a:xfrm>
-                <a:off x="1639296" y="3850957"/>
-                <a:ext cx="1978490" cy="492443"/>
-              </a:xfrm>
-              <a:prstGeom prst="rect">
-                <a:avLst/>
-              </a:prstGeom>
-              <a:noFill/>
-            </p:spPr>
-            <p:txBody>
-              <a:bodyPr wrap="none" lIns="0" tIns="0" rIns="0" bIns="0" rtlCol="0">
-                <a:spAutoFit/>
-              </a:bodyPr>
-              <a:lstStyle/>
-              <a:p>
-                <a:pPr/>
-                <a14:m>
-                  <m:oMathPara xmlns:m="http://schemas.openxmlformats.org/officeDocument/2006/math">
-                    <m:oMathParaPr>
-                      <m:jc m:val="centerGroup"/>
-                    </m:oMathParaPr>
-                    <m:oMath xmlns:m="http://schemas.openxmlformats.org/officeDocument/2006/math">
-                      <m:r>
-                        <a:rPr lang="da-DK" sz="3200" b="0" i="1" smtClean="0">
-                          <a:latin typeface="Cambria Math" panose="02040503050406030204" pitchFamily="18" charset="0"/>
-                        </a:rPr>
-                        <m:t>𝑓</m:t>
-                      </m:r>
-                      <m:r>
-                        <a:rPr lang="da-DK" sz="3200" b="0" i="1" smtClean="0">
-                          <a:latin typeface="Cambria Math" panose="02040503050406030204" pitchFamily="18" charset="0"/>
-                        </a:rPr>
-                        <m:t>′</m:t>
-                      </m:r>
-                      <m:d>
-                        <m:dPr>
-                          <m:ctrlPr>
-                            <a:rPr lang="da-DK" sz="3200" b="0" i="1" smtClean="0">
-                              <a:latin typeface="Cambria Math" panose="02040503050406030204" pitchFamily="18" charset="0"/>
-                            </a:rPr>
-                          </m:ctrlPr>
-                        </m:dPr>
-                        <m:e>
-                          <m:r>
-                            <a:rPr lang="da-DK" sz="3200" b="0" i="1" smtClean="0">
-                              <a:latin typeface="Cambria Math" panose="02040503050406030204" pitchFamily="18" charset="0"/>
-                            </a:rPr>
-                            <m:t>𝑥</m:t>
-                          </m:r>
-                        </m:e>
-                      </m:d>
-                      <m:r>
-                        <a:rPr lang="da-DK" sz="3200" b="0" i="1" smtClean="0">
-                          <a:latin typeface="Cambria Math" panose="02040503050406030204" pitchFamily="18" charset="0"/>
-                        </a:rPr>
-                        <m:t>=2</m:t>
-                      </m:r>
-                      <m:r>
-                        <a:rPr lang="da-DK" sz="3200" b="0" i="1" smtClean="0">
-                          <a:latin typeface="Cambria Math" panose="02040503050406030204" pitchFamily="18" charset="0"/>
-                        </a:rPr>
-                        <m:t>𝑥</m:t>
-                      </m:r>
-                    </m:oMath>
-                  </m:oMathPara>
-                </a14:m>
-                <a:endParaRPr lang="en-DK" sz="3200" dirty="0"/>
-              </a:p>
-            </p:txBody>
-          </p:sp>
-        </mc:Choice>
-        <mc:Fallback>
-          <p:sp>
-            <p:nvSpPr>
-              <p:cNvPr id="5" name="TextBox 4">
-                <a:extLst>
-                  <a:ext uri="{FF2B5EF4-FFF2-40B4-BE49-F238E27FC236}">
-                    <a16:creationId xmlns:a16="http://schemas.microsoft.com/office/drawing/2014/main" id="{27C2E11E-4B04-09DE-986A-9C3D894FEA23}"/>
-                  </a:ext>
-                </a:extLst>
-              </p:cNvPr>
-              <p:cNvSpPr txBox="1">
-                <a:spLocks noRot="1" noChangeAspect="1" noMove="1" noResize="1" noEditPoints="1" noAdjustHandles="1" noChangeArrowheads="1" noChangeShapeType="1" noTextEdit="1"/>
-              </p:cNvSpPr>
-              <p:nvPr/>
-            </p:nvSpPr>
-            <p:spPr>
-              <a:xfrm>
-                <a:off x="1639296" y="3850957"/>
-                <a:ext cx="1978490" cy="492443"/>
-              </a:xfrm>
-              <a:prstGeom prst="rect">
-                <a:avLst/>
-              </a:prstGeom>
-              <a:blipFill>
-                <a:blip r:embed="rId3"/>
-                <a:stretch>
-                  <a:fillRect l="-8333" t="-7500" r="-3846" b="-35000"/>
-                </a:stretch>
-              </a:blipFill>
-            </p:spPr>
-            <p:txBody>
-              <a:bodyPr/>
-              <a:lstStyle/>
-              <a:p>
-                <a:r>
-                  <a:rPr lang="en-DK">
-                    <a:noFill/>
-                  </a:rPr>
-                  <a:t> </a:t>
-                </a:r>
-              </a:p>
-            </p:txBody>
-          </p:sp>
-        </mc:Fallback>
-      </mc:AlternateContent>
       <p:pic>
         <p:nvPicPr>
-          <p:cNvPr id="6" name="Picture 5" descr="A computer screen shot of a program&#10;&#10;AI-generated content may be incorrect.">
-            <a:extLst>
-              <a:ext uri="{FF2B5EF4-FFF2-40B4-BE49-F238E27FC236}">
-                <a16:creationId xmlns:a16="http://schemas.microsoft.com/office/drawing/2014/main" id="{3670246A-3238-048F-F0CA-292C9B7A0A49}"/>
+          <p:cNvPr id="12" name="Picture 11" descr="A black and white image of a circular pattern&#10;&#10;AI-generated content may be incorrect.">
+            <a:extLst>
+              <a:ext uri="{FF2B5EF4-FFF2-40B4-BE49-F238E27FC236}">
+                <a16:creationId xmlns:a16="http://schemas.microsoft.com/office/drawing/2014/main" id="{B2436261-B57D-7EED-7314-F630D39FC9A5}"/>
               </a:ext>
             </a:extLst>
           </p:cNvPr>
@@ -13730,35 +13610,25 @@
           <p:nvPr/>
         </p:nvPicPr>
         <p:blipFill>
-          <a:blip r:embed="rId4"/>
+          <a:blip r:embed="rId2"/>
           <a:stretch>
             <a:fillRect/>
           </a:stretch>
         </p:blipFill>
         <p:spPr>
           <a:xfrm>
-            <a:off x="4645135" y="2122657"/>
-            <a:ext cx="6057494" cy="3456600"/>
+            <a:off x="3587313" y="1786320"/>
+            <a:ext cx="4533900" cy="4546600"/>
           </a:xfrm>
           <a:prstGeom prst="rect">
             <a:avLst/>
           </a:prstGeom>
-          <a:ln>
-            <a:noFill/>
-          </a:ln>
-          <a:effectLst>
-            <a:outerShdw blurRad="292100" dist="139700" dir="2700000" algn="tl" rotWithShape="0">
-              <a:srgbClr val="333333">
-                <a:alpha val="65000"/>
-              </a:srgbClr>
-            </a:outerShdw>
-          </a:effectLst>
         </p:spPr>
       </p:pic>
     </p:spTree>
     <p:extLst>
       <p:ext uri="{BB962C8B-B14F-4D97-AF65-F5344CB8AC3E}">
-        <p14:creationId xmlns:p14="http://schemas.microsoft.com/office/powerpoint/2010/main" val="1071640773"/>
+        <p14:creationId xmlns:p14="http://schemas.microsoft.com/office/powerpoint/2010/main" val="3241376535"/>
       </p:ext>
     </p:extLst>
   </p:cSld>
@@ -13787,94 +13657,6 @@
       </p:grpSpPr>
       <p:sp>
         <p:nvSpPr>
-          <p:cNvPr id="2" name="Title 1">
-            <a:extLst>
-              <a:ext uri="{FF2B5EF4-FFF2-40B4-BE49-F238E27FC236}">
-                <a16:creationId xmlns:a16="http://schemas.microsoft.com/office/drawing/2014/main" id="{1106E9E6-1F67-36AA-96C8-1306EA9B6CA3}"/>
-              </a:ext>
-            </a:extLst>
-          </p:cNvPr>
-          <p:cNvSpPr>
-            <a:spLocks noGrp="1"/>
-          </p:cNvSpPr>
-          <p:nvPr>
-            <p:ph type="title"/>
-          </p:nvPr>
-        </p:nvSpPr>
-        <p:spPr/>
-        <p:txBody>
-          <a:bodyPr/>
-          <a:lstStyle/>
-          <a:p>
-            <a:r>
-              <a:rPr lang="en-DK" dirty="0"/>
-              <a:t>Recap: Electric field from scalar potential </a:t>
-            </a:r>
-          </a:p>
-        </p:txBody>
-      </p:sp>
-      <p:pic>
-        <p:nvPicPr>
-          <p:cNvPr id="12" name="Picture 11" descr="A black and white image of a circular pattern&#10;&#10;AI-generated content may be incorrect.">
-            <a:extLst>
-              <a:ext uri="{FF2B5EF4-FFF2-40B4-BE49-F238E27FC236}">
-                <a16:creationId xmlns:a16="http://schemas.microsoft.com/office/drawing/2014/main" id="{B2436261-B57D-7EED-7314-F630D39FC9A5}"/>
-              </a:ext>
-            </a:extLst>
-          </p:cNvPr>
-          <p:cNvPicPr>
-            <a:picLocks noChangeAspect="1"/>
-          </p:cNvPicPr>
-          <p:nvPr/>
-        </p:nvPicPr>
-        <p:blipFill>
-          <a:blip r:embed="rId2"/>
-          <a:stretch>
-            <a:fillRect/>
-          </a:stretch>
-        </p:blipFill>
-        <p:spPr>
-          <a:xfrm>
-            <a:off x="5731423" y="1817851"/>
-            <a:ext cx="4533900" cy="4546600"/>
-          </a:xfrm>
-          <a:prstGeom prst="rect">
-            <a:avLst/>
-          </a:prstGeom>
-        </p:spPr>
-      </p:pic>
-    </p:spTree>
-    <p:extLst>
-      <p:ext uri="{BB962C8B-B14F-4D97-AF65-F5344CB8AC3E}">
-        <p14:creationId xmlns:p14="http://schemas.microsoft.com/office/powerpoint/2010/main" val="3241376535"/>
-      </p:ext>
-    </p:extLst>
-  </p:cSld>
-  <p:clrMapOvr>
-    <a:masterClrMapping/>
-  </p:clrMapOvr>
-</p:sld>
-</file>
-
-<file path=ppt/slides/slide4.xml><?xml version="1.0" encoding="utf-8"?>
-<p:sld xmlns:a="http://schemas.openxmlformats.org/drawingml/2006/main" xmlns:r="http://schemas.openxmlformats.org/officeDocument/2006/relationships" xmlns:p="http://schemas.openxmlformats.org/presentationml/2006/main">
-  <p:cSld>
-    <p:spTree>
-      <p:nvGrpSpPr>
-        <p:cNvPr id="1" name=""/>
-        <p:cNvGrpSpPr/>
-        <p:nvPr/>
-      </p:nvGrpSpPr>
-      <p:grpSpPr>
-        <a:xfrm>
-          <a:off x="0" y="0"/>
-          <a:ext cx="0" cy="0"/>
-          <a:chOff x="0" y="0"/>
-          <a:chExt cx="0" cy="0"/>
-        </a:xfrm>
-      </p:grpSpPr>
-      <p:sp>
-        <p:nvSpPr>
           <p:cNvPr id="4" name="Title 1">
             <a:extLst>
               <a:ext uri="{FF2B5EF4-FFF2-40B4-BE49-F238E27FC236}">
@@ -14001,8 +13783,8 @@
           </a:p>
         </p:txBody>
       </p:sp>
-      <mc:AlternateContent xmlns:mc="http://schemas.openxmlformats.org/markup-compatibility/2006">
-        <mc:Choice xmlns:a14="http://schemas.microsoft.com/office/drawing/2010/main" Requires="a14">
+      <mc:AlternateContent xmlns:mc="http://schemas.openxmlformats.org/markup-compatibility/2006" xmlns:a14="http://schemas.microsoft.com/office/drawing/2010/main">
+        <mc:Choice Requires="a14">
           <p:sp>
             <p:nvSpPr>
               <p:cNvPr id="8" name="TextBox 7">
@@ -14081,7 +13863,7 @@
             </p:txBody>
           </p:sp>
         </mc:Choice>
-        <mc:Fallback>
+        <mc:Fallback xmlns="">
           <p:sp>
             <p:nvSpPr>
               <p:cNvPr id="8" name="TextBox 7">
@@ -14221,7 +14003,7 @@
 </p:sld>
 </file>
 
-<file path=ppt/slides/slide5.xml><?xml version="1.0" encoding="utf-8"?>
+<file path=ppt/slides/slide4.xml><?xml version="1.0" encoding="utf-8"?>
 <p:sld xmlns:a="http://schemas.openxmlformats.org/drawingml/2006/main" xmlns:r="http://schemas.openxmlformats.org/officeDocument/2006/relationships" xmlns:p="http://schemas.openxmlformats.org/presentationml/2006/main">
   <p:cSld>
     <p:spTree>
@@ -14345,7 +14127,7 @@
 </p:sld>
 </file>
 
-<file path=ppt/slides/slide6.xml><?xml version="1.0" encoding="utf-8"?>
+<file path=ppt/slides/slide5.xml><?xml version="1.0" encoding="utf-8"?>
 <p:sld xmlns:a="http://schemas.openxmlformats.org/drawingml/2006/main" xmlns:r="http://schemas.openxmlformats.org/officeDocument/2006/relationships" xmlns:p="http://schemas.openxmlformats.org/presentationml/2006/main">
   <p:cSld>
     <p:spTree>
@@ -14542,7 +14324,7 @@
 </p:sld>
 </file>
 
-<file path=ppt/slides/slide7.xml><?xml version="1.0" encoding="utf-8"?>
+<file path=ppt/slides/slide6.xml><?xml version="1.0" encoding="utf-8"?>
 <p:sld xmlns:a="http://schemas.openxmlformats.org/drawingml/2006/main" xmlns:r="http://schemas.openxmlformats.org/officeDocument/2006/relationships" xmlns:p="http://schemas.openxmlformats.org/presentationml/2006/main">
   <p:cSld>
     <p:spTree>
@@ -14852,7 +14634,7 @@
 </p:sld>
 </file>
 
-<file path=ppt/slides/slide8.xml><?xml version="1.0" encoding="utf-8"?>
+<file path=ppt/slides/slide7.xml><?xml version="1.0" encoding="utf-8"?>
 <p:sld xmlns:a="http://schemas.openxmlformats.org/drawingml/2006/main" xmlns:r="http://schemas.openxmlformats.org/officeDocument/2006/relationships" xmlns:p="http://schemas.openxmlformats.org/presentationml/2006/main">
   <p:cSld>
     <p:spTree>
@@ -14910,7 +14692,7 @@
 </p:sld>
 </file>
 
-<file path=ppt/slides/slide9.xml><?xml version="1.0" encoding="utf-8"?>
+<file path=ppt/slides/slide8.xml><?xml version="1.0" encoding="utf-8"?>
 <p:sld xmlns:a="http://schemas.openxmlformats.org/drawingml/2006/main" xmlns:r="http://schemas.openxmlformats.org/officeDocument/2006/relationships" xmlns:p="http://schemas.openxmlformats.org/presentationml/2006/main">
   <p:cSld>
     <p:spTree>
@@ -15900,8 +15682,8 @@
           </a:p>
         </p:txBody>
       </p:sp>
-      <mc:AlternateContent xmlns:mc="http://schemas.openxmlformats.org/markup-compatibility/2006">
-        <mc:Choice xmlns:a14="http://schemas.microsoft.com/office/drawing/2010/main" Requires="a14">
+      <mc:AlternateContent xmlns:mc="http://schemas.openxmlformats.org/markup-compatibility/2006" xmlns:a14="http://schemas.microsoft.com/office/drawing/2010/main">
+        <mc:Choice Requires="a14">
           <p:sp>
             <p:nvSpPr>
               <p:cNvPr id="21" name="TextBox 20">
@@ -15939,6 +15721,7 @@
                 <a:endParaRPr lang="en-DK" sz="2400" dirty="0"/>
               </a:p>
               <a:p>
+                <a:pPr/>
                 <a14:m>
                   <m:oMathPara xmlns:m="http://schemas.openxmlformats.org/officeDocument/2006/math">
                     <m:oMathParaPr>
@@ -16096,7 +15879,7 @@
             </p:txBody>
           </p:sp>
         </mc:Choice>
-        <mc:Fallback>
+        <mc:Fallback xmlns="">
           <p:sp>
             <p:nvSpPr>
               <p:cNvPr id="21" name="TextBox 20">
@@ -16145,6 +15928,171 @@
     <p:extLst>
       <p:ext uri="{BB962C8B-B14F-4D97-AF65-F5344CB8AC3E}">
         <p14:creationId xmlns:p14="http://schemas.microsoft.com/office/powerpoint/2010/main" val="2583328572"/>
+      </p:ext>
+    </p:extLst>
+  </p:cSld>
+  <p:clrMapOvr>
+    <a:masterClrMapping/>
+  </p:clrMapOvr>
+</p:sld>
+</file>
+
+<file path=ppt/slides/slide9.xml><?xml version="1.0" encoding="utf-8"?>
+<p:sld xmlns:a="http://schemas.openxmlformats.org/drawingml/2006/main" xmlns:r="http://schemas.openxmlformats.org/officeDocument/2006/relationships" xmlns:p="http://schemas.openxmlformats.org/presentationml/2006/main">
+  <p:cSld>
+    <p:spTree>
+      <p:nvGrpSpPr>
+        <p:cNvPr id="1" name=""/>
+        <p:cNvGrpSpPr/>
+        <p:nvPr/>
+      </p:nvGrpSpPr>
+      <p:grpSpPr>
+        <a:xfrm>
+          <a:off x="0" y="0"/>
+          <a:ext cx="0" cy="0"/>
+          <a:chOff x="0" y="0"/>
+          <a:chExt cx="0" cy="0"/>
+        </a:xfrm>
+      </p:grpSpPr>
+      <p:sp>
+        <p:nvSpPr>
+          <p:cNvPr id="2" name="Title 1">
+            <a:extLst>
+              <a:ext uri="{FF2B5EF4-FFF2-40B4-BE49-F238E27FC236}">
+                <a16:creationId xmlns:a16="http://schemas.microsoft.com/office/drawing/2014/main" id="{B82B09A3-D92F-D949-C118-7C1BABF0174C}"/>
+              </a:ext>
+            </a:extLst>
+          </p:cNvPr>
+          <p:cNvSpPr>
+            <a:spLocks noGrp="1"/>
+          </p:cNvSpPr>
+          <p:nvPr>
+            <p:ph type="title"/>
+          </p:nvPr>
+        </p:nvSpPr>
+        <p:spPr/>
+        <p:txBody>
+          <a:bodyPr/>
+          <a:lstStyle/>
+          <a:p>
+            <a:r>
+              <a:rPr lang="en-DK" dirty="0"/>
+              <a:t>Atoms</a:t>
+            </a:r>
+          </a:p>
+        </p:txBody>
+      </p:sp>
+      <p:pic>
+        <p:nvPicPr>
+          <p:cNvPr id="6" name="Picture 5">
+            <a:extLst>
+              <a:ext uri="{FF2B5EF4-FFF2-40B4-BE49-F238E27FC236}">
+                <a16:creationId xmlns:a16="http://schemas.microsoft.com/office/drawing/2014/main" id="{2841D1F3-6D21-DF55-D686-AEDEE6A17CE1}"/>
+              </a:ext>
+            </a:extLst>
+          </p:cNvPr>
+          <p:cNvPicPr>
+            <a:picLocks noChangeAspect="1"/>
+          </p:cNvPicPr>
+          <p:nvPr/>
+        </p:nvPicPr>
+        <p:blipFill>
+          <a:blip r:embed="rId2"/>
+          <a:stretch>
+            <a:fillRect/>
+          </a:stretch>
+        </p:blipFill>
+        <p:spPr>
+          <a:xfrm>
+            <a:off x="739237" y="2816192"/>
+            <a:ext cx="10614563" cy="1110525"/>
+          </a:xfrm>
+          <a:prstGeom prst="rect">
+            <a:avLst/>
+          </a:prstGeom>
+        </p:spPr>
+      </p:pic>
+      <p:sp>
+        <p:nvSpPr>
+          <p:cNvPr id="7" name="TextBox 6">
+            <a:extLst>
+              <a:ext uri="{FF2B5EF4-FFF2-40B4-BE49-F238E27FC236}">
+                <a16:creationId xmlns:a16="http://schemas.microsoft.com/office/drawing/2014/main" id="{898CFF2D-BA6B-8134-2C5E-C09B4A3D877F}"/>
+              </a:ext>
+            </a:extLst>
+          </p:cNvPr>
+          <p:cNvSpPr txBox="1"/>
+          <p:nvPr/>
+        </p:nvSpPr>
+        <p:spPr>
+          <a:xfrm>
+            <a:off x="1206504" y="2436350"/>
+            <a:ext cx="9680027" cy="369332"/>
+          </a:xfrm>
+          <a:prstGeom prst="rect">
+            <a:avLst/>
+          </a:prstGeom>
+          <a:noFill/>
+        </p:spPr>
+        <p:txBody>
+          <a:bodyPr wrap="square" rtlCol="0">
+            <a:spAutoFit/>
+          </a:bodyPr>
+          <a:lstStyle/>
+          <a:p>
+            <a:r>
+              <a:rPr lang="en-GB" dirty="0"/>
+              <a:t>The many-electron time-independent Schrödinger equation is what governs at the atomic scale </a:t>
+            </a:r>
+            <a:endParaRPr lang="en-DK" dirty="0"/>
+          </a:p>
+        </p:txBody>
+      </p:sp>
+      <p:sp>
+        <p:nvSpPr>
+          <p:cNvPr id="8" name="TextBox 7">
+            <a:extLst>
+              <a:ext uri="{FF2B5EF4-FFF2-40B4-BE49-F238E27FC236}">
+                <a16:creationId xmlns:a16="http://schemas.microsoft.com/office/drawing/2014/main" id="{E6DE4961-3E1B-1453-0C86-6A6F161C6C75}"/>
+              </a:ext>
+            </a:extLst>
+          </p:cNvPr>
+          <p:cNvSpPr txBox="1"/>
+          <p:nvPr/>
+        </p:nvSpPr>
+        <p:spPr>
+          <a:xfrm>
+            <a:off x="1206503" y="4060199"/>
+            <a:ext cx="9680027" cy="646331"/>
+          </a:xfrm>
+          <a:prstGeom prst="rect">
+            <a:avLst/>
+          </a:prstGeom>
+          <a:noFill/>
+        </p:spPr>
+        <p:txBody>
+          <a:bodyPr wrap="square" rtlCol="0">
+            <a:spAutoFit/>
+          </a:bodyPr>
+          <a:lstStyle/>
+          <a:p>
+            <a:r>
+              <a:rPr lang="en-DK" dirty="0"/>
+              <a:t>Generally unsolvable – so that’s a nice starting point. However, plenty of approximations exists, </a:t>
+            </a:r>
+          </a:p>
+          <a:p>
+            <a:r>
+              <a:rPr lang="en-DK" dirty="0"/>
+              <a:t>specifically computational approximations. </a:t>
+            </a:r>
+          </a:p>
+        </p:txBody>
+      </p:sp>
+    </p:spTree>
+    <p:extLst>
+      <p:ext uri="{BB962C8B-B14F-4D97-AF65-F5344CB8AC3E}">
+        <p14:creationId xmlns:p14="http://schemas.microsoft.com/office/powerpoint/2010/main" val="682773001"/>
       </p:ext>
     </p:extLst>
   </p:cSld>

--- a/lessons/lesson_3/lecture3.pptx
+++ b/lessons/lesson_3/lecture3.pptx
@@ -23,6 +23,7 @@
     <p:sldId id="265" r:id="rId17"/>
     <p:sldId id="266" r:id="rId18"/>
     <p:sldId id="274" r:id="rId19"/>
+    <p:sldId id="275" r:id="rId20"/>
   </p:sldIdLst>
   <p:sldSz cx="12192000" cy="6858000"/>
   <p:notesSz cx="6858000" cy="9144000"/>
@@ -13550,6 +13551,121 @@
 </p:sld>
 </file>
 
+<file path=ppt/slides/slide19.xml><?xml version="1.0" encoding="utf-8"?>
+<p:sld xmlns:a="http://schemas.openxmlformats.org/drawingml/2006/main" xmlns:r="http://schemas.openxmlformats.org/officeDocument/2006/relationships" xmlns:p="http://schemas.openxmlformats.org/presentationml/2006/main">
+  <p:cSld>
+    <p:spTree>
+      <p:nvGrpSpPr>
+        <p:cNvPr id="1" name=""/>
+        <p:cNvGrpSpPr/>
+        <p:nvPr/>
+      </p:nvGrpSpPr>
+      <p:grpSpPr>
+        <a:xfrm>
+          <a:off x="0" y="0"/>
+          <a:ext cx="0" cy="0"/>
+          <a:chOff x="0" y="0"/>
+          <a:chExt cx="0" cy="0"/>
+        </a:xfrm>
+      </p:grpSpPr>
+      <p:sp>
+        <p:nvSpPr>
+          <p:cNvPr id="2" name="Title 1">
+            <a:extLst>
+              <a:ext uri="{FF2B5EF4-FFF2-40B4-BE49-F238E27FC236}">
+                <a16:creationId xmlns:a16="http://schemas.microsoft.com/office/drawing/2014/main" id="{4C1976EA-4899-D721-E1C5-2F48FC18A6DA}"/>
+              </a:ext>
+            </a:extLst>
+          </p:cNvPr>
+          <p:cNvSpPr>
+            <a:spLocks noGrp="1"/>
+          </p:cNvSpPr>
+          <p:nvPr>
+            <p:ph type="title"/>
+          </p:nvPr>
+        </p:nvSpPr>
+        <p:spPr/>
+        <p:txBody>
+          <a:bodyPr>
+            <a:normAutofit/>
+          </a:bodyPr>
+          <a:lstStyle/>
+          <a:p>
+            <a:r>
+              <a:rPr lang="en-DK" sz="3600" dirty="0"/>
+              <a:t>Todays Exercises: </a:t>
+            </a:r>
+            <a:r>
+              <a:rPr lang="en-GB" sz="3600" dirty="0" err="1"/>
+              <a:t>github.com</a:t>
+            </a:r>
+            <a:r>
+              <a:rPr lang="en-GB" sz="3600" dirty="0"/>
+              <a:t>/Mads-</a:t>
+            </a:r>
+            <a:r>
+              <a:rPr lang="en-GB" sz="3600" dirty="0" err="1"/>
+              <a:t>PeterVC</a:t>
+            </a:r>
+            <a:r>
+              <a:rPr lang="en-GB" sz="3600" dirty="0"/>
+              <a:t>/</a:t>
+            </a:r>
+            <a:r>
+              <a:rPr lang="en-GB" sz="3600" dirty="0" err="1"/>
+              <a:t>imlms</a:t>
+            </a:r>
+            <a:r>
+              <a:rPr lang="en-GB" sz="3600" dirty="0"/>
+              <a:t>/</a:t>
+            </a:r>
+            <a:endParaRPr lang="en-DK" sz="3600" dirty="0"/>
+          </a:p>
+        </p:txBody>
+      </p:sp>
+      <p:pic>
+        <p:nvPicPr>
+          <p:cNvPr id="5" name="Picture 4" descr="A screenshot of a computer&#10;&#10;AI-generated content may be incorrect.">
+            <a:extLst>
+              <a:ext uri="{FF2B5EF4-FFF2-40B4-BE49-F238E27FC236}">
+                <a16:creationId xmlns:a16="http://schemas.microsoft.com/office/drawing/2014/main" id="{9C2C38B5-231E-80A3-136E-077E298B5A4C}"/>
+              </a:ext>
+            </a:extLst>
+          </p:cNvPr>
+          <p:cNvPicPr>
+            <a:picLocks noChangeAspect="1"/>
+          </p:cNvPicPr>
+          <p:nvPr/>
+        </p:nvPicPr>
+        <p:blipFill>
+          <a:blip r:embed="rId2"/>
+          <a:stretch>
+            <a:fillRect/>
+          </a:stretch>
+        </p:blipFill>
+        <p:spPr>
+          <a:xfrm>
+            <a:off x="1566607" y="1827851"/>
+            <a:ext cx="9058785" cy="4019733"/>
+          </a:xfrm>
+          <a:prstGeom prst="rect">
+            <a:avLst/>
+          </a:prstGeom>
+        </p:spPr>
+      </p:pic>
+    </p:spTree>
+    <p:extLst>
+      <p:ext uri="{BB962C8B-B14F-4D97-AF65-F5344CB8AC3E}">
+        <p14:creationId xmlns:p14="http://schemas.microsoft.com/office/powerpoint/2010/main" val="2175821856"/>
+      </p:ext>
+    </p:extLst>
+  </p:cSld>
+  <p:clrMapOvr>
+    <a:masterClrMapping/>
+  </p:clrMapOvr>
+</p:sld>
+</file>
+
 <file path=ppt/slides/slide2.xml><?xml version="1.0" encoding="utf-8"?>
 <p:sld xmlns:a="http://schemas.openxmlformats.org/drawingml/2006/main" xmlns:r="http://schemas.openxmlformats.org/officeDocument/2006/relationships" xmlns:p="http://schemas.openxmlformats.org/presentationml/2006/main">
   <p:cSld>
